--- a/Conference/2603_Moonshot/3_results.pptx
+++ b/Conference/2603_Moonshot/3_results.pptx
@@ -254,7 +254,7 @@
           <a:p>
             <a:fld id="{F602A9BB-8336-1F4C-AA8D-E45E345636B3}" type="datetimeFigureOut">
               <a:rPr kumimoji="1" lang="ja-JP" altLang="en-US" smtClean="0"/>
-              <a:t>2026/1/9</a:t>
+              <a:t>2026/2/12</a:t>
             </a:fld>
             <a:endParaRPr kumimoji="1" lang="ja-JP" altLang="en-US"/>
           </a:p>
@@ -456,7 +456,7 @@
           <a:p>
             <a:fld id="{F602A9BB-8336-1F4C-AA8D-E45E345636B3}" type="datetimeFigureOut">
               <a:rPr kumimoji="1" lang="ja-JP" altLang="en-US" smtClean="0"/>
-              <a:t>2026/1/9</a:t>
+              <a:t>2026/2/12</a:t>
             </a:fld>
             <a:endParaRPr kumimoji="1" lang="ja-JP" altLang="en-US"/>
           </a:p>
@@ -668,7 +668,7 @@
           <a:p>
             <a:fld id="{F602A9BB-8336-1F4C-AA8D-E45E345636B3}" type="datetimeFigureOut">
               <a:rPr kumimoji="1" lang="ja-JP" altLang="en-US" smtClean="0"/>
-              <a:t>2026/1/9</a:t>
+              <a:t>2026/2/12</a:t>
             </a:fld>
             <a:endParaRPr kumimoji="1" lang="ja-JP" altLang="en-US"/>
           </a:p>
@@ -870,7 +870,7 @@
           <a:p>
             <a:fld id="{F602A9BB-8336-1F4C-AA8D-E45E345636B3}" type="datetimeFigureOut">
               <a:rPr kumimoji="1" lang="ja-JP" altLang="en-US" smtClean="0"/>
-              <a:t>2026/1/9</a:t>
+              <a:t>2026/2/12</a:t>
             </a:fld>
             <a:endParaRPr kumimoji="1" lang="ja-JP" altLang="en-US"/>
           </a:p>
@@ -1116,7 +1116,7 @@
           <a:p>
             <a:fld id="{F602A9BB-8336-1F4C-AA8D-E45E345636B3}" type="datetimeFigureOut">
               <a:rPr kumimoji="1" lang="ja-JP" altLang="en-US" smtClean="0"/>
-              <a:t>2026/1/9</a:t>
+              <a:t>2026/2/12</a:t>
             </a:fld>
             <a:endParaRPr kumimoji="1" lang="ja-JP" altLang="en-US"/>
           </a:p>
@@ -1412,7 +1412,7 @@
           <a:p>
             <a:fld id="{F602A9BB-8336-1F4C-AA8D-E45E345636B3}" type="datetimeFigureOut">
               <a:rPr kumimoji="1" lang="ja-JP" altLang="en-US" smtClean="0"/>
-              <a:t>2026/1/9</a:t>
+              <a:t>2026/2/12</a:t>
             </a:fld>
             <a:endParaRPr kumimoji="1" lang="ja-JP" altLang="en-US"/>
           </a:p>
@@ -1843,7 +1843,7 @@
           <a:p>
             <a:fld id="{F602A9BB-8336-1F4C-AA8D-E45E345636B3}" type="datetimeFigureOut">
               <a:rPr kumimoji="1" lang="ja-JP" altLang="en-US" smtClean="0"/>
-              <a:t>2026/1/9</a:t>
+              <a:t>2026/2/12</a:t>
             </a:fld>
             <a:endParaRPr kumimoji="1" lang="ja-JP" altLang="en-US"/>
           </a:p>
@@ -1961,7 +1961,7 @@
           <a:p>
             <a:fld id="{F602A9BB-8336-1F4C-AA8D-E45E345636B3}" type="datetimeFigureOut">
               <a:rPr kumimoji="1" lang="ja-JP" altLang="en-US" smtClean="0"/>
-              <a:t>2026/1/9</a:t>
+              <a:t>2026/2/12</a:t>
             </a:fld>
             <a:endParaRPr kumimoji="1" lang="ja-JP" altLang="en-US"/>
           </a:p>
@@ -2056,7 +2056,7 @@
           <a:p>
             <a:fld id="{F602A9BB-8336-1F4C-AA8D-E45E345636B3}" type="datetimeFigureOut">
               <a:rPr kumimoji="1" lang="ja-JP" altLang="en-US" smtClean="0"/>
-              <a:t>2026/1/9</a:t>
+              <a:t>2026/2/12</a:t>
             </a:fld>
             <a:endParaRPr kumimoji="1" lang="ja-JP" altLang="en-US"/>
           </a:p>
@@ -2365,7 +2365,7 @@
           <a:p>
             <a:fld id="{F602A9BB-8336-1F4C-AA8D-E45E345636B3}" type="datetimeFigureOut">
               <a:rPr kumimoji="1" lang="ja-JP" altLang="en-US" smtClean="0"/>
-              <a:t>2026/1/9</a:t>
+              <a:t>2026/2/12</a:t>
             </a:fld>
             <a:endParaRPr kumimoji="1" lang="ja-JP" altLang="en-US"/>
           </a:p>
@@ -2622,7 +2622,7 @@
           <a:p>
             <a:fld id="{F602A9BB-8336-1F4C-AA8D-E45E345636B3}" type="datetimeFigureOut">
               <a:rPr kumimoji="1" lang="ja-JP" altLang="en-US" smtClean="0"/>
-              <a:t>2026/1/9</a:t>
+              <a:t>2026/2/12</a:t>
             </a:fld>
             <a:endParaRPr kumimoji="1" lang="ja-JP" altLang="en-US"/>
           </a:p>
@@ -2867,7 +2867,7 @@
           <a:p>
             <a:fld id="{F602A9BB-8336-1F4C-AA8D-E45E345636B3}" type="datetimeFigureOut">
               <a:rPr kumimoji="1" lang="ja-JP" altLang="en-US" smtClean="0"/>
-              <a:t>2026/1/9</a:t>
+              <a:t>2026/2/12</a:t>
             </a:fld>
             <a:endParaRPr kumimoji="1" lang="ja-JP" altLang="en-US"/>
           </a:p>
@@ -3286,8 +3286,8 @@
         </p:nvSpPr>
         <p:spPr>
           <a:xfrm>
-            <a:off x="0" y="-3818"/>
-            <a:ext cx="27641550" cy="7944645"/>
+            <a:off x="0" y="447519"/>
+            <a:ext cx="27641550" cy="7493309"/>
           </a:xfrm>
           <a:prstGeom prst="rect">
             <a:avLst/>
@@ -3295,9 +3295,9 @@
           <a:solidFill>
             <a:schemeClr val="bg1"/>
           </a:solidFill>
-          <a:ln w="38100">
+          <a:ln w="76200">
             <a:solidFill>
-              <a:schemeClr val="tx1"/>
+              <a:srgbClr val="002060"/>
             </a:solidFill>
           </a:ln>
         </p:spPr>
@@ -3328,58 +3328,6 @@
       </p:sp>
       <p:sp>
         <p:nvSpPr>
-          <p:cNvPr id="3" name="正方形/長方形 2">
-            <a:extLst>
-              <a:ext uri="{FF2B5EF4-FFF2-40B4-BE49-F238E27FC236}">
-                <a16:creationId xmlns:a16="http://schemas.microsoft.com/office/drawing/2014/main" id="{02ACD646-2506-78B8-C2A6-2179A21A1EE6}"/>
-              </a:ext>
-            </a:extLst>
-          </p:cNvPr>
-          <p:cNvSpPr/>
-          <p:nvPr/>
-        </p:nvSpPr>
-        <p:spPr>
-          <a:xfrm>
-            <a:off x="0" y="-1"/>
-            <a:ext cx="27641550" cy="1926771"/>
-          </a:xfrm>
-          <a:prstGeom prst="rect">
-            <a:avLst/>
-          </a:prstGeom>
-          <a:solidFill>
-            <a:schemeClr val="tx1"/>
-          </a:solidFill>
-          <a:ln>
-            <a:noFill/>
-          </a:ln>
-        </p:spPr>
-        <p:style>
-          <a:lnRef idx="2">
-            <a:schemeClr val="accent1">
-              <a:shade val="15000"/>
-            </a:schemeClr>
-          </a:lnRef>
-          <a:fillRef idx="1">
-            <a:schemeClr val="accent1"/>
-          </a:fillRef>
-          <a:effectRef idx="0">
-            <a:schemeClr val="accent1"/>
-          </a:effectRef>
-          <a:fontRef idx="minor">
-            <a:schemeClr val="lt1"/>
-          </a:fontRef>
-        </p:style>
-        <p:txBody>
-          <a:bodyPr rtlCol="0" anchor="ctr"/>
-          <a:lstStyle/>
-          <a:p>
-            <a:pPr algn="ctr"/>
-            <a:endParaRPr kumimoji="1" lang="ja-JP" altLang="en-US"/>
-          </a:p>
-        </p:txBody>
-      </p:sp>
-      <p:sp>
-        <p:nvSpPr>
           <p:cNvPr id="7" name="テキスト ボックス 6">
             <a:extLst>
               <a:ext uri="{FF2B5EF4-FFF2-40B4-BE49-F238E27FC236}">
@@ -3392,13 +3340,15 @@
         </p:nvSpPr>
         <p:spPr>
           <a:xfrm>
-            <a:off x="473528" y="409386"/>
-            <a:ext cx="27168022" cy="1107996"/>
+            <a:off x="473528" y="20281"/>
+            <a:ext cx="12689232" cy="1015663"/>
           </a:xfrm>
           <a:prstGeom prst="rect">
             <a:avLst/>
           </a:prstGeom>
-          <a:noFill/>
+          <a:solidFill>
+            <a:schemeClr val="bg1"/>
+          </a:solidFill>
         </p:spPr>
         <p:txBody>
           <a:bodyPr wrap="square" rtlCol="0">
@@ -3407,24 +3357,27 @@
           <a:lstStyle/>
           <a:p>
             <a:r>
-              <a:rPr kumimoji="1" lang="en-US" altLang="ja-JP" sz="6600" dirty="0">
+              <a:rPr kumimoji="1" lang="en-US" altLang="ja-JP" sz="6000" dirty="0">
                 <a:solidFill>
-                  <a:schemeClr val="bg1"/>
+                  <a:srgbClr val="002060"/>
                 </a:solidFill>
                 <a:latin typeface="Times New Roman" panose="02020603050405020304" pitchFamily="18" charset="0"/>
                 <a:ea typeface="YuKyokasho Medium" panose="02000500000000000000" pitchFamily="2" charset="-128"/>
                 <a:cs typeface="Times New Roman" panose="02020603050405020304" pitchFamily="18" charset="0"/>
               </a:rPr>
-              <a:t>3. Results: Simultaneous efficiency of MPF in size, time, accuracy</a:t>
-            </a:r>
-            <a:endParaRPr kumimoji="1" lang="ja-JP" altLang="en-US" sz="6600">
-              <a:solidFill>
-                <a:schemeClr val="bg1"/>
-              </a:solidFill>
-              <a:latin typeface="Times New Roman" panose="02020603050405020304" pitchFamily="18" charset="0"/>
-              <a:ea typeface="YuKyokasho Medium" panose="02000500000000000000" pitchFamily="2" charset="-128"/>
-              <a:cs typeface="Times New Roman" panose="02020603050405020304" pitchFamily="18" charset="0"/>
-            </a:endParaRPr>
+              <a:t>6. </a:t>
+            </a:r>
+            <a:r>
+              <a:rPr kumimoji="1" lang="ja-JP" altLang="en-US" sz="6000">
+                <a:solidFill>
+                  <a:srgbClr val="002060"/>
+                </a:solidFill>
+                <a:latin typeface="Times New Roman" panose="02020603050405020304" pitchFamily="18" charset="0"/>
+                <a:ea typeface="YuKyokasho Medium" panose="02000500000000000000" pitchFamily="2" charset="-128"/>
+                <a:cs typeface="Times New Roman" panose="02020603050405020304" pitchFamily="18" charset="0"/>
+              </a:rPr>
+              <a:t>ムーンショット目標内の研究計画</a:t>
+            </a:r>
           </a:p>
         </p:txBody>
       </p:sp>
@@ -3442,8 +3395,8 @@
         </p:nvSpPr>
         <p:spPr>
           <a:xfrm>
-            <a:off x="256115" y="2196348"/>
-            <a:ext cx="1813317" cy="646331"/>
+            <a:off x="473528" y="1412152"/>
+            <a:ext cx="11726287" cy="646331"/>
           </a:xfrm>
           <a:prstGeom prst="rect">
             <a:avLst/>
@@ -3474,132 +3427,57 @@
                 <a:ea typeface="YuKyokasho Medium" panose="02000500000000000000" pitchFamily="2" charset="-128"/>
                 <a:cs typeface="Times New Roman" panose="02020603050405020304" pitchFamily="18" charset="0"/>
               </a:rPr>
-              <a:t> Setup</a:t>
-            </a:r>
-            <a:endParaRPr kumimoji="1" lang="ja-JP" altLang="en-US" sz="3600">
-              <a:latin typeface="Times New Roman" panose="02020603050405020304" pitchFamily="18" charset="0"/>
-              <a:ea typeface="YuKyokasho Medium" panose="02000500000000000000" pitchFamily="2" charset="-128"/>
-              <a:cs typeface="Times New Roman" panose="02020603050405020304" pitchFamily="18" charset="0"/>
-            </a:endParaRPr>
-          </a:p>
-        </p:txBody>
-      </p:sp>
-      <mc:AlternateContent xmlns:mc="http://schemas.openxmlformats.org/markup-compatibility/2006" xmlns:a14="http://schemas.microsoft.com/office/drawing/2010/main">
-        <mc:Choice Requires="a14">
-          <p:sp>
-            <p:nvSpPr>
-              <p:cNvPr id="77" name="テキスト ボックス 76">
-                <a:extLst>
-                  <a:ext uri="{FF2B5EF4-FFF2-40B4-BE49-F238E27FC236}">
-                    <a16:creationId xmlns:a16="http://schemas.microsoft.com/office/drawing/2014/main" id="{A99D9B24-91E5-0FB4-E608-60610625E6D4}"/>
-                  </a:ext>
-                </a:extLst>
-              </p:cNvPr>
-              <p:cNvSpPr txBox="1"/>
-              <p:nvPr/>
-            </p:nvSpPr>
-            <p:spPr>
-              <a:xfrm>
-                <a:off x="2325547" y="2323808"/>
-                <a:ext cx="3841789" cy="461665"/>
-              </a:xfrm>
-              <a:prstGeom prst="rect">
-                <a:avLst/>
-              </a:prstGeom>
-              <a:noFill/>
-            </p:spPr>
-            <p:txBody>
-              <a:bodyPr wrap="square">
-                <a:spAutoFit/>
-              </a:bodyPr>
-              <a:lstStyle/>
-              <a:p>
-                <a:r>
-                  <a:rPr kumimoji="1" lang="en-US" altLang="ja-JP" sz="2400" b="0" dirty="0">
-                    <a:latin typeface="Times New Roman" panose="02020603050405020304" pitchFamily="18" charset="0"/>
-                    <a:ea typeface="YuKyokasho Medium" panose="02000500000000000000" pitchFamily="2" charset="-128"/>
-                    <a:cs typeface="Times New Roman" panose="02020603050405020304" pitchFamily="18" charset="0"/>
-                  </a:rPr>
-                  <a:t> Generic </a:t>
-                </a:r>
-                <a14:m>
-                  <m:oMath xmlns:m="http://schemas.openxmlformats.org/officeDocument/2006/math">
-                    <m:r>
-                      <a:rPr kumimoji="1" lang="en-US" altLang="ja-JP" sz="2400" b="0" i="1" smtClean="0">
-                        <a:latin typeface="Cambria Math" panose="02040503050406030204" pitchFamily="18" charset="0"/>
-                        <a:ea typeface="YuKyokasho Medium" panose="02000500000000000000" pitchFamily="2" charset="-128"/>
-                        <a:cs typeface="Times New Roman" panose="02020603050405020304" pitchFamily="18" charset="0"/>
-                      </a:rPr>
-                      <m:t>𝑘</m:t>
-                    </m:r>
-                  </m:oMath>
-                </a14:m>
-                <a:r>
-                  <a:rPr lang="en-US" altLang="ja-JP" sz="2400" dirty="0">
-                    <a:latin typeface="Times New Roman" panose="02020603050405020304" pitchFamily="18" charset="0"/>
-                    <a:cs typeface="Times New Roman" panose="02020603050405020304" pitchFamily="18" charset="0"/>
-                  </a:rPr>
-                  <a:t>-local Hamiltonian </a:t>
-                </a:r>
-                <a:endParaRPr lang="ja-JP" altLang="en-US" sz="2400">
-                  <a:latin typeface="Times New Roman" panose="02020603050405020304" pitchFamily="18" charset="0"/>
-                  <a:cs typeface="Times New Roman" panose="02020603050405020304" pitchFamily="18" charset="0"/>
-                </a:endParaRPr>
-              </a:p>
-            </p:txBody>
-          </p:sp>
-        </mc:Choice>
-        <mc:Fallback xmlns="">
-          <p:sp>
-            <p:nvSpPr>
-              <p:cNvPr id="77" name="テキスト ボックス 76">
-                <a:extLst>
-                  <a:ext uri="{FF2B5EF4-FFF2-40B4-BE49-F238E27FC236}">
-                    <a16:creationId xmlns:a16="http://schemas.microsoft.com/office/drawing/2014/main" id="{A99D9B24-91E5-0FB4-E608-60610625E6D4}"/>
-                  </a:ext>
-                </a:extLst>
-              </p:cNvPr>
-              <p:cNvSpPr txBox="1">
-                <a:spLocks noRot="1" noChangeAspect="1" noMove="1" noResize="1" noEditPoints="1" noAdjustHandles="1" noChangeArrowheads="1" noChangeShapeType="1" noTextEdit="1"/>
-              </p:cNvSpPr>
-              <p:nvPr/>
-            </p:nvSpPr>
-            <p:spPr>
-              <a:xfrm>
-                <a:off x="2325547" y="2323808"/>
-                <a:ext cx="3841789" cy="461665"/>
-              </a:xfrm>
-              <a:prstGeom prst="rect">
-                <a:avLst/>
-              </a:prstGeom>
-              <a:blipFill>
-                <a:blip r:embed="rId2"/>
-                <a:stretch>
-                  <a:fillRect l="-329" t="-7895" r="-2303" b="-28947"/>
-                </a:stretch>
-              </a:blipFill>
-            </p:spPr>
-            <p:txBody>
-              <a:bodyPr/>
-              <a:lstStyle/>
-              <a:p>
-                <a:r>
-                  <a:rPr lang="ja-JP" altLang="en-US">
-                    <a:noFill/>
-                  </a:rPr>
-                  <a:t> </a:t>
-                </a:r>
-              </a:p>
-            </p:txBody>
-          </p:sp>
-        </mc:Fallback>
-      </mc:AlternateContent>
-      <p:sp>
-        <p:nvSpPr>
-          <p:cNvPr id="83" name="テキスト ボックス 82">
+              <a:t> </a:t>
+            </a:r>
+            <a:r>
+              <a:rPr kumimoji="1" lang="ja-JP" altLang="en-US" sz="3600">
+                <a:latin typeface="Times New Roman" panose="02020603050405020304" pitchFamily="18" charset="0"/>
+                <a:ea typeface="YuKyokasho Medium" panose="02000500000000000000" pitchFamily="2" charset="-128"/>
+                <a:cs typeface="Times New Roman" panose="02020603050405020304" pitchFamily="18" charset="0"/>
+              </a:rPr>
+              <a:t>最適な</a:t>
+            </a:r>
+            <a:r>
+              <a:rPr kumimoji="1" lang="en-US" altLang="ja-JP" sz="3600" dirty="0">
+                <a:latin typeface="Times New Roman" panose="02020603050405020304" pitchFamily="18" charset="0"/>
+                <a:ea typeface="YuKyokasho Medium" panose="02000500000000000000" pitchFamily="2" charset="-128"/>
+                <a:cs typeface="Times New Roman" panose="02020603050405020304" pitchFamily="18" charset="0"/>
+              </a:rPr>
+              <a:t> Hamiltonian simulation </a:t>
+            </a:r>
+            <a:r>
+              <a:rPr kumimoji="1" lang="ja-JP" altLang="en-US" sz="3600">
+                <a:latin typeface="Times New Roman" panose="02020603050405020304" pitchFamily="18" charset="0"/>
+                <a:ea typeface="YuKyokasho Medium" panose="02000500000000000000" pitchFamily="2" charset="-128"/>
+                <a:cs typeface="Times New Roman" panose="02020603050405020304" pitchFamily="18" charset="0"/>
+              </a:rPr>
+              <a:t>の設計</a:t>
+            </a:r>
+            <a:r>
+              <a:rPr kumimoji="1" lang="en-US" altLang="ja-JP" sz="3600" dirty="0">
+                <a:latin typeface="Times New Roman" panose="02020603050405020304" pitchFamily="18" charset="0"/>
+                <a:ea typeface="YuKyokasho Medium" panose="02000500000000000000" pitchFamily="2" charset="-128"/>
+                <a:cs typeface="Times New Roman" panose="02020603050405020304" pitchFamily="18" charset="0"/>
+              </a:rPr>
+              <a:t> / </a:t>
+            </a:r>
+            <a:r>
+              <a:rPr kumimoji="1" lang="ja-JP" altLang="en-US" sz="3600">
+                <a:latin typeface="Times New Roman" panose="02020603050405020304" pitchFamily="18" charset="0"/>
+                <a:ea typeface="YuKyokasho Medium" panose="02000500000000000000" pitchFamily="2" charset="-128"/>
+                <a:cs typeface="Times New Roman" panose="02020603050405020304" pitchFamily="18" charset="0"/>
+              </a:rPr>
+              <a:t>リソース見積り</a:t>
+            </a:r>
+          </a:p>
+        </p:txBody>
+      </p:sp>
+      <p:sp>
+        <p:nvSpPr>
+          <p:cNvPr id="39" name="テキスト ボックス 38">
             <a:extLst>
               <a:ext uri="{FF2B5EF4-FFF2-40B4-BE49-F238E27FC236}">
-                <a16:creationId xmlns:a16="http://schemas.microsoft.com/office/drawing/2014/main" id="{DAAB2F02-D7E9-434C-0C07-87B15087B0D9}"/>
+                <a16:creationId xmlns:a16="http://schemas.microsoft.com/office/drawing/2014/main" id="{123FFCF1-EE86-4A99-7581-25741BFC9E47}"/>
               </a:ext>
             </a:extLst>
           </p:cNvPr>
@@ -3608,8 +3486,83 @@
         </p:nvSpPr>
         <p:spPr>
           <a:xfrm>
-            <a:off x="13970878" y="2231476"/>
-            <a:ext cx="1608133" cy="646331"/>
+            <a:off x="14207642" y="4040609"/>
+            <a:ext cx="7697706" cy="584775"/>
+          </a:xfrm>
+          <a:prstGeom prst="rect">
+            <a:avLst/>
+          </a:prstGeom>
+          <a:noFill/>
+        </p:spPr>
+        <p:txBody>
+          <a:bodyPr wrap="square">
+            <a:spAutoFit/>
+          </a:bodyPr>
+          <a:lstStyle/>
+          <a:p>
+            <a:r>
+              <a:rPr kumimoji="1" lang="ja-JP" altLang="en-US" sz="3200" u="sng">
+                <a:latin typeface="Times New Roman" panose="02020603050405020304" pitchFamily="18" charset="0"/>
+                <a:ea typeface="YuKyokasho Medium" panose="02000500000000000000" pitchFamily="2" charset="-128"/>
+                <a:cs typeface="Times New Roman" panose="02020603050405020304" pitchFamily="18" charset="0"/>
+              </a:rPr>
+              <a:t>量子位相推定</a:t>
+            </a:r>
+            <a:r>
+              <a:rPr kumimoji="1" lang="en-US" altLang="ja-JP" sz="3200" u="sng" dirty="0">
+                <a:latin typeface="Times New Roman" panose="02020603050405020304" pitchFamily="18" charset="0"/>
+                <a:ea typeface="YuKyokasho Medium" panose="02000500000000000000" pitchFamily="2" charset="-128"/>
+                <a:cs typeface="Times New Roman" panose="02020603050405020304" pitchFamily="18" charset="0"/>
+              </a:rPr>
+              <a:t> </a:t>
+            </a:r>
+            <a:r>
+              <a:rPr kumimoji="1" lang="en-US" altLang="ja-JP" sz="2800" u="sng" dirty="0">
+                <a:latin typeface="Times New Roman" panose="02020603050405020304" pitchFamily="18" charset="0"/>
+                <a:ea typeface="YuKyokasho Medium" panose="02000500000000000000" pitchFamily="2" charset="-128"/>
+                <a:cs typeface="Times New Roman" panose="02020603050405020304" pitchFamily="18" charset="0"/>
+              </a:rPr>
+              <a:t>(</a:t>
+            </a:r>
+            <a:r>
+              <a:rPr kumimoji="1" lang="ja-JP" altLang="en-US" sz="2800" u="sng">
+                <a:latin typeface="Times New Roman" panose="02020603050405020304" pitchFamily="18" charset="0"/>
+                <a:ea typeface="YuKyokasho Medium" panose="02000500000000000000" pitchFamily="2" charset="-128"/>
+                <a:cs typeface="Times New Roman" panose="02020603050405020304" pitchFamily="18" charset="0"/>
+              </a:rPr>
+              <a:t>固有値計算</a:t>
+            </a:r>
+            <a:r>
+              <a:rPr kumimoji="1" lang="en-US" altLang="ja-JP" sz="2800" u="sng" dirty="0">
+                <a:latin typeface="Times New Roman" panose="02020603050405020304" pitchFamily="18" charset="0"/>
+                <a:ea typeface="YuKyokasho Medium" panose="02000500000000000000" pitchFamily="2" charset="-128"/>
+                <a:cs typeface="Times New Roman" panose="02020603050405020304" pitchFamily="18" charset="0"/>
+              </a:rPr>
+              <a:t>)</a:t>
+            </a:r>
+            <a:endParaRPr lang="ja-JP" altLang="en-US" sz="3200" u="sng">
+              <a:latin typeface="Times New Roman" panose="02020603050405020304" pitchFamily="18" charset="0"/>
+              <a:cs typeface="Times New Roman" panose="02020603050405020304" pitchFamily="18" charset="0"/>
+            </a:endParaRPr>
+          </a:p>
+        </p:txBody>
+      </p:sp>
+      <p:sp>
+        <p:nvSpPr>
+          <p:cNvPr id="3" name="テキスト ボックス 2">
+            <a:extLst>
+              <a:ext uri="{FF2B5EF4-FFF2-40B4-BE49-F238E27FC236}">
+                <a16:creationId xmlns:a16="http://schemas.microsoft.com/office/drawing/2014/main" id="{32A23F5F-6FEE-7C2D-9577-811C80751A41}"/>
+              </a:ext>
+            </a:extLst>
+          </p:cNvPr>
+          <p:cNvSpPr txBox="1"/>
+          <p:nvPr/>
+        </p:nvSpPr>
+        <p:spPr>
+          <a:xfrm>
+            <a:off x="14207642" y="1089398"/>
+            <a:ext cx="9857186" cy="646331"/>
           </a:xfrm>
           <a:prstGeom prst="rect">
             <a:avLst/>
@@ -3640,142 +3593,25 @@
                 <a:ea typeface="YuKyokasho Medium" panose="02000500000000000000" pitchFamily="2" charset="-128"/>
                 <a:cs typeface="Times New Roman" panose="02020603050405020304" pitchFamily="18" charset="0"/>
               </a:rPr>
-              <a:t> Cost</a:t>
-            </a:r>
-            <a:endParaRPr kumimoji="1" lang="ja-JP" altLang="en-US" sz="3600">
-              <a:latin typeface="Times New Roman" panose="02020603050405020304" pitchFamily="18" charset="0"/>
-              <a:ea typeface="YuKyokasho Medium" panose="02000500000000000000" pitchFamily="2" charset="-128"/>
-              <a:cs typeface="Times New Roman" panose="02020603050405020304" pitchFamily="18" charset="0"/>
-            </a:endParaRPr>
-          </a:p>
-        </p:txBody>
-      </p:sp>
-      <mc:AlternateContent xmlns:mc="http://schemas.openxmlformats.org/markup-compatibility/2006" xmlns:a14="http://schemas.microsoft.com/office/drawing/2010/main">
-        <mc:Choice Requires="a14">
-          <p:sp>
-            <p:nvSpPr>
-              <p:cNvPr id="13" name="テキスト ボックス 12">
-                <a:extLst>
-                  <a:ext uri="{FF2B5EF4-FFF2-40B4-BE49-F238E27FC236}">
-                    <a16:creationId xmlns:a16="http://schemas.microsoft.com/office/drawing/2014/main" id="{A8DB3DB6-9333-13A5-8A7E-E263F0D797CD}"/>
-                  </a:ext>
-                </a:extLst>
-              </p:cNvPr>
-              <p:cNvSpPr txBox="1"/>
-              <p:nvPr/>
-            </p:nvSpPr>
-            <p:spPr>
-              <a:xfrm>
-                <a:off x="18823006" y="2009900"/>
-                <a:ext cx="4065526" cy="461665"/>
-              </a:xfrm>
-              <a:prstGeom prst="rect">
-                <a:avLst/>
-              </a:prstGeom>
-              <a:noFill/>
-            </p:spPr>
-            <p:txBody>
-              <a:bodyPr wrap="square">
-                <a:spAutoFit/>
-              </a:bodyPr>
-              <a:lstStyle/>
-              <a:p>
-                <a:r>
-                  <a:rPr lang="en-US" altLang="ja-JP" sz="2400" dirty="0">
-                    <a:latin typeface="Times New Roman" panose="02020603050405020304" pitchFamily="18" charset="0"/>
-                    <a:ea typeface="YuKyokasho Medium" panose="02000500000000000000" pitchFamily="2" charset="-128"/>
-                    <a:cs typeface="Times New Roman" panose="02020603050405020304" pitchFamily="18" charset="0"/>
-                  </a:rPr>
-                  <a:t>Number of </a:t>
-                </a:r>
-                <a14:m>
-                  <m:oMath xmlns:m="http://schemas.openxmlformats.org/officeDocument/2006/math">
-                    <m:r>
-                      <a:rPr lang="en-US" altLang="ja-JP" sz="2400" i="1" smtClean="0">
-                        <a:latin typeface="Cambria Math" panose="02040503050406030204" pitchFamily="18" charset="0"/>
-                        <a:ea typeface="Cambria Math" panose="02040503050406030204" pitchFamily="18" charset="0"/>
-                        <a:cs typeface="Times New Roman" panose="02020603050405020304" pitchFamily="18" charset="0"/>
-                      </a:rPr>
-                      <m:t>𝒪</m:t>
-                    </m:r>
-                    <m:r>
-                      <a:rPr lang="en-US" altLang="ja-JP" sz="2400" b="0" i="1" smtClean="0">
-                        <a:latin typeface="Cambria Math" panose="02040503050406030204" pitchFamily="18" charset="0"/>
-                        <a:ea typeface="Cambria Math" panose="02040503050406030204" pitchFamily="18" charset="0"/>
-                        <a:cs typeface="Times New Roman" panose="02020603050405020304" pitchFamily="18" charset="0"/>
-                      </a:rPr>
-                      <m:t>(1)</m:t>
-                    </m:r>
-                  </m:oMath>
-                </a14:m>
-                <a:r>
-                  <a:rPr lang="en-US" altLang="ja-JP" sz="2400" dirty="0">
-                    <a:latin typeface="Times New Roman" panose="02020603050405020304" pitchFamily="18" charset="0"/>
-                    <a:ea typeface="YuKyokasho Medium" panose="02000500000000000000" pitchFamily="2" charset="-128"/>
-                    <a:cs typeface="Times New Roman" panose="02020603050405020304" pitchFamily="18" charset="0"/>
-                  </a:rPr>
-                  <a:t>-qubit gates</a:t>
-                </a:r>
-                <a:endParaRPr lang="ja-JP" altLang="en-US" sz="2400">
-                  <a:latin typeface="Times New Roman" panose="02020603050405020304" pitchFamily="18" charset="0"/>
-                  <a:ea typeface="YuKyokasho Medium" panose="02000500000000000000" pitchFamily="2" charset="-128"/>
-                  <a:cs typeface="Times New Roman" panose="02020603050405020304" pitchFamily="18" charset="0"/>
-                </a:endParaRPr>
-              </a:p>
-            </p:txBody>
-          </p:sp>
-        </mc:Choice>
-        <mc:Fallback xmlns="">
-          <p:sp>
-            <p:nvSpPr>
-              <p:cNvPr id="13" name="テキスト ボックス 12">
-                <a:extLst>
-                  <a:ext uri="{FF2B5EF4-FFF2-40B4-BE49-F238E27FC236}">
-                    <a16:creationId xmlns:a16="http://schemas.microsoft.com/office/drawing/2014/main" id="{A8DB3DB6-9333-13A5-8A7E-E263F0D797CD}"/>
-                  </a:ext>
-                </a:extLst>
-              </p:cNvPr>
-              <p:cNvSpPr txBox="1">
-                <a:spLocks noRot="1" noChangeAspect="1" noMove="1" noResize="1" noEditPoints="1" noAdjustHandles="1" noChangeArrowheads="1" noChangeShapeType="1" noTextEdit="1"/>
-              </p:cNvSpPr>
-              <p:nvPr/>
-            </p:nvSpPr>
-            <p:spPr>
-              <a:xfrm>
-                <a:off x="18823006" y="2009900"/>
-                <a:ext cx="4065526" cy="461665"/>
-              </a:xfrm>
-              <a:prstGeom prst="rect">
-                <a:avLst/>
-              </a:prstGeom>
-              <a:blipFill>
-                <a:blip r:embed="rId3"/>
-                <a:stretch>
-                  <a:fillRect l="-2492" t="-10811" b="-29730"/>
-                </a:stretch>
-              </a:blipFill>
-            </p:spPr>
-            <p:txBody>
-              <a:bodyPr/>
-              <a:lstStyle/>
-              <a:p>
-                <a:r>
-                  <a:rPr lang="ja-JP" altLang="en-US">
-                    <a:noFill/>
-                  </a:rPr>
-                  <a:t> </a:t>
-                </a:r>
-              </a:p>
-            </p:txBody>
-          </p:sp>
-        </mc:Fallback>
-      </mc:AlternateContent>
-      <p:sp>
-        <p:nvSpPr>
-          <p:cNvPr id="26" name="テキスト ボックス 25">
+              <a:t> End-to-end </a:t>
+            </a:r>
+            <a:r>
+              <a:rPr kumimoji="1" lang="ja-JP" altLang="en-US" sz="3600">
+                <a:latin typeface="Times New Roman" panose="02020603050405020304" pitchFamily="18" charset="0"/>
+                <a:ea typeface="YuKyokasho Medium" panose="02000500000000000000" pitchFamily="2" charset="-128"/>
+                <a:cs typeface="Times New Roman" panose="02020603050405020304" pitchFamily="18" charset="0"/>
+              </a:rPr>
+              <a:t>のアルゴリズムの計算コスト改善</a:t>
+            </a:r>
+          </a:p>
+        </p:txBody>
+      </p:sp>
+      <p:sp>
+        <p:nvSpPr>
+          <p:cNvPr id="4" name="テキスト ボックス 3">
             <a:extLst>
               <a:ext uri="{FF2B5EF4-FFF2-40B4-BE49-F238E27FC236}">
-                <a16:creationId xmlns:a16="http://schemas.microsoft.com/office/drawing/2014/main" id="{CF71A472-5270-BF53-7B60-04B6FF12E1FA}"/>
+                <a16:creationId xmlns:a16="http://schemas.microsoft.com/office/drawing/2014/main" id="{BC355B20-7A3D-8AF5-34DA-79CB7D23EF92}"/>
               </a:ext>
             </a:extLst>
           </p:cNvPr>
@@ -3784,176 +3620,8 @@
         </p:nvSpPr>
         <p:spPr>
           <a:xfrm>
-            <a:off x="256114" y="4720234"/>
-            <a:ext cx="4570482" cy="646331"/>
-          </a:xfrm>
-          <a:prstGeom prst="rect">
-            <a:avLst/>
-          </a:prstGeom>
-          <a:solidFill>
-            <a:schemeClr val="bg1">
-              <a:lumMod val="95000"/>
-            </a:schemeClr>
-          </a:solidFill>
-        </p:spPr>
-        <p:txBody>
-          <a:bodyPr wrap="none" rtlCol="0">
-            <a:spAutoFit/>
-          </a:bodyPr>
-          <a:lstStyle/>
-          <a:p>
-            <a:r>
-              <a:rPr kumimoji="1" lang="ja-JP" altLang="en-US" sz="3600">
-                <a:latin typeface="Times New Roman" panose="02020603050405020304" pitchFamily="18" charset="0"/>
-                <a:ea typeface="YuKyokasho Medium" panose="02000500000000000000" pitchFamily="2" charset="-128"/>
-                <a:cs typeface="Times New Roman" panose="02020603050405020304" pitchFamily="18" charset="0"/>
-              </a:rPr>
-              <a:t>■</a:t>
-            </a:r>
-            <a:r>
-              <a:rPr kumimoji="1" lang="en-US" altLang="ja-JP" sz="3600" dirty="0">
-                <a:latin typeface="Times New Roman" panose="02020603050405020304" pitchFamily="18" charset="0"/>
-                <a:ea typeface="YuKyokasho Medium" panose="02000500000000000000" pitchFamily="2" charset="-128"/>
-                <a:cs typeface="Times New Roman" panose="02020603050405020304" pitchFamily="18" charset="0"/>
-              </a:rPr>
-              <a:t> Nested commutators</a:t>
-            </a:r>
-            <a:endParaRPr kumimoji="1" lang="ja-JP" altLang="en-US" sz="3600">
-              <a:latin typeface="Times New Roman" panose="02020603050405020304" pitchFamily="18" charset="0"/>
-              <a:ea typeface="YuKyokasho Medium" panose="02000500000000000000" pitchFamily="2" charset="-128"/>
-              <a:cs typeface="Times New Roman" panose="02020603050405020304" pitchFamily="18" charset="0"/>
-            </a:endParaRPr>
-          </a:p>
-        </p:txBody>
-      </p:sp>
-      <mc:AlternateContent xmlns:mc="http://schemas.openxmlformats.org/markup-compatibility/2006" xmlns:a14="http://schemas.microsoft.com/office/drawing/2010/main">
-        <mc:Choice Requires="a14">
-          <p:sp>
-            <p:nvSpPr>
-              <p:cNvPr id="32" name="テキスト ボックス 31">
-                <a:extLst>
-                  <a:ext uri="{FF2B5EF4-FFF2-40B4-BE49-F238E27FC236}">
-                    <a16:creationId xmlns:a16="http://schemas.microsoft.com/office/drawing/2014/main" id="{976F44C3-9F3D-C475-C09A-8BFF1EFF9CA1}"/>
-                  </a:ext>
-                </a:extLst>
-              </p:cNvPr>
-              <p:cNvSpPr txBox="1"/>
-              <p:nvPr/>
-            </p:nvSpPr>
-            <p:spPr>
-              <a:xfrm>
-                <a:off x="14753840" y="3244861"/>
-                <a:ext cx="1905443" cy="461665"/>
-              </a:xfrm>
-              <a:prstGeom prst="rect">
-                <a:avLst/>
-              </a:prstGeom>
-              <a:noFill/>
-            </p:spPr>
-            <p:txBody>
-              <a:bodyPr wrap="square">
-                <a:spAutoFit/>
-              </a:bodyPr>
-              <a:lstStyle/>
-              <a:p>
-                <a14:m>
-                  <m:oMath xmlns:m="http://schemas.openxmlformats.org/officeDocument/2006/math">
-                    <m:r>
-                      <a:rPr lang="en-US" altLang="ja-JP" sz="2400" b="0" i="1" smtClean="0">
-                        <a:latin typeface="Cambria Math" panose="02040503050406030204" pitchFamily="18" charset="0"/>
-                        <a:ea typeface="YuKyokasho Medium" panose="02000500000000000000" pitchFamily="2" charset="-128"/>
-                        <a:cs typeface="Times New Roman" panose="02020603050405020304" pitchFamily="18" charset="0"/>
-                      </a:rPr>
-                      <m:t>𝑝</m:t>
-                    </m:r>
-                  </m:oMath>
-                </a14:m>
-                <a:r>
-                  <a:rPr lang="en-US" altLang="ja-JP" sz="2400" dirty="0" err="1">
-                    <a:latin typeface="Times New Roman" panose="02020603050405020304" pitchFamily="18" charset="0"/>
-                    <a:ea typeface="YuKyokasho Medium" panose="02000500000000000000" pitchFamily="2" charset="-128"/>
-                    <a:cs typeface="Times New Roman" panose="02020603050405020304" pitchFamily="18" charset="0"/>
-                  </a:rPr>
-                  <a:t>th</a:t>
-                </a:r>
-                <a:r>
-                  <a:rPr lang="en-US" altLang="ja-JP" sz="2400" dirty="0">
-                    <a:latin typeface="Times New Roman" panose="02020603050405020304" pitchFamily="18" charset="0"/>
-                    <a:ea typeface="YuKyokasho Medium" panose="02000500000000000000" pitchFamily="2" charset="-128"/>
-                    <a:cs typeface="Times New Roman" panose="02020603050405020304" pitchFamily="18" charset="0"/>
-                  </a:rPr>
-                  <a:t>-order PF</a:t>
-                </a:r>
-                <a:endParaRPr lang="ja-JP" altLang="en-US" sz="2400">
-                  <a:latin typeface="Times New Roman" panose="02020603050405020304" pitchFamily="18" charset="0"/>
-                  <a:ea typeface="YuKyokasho Medium" panose="02000500000000000000" pitchFamily="2" charset="-128"/>
-                  <a:cs typeface="Times New Roman" panose="02020603050405020304" pitchFamily="18" charset="0"/>
-                </a:endParaRPr>
-              </a:p>
-            </p:txBody>
-          </p:sp>
-        </mc:Choice>
-        <mc:Fallback xmlns="">
-          <p:sp>
-            <p:nvSpPr>
-              <p:cNvPr id="32" name="テキスト ボックス 31">
-                <a:extLst>
-                  <a:ext uri="{FF2B5EF4-FFF2-40B4-BE49-F238E27FC236}">
-                    <a16:creationId xmlns:a16="http://schemas.microsoft.com/office/drawing/2014/main" id="{976F44C3-9F3D-C475-C09A-8BFF1EFF9CA1}"/>
-                  </a:ext>
-                </a:extLst>
-              </p:cNvPr>
-              <p:cNvSpPr txBox="1">
-                <a:spLocks noRot="1" noChangeAspect="1" noMove="1" noResize="1" noEditPoints="1" noAdjustHandles="1" noChangeArrowheads="1" noChangeShapeType="1" noTextEdit="1"/>
-              </p:cNvSpPr>
-              <p:nvPr/>
-            </p:nvSpPr>
-            <p:spPr>
-              <a:xfrm>
-                <a:off x="14753840" y="3244861"/>
-                <a:ext cx="1905443" cy="461665"/>
-              </a:xfrm>
-              <a:prstGeom prst="rect">
-                <a:avLst/>
-              </a:prstGeom>
-              <a:blipFill>
-                <a:blip r:embed="rId4"/>
-                <a:stretch>
-                  <a:fillRect l="-662" t="-10811" b="-29730"/>
-                </a:stretch>
-              </a:blipFill>
-            </p:spPr>
-            <p:txBody>
-              <a:bodyPr/>
-              <a:lstStyle/>
-              <a:p>
-                <a:r>
-                  <a:rPr lang="ja-JP" altLang="en-US">
-                    <a:noFill/>
-                  </a:rPr>
-                  <a:t> </a:t>
-                </a:r>
-              </a:p>
-            </p:txBody>
-          </p:sp>
-        </mc:Fallback>
-      </mc:AlternateContent>
-      <p:sp>
-        <p:nvSpPr>
-          <p:cNvPr id="33" name="テキスト ボックス 32">
-            <a:extLst>
-              <a:ext uri="{FF2B5EF4-FFF2-40B4-BE49-F238E27FC236}">
-                <a16:creationId xmlns:a16="http://schemas.microsoft.com/office/drawing/2014/main" id="{A208CF07-8CB5-128A-F647-F0E8845221EB}"/>
-              </a:ext>
-            </a:extLst>
-          </p:cNvPr>
-          <p:cNvSpPr txBox="1"/>
-          <p:nvPr/>
-        </p:nvSpPr>
-        <p:spPr>
-          <a:xfrm>
-            <a:off x="14712009" y="4296243"/>
-            <a:ext cx="1766251" cy="461665"/>
+            <a:off x="14207642" y="5840949"/>
+            <a:ext cx="7697706" cy="584775"/>
           </a:xfrm>
           <a:prstGeom prst="rect">
             <a:avLst/>
@@ -3967,16 +3635,47 @@
           <a:lstStyle/>
           <a:p>
             <a:r>
-              <a:rPr lang="en-US" altLang="ja-JP" sz="2400" dirty="0">
-                <a:latin typeface="Times New Roman" panose="02020603050405020304" pitchFamily="18" charset="0"/>
-                <a:ea typeface="YuKyokasho Medium" panose="02000500000000000000" pitchFamily="2" charset="-128"/>
-                <a:cs typeface="Times New Roman" panose="02020603050405020304" pitchFamily="18" charset="0"/>
-              </a:rPr>
-              <a:t>LCU/QSVT</a:t>
-            </a:r>
-            <a:endParaRPr lang="ja-JP" altLang="en-US" sz="2400">
+              <a:rPr kumimoji="1" lang="ja-JP" altLang="en-US" sz="3200" u="sng">
+                <a:latin typeface="Times New Roman" panose="02020603050405020304" pitchFamily="18" charset="0"/>
+                <a:ea typeface="YuKyokasho Medium" panose="02000500000000000000" pitchFamily="2" charset="-128"/>
+                <a:cs typeface="Times New Roman" panose="02020603050405020304" pitchFamily="18" charset="0"/>
+              </a:rPr>
+              <a:t>初期状態準備</a:t>
+            </a:r>
+            <a:r>
+              <a:rPr kumimoji="1" lang="en-US" altLang="ja-JP" sz="3200" u="sng" dirty="0">
+                <a:latin typeface="Times New Roman" panose="02020603050405020304" pitchFamily="18" charset="0"/>
+                <a:ea typeface="YuKyokasho Medium" panose="02000500000000000000" pitchFamily="2" charset="-128"/>
+                <a:cs typeface="Times New Roman" panose="02020603050405020304" pitchFamily="18" charset="0"/>
+              </a:rPr>
+              <a:t> </a:t>
+            </a:r>
+            <a:r>
+              <a:rPr kumimoji="1" lang="en-US" altLang="ja-JP" sz="2800" u="sng" dirty="0">
+                <a:latin typeface="Times New Roman" panose="02020603050405020304" pitchFamily="18" charset="0"/>
+                <a:ea typeface="YuKyokasho Medium" panose="02000500000000000000" pitchFamily="2" charset="-128"/>
+                <a:cs typeface="Times New Roman" panose="02020603050405020304" pitchFamily="18" charset="0"/>
+              </a:rPr>
+              <a:t>(</a:t>
+            </a:r>
+            <a:r>
+              <a:rPr kumimoji="1" lang="ja-JP" altLang="en-US" sz="2800" u="sng">
+                <a:latin typeface="Times New Roman" panose="02020603050405020304" pitchFamily="18" charset="0"/>
+                <a:ea typeface="YuKyokasho Medium" panose="02000500000000000000" pitchFamily="2" charset="-128"/>
+                <a:cs typeface="Times New Roman" panose="02020603050405020304" pitchFamily="18" charset="0"/>
+              </a:rPr>
+              <a:t>近似的な固有状態準備</a:t>
+            </a:r>
+            <a:r>
+              <a:rPr kumimoji="1" lang="en-US" altLang="ja-JP" sz="2800" u="sng" dirty="0">
+                <a:latin typeface="Times New Roman" panose="02020603050405020304" pitchFamily="18" charset="0"/>
+                <a:ea typeface="YuKyokasho Medium" panose="02000500000000000000" pitchFamily="2" charset="-128"/>
+                <a:cs typeface="Times New Roman" panose="02020603050405020304" pitchFamily="18" charset="0"/>
+              </a:rPr>
+              <a:t>)</a:t>
+            </a:r>
+            <a:endParaRPr lang="ja-JP" altLang="en-US" sz="3200" u="sng">
               <a:latin typeface="Times New Roman" panose="02020603050405020304" pitchFamily="18" charset="0"/>
-              <a:ea typeface="YuKyokasho Medium" panose="02000500000000000000" pitchFamily="2" charset="-128"/>
               <a:cs typeface="Times New Roman" panose="02020603050405020304" pitchFamily="18" charset="0"/>
             </a:endParaRPr>
           </a:p>
@@ -3984,10 +3683,10 @@
       </p:sp>
       <p:sp>
         <p:nvSpPr>
-          <p:cNvPr id="35" name="テキスト ボックス 34">
+          <p:cNvPr id="5" name="テキスト ボックス 4">
             <a:extLst>
               <a:ext uri="{FF2B5EF4-FFF2-40B4-BE49-F238E27FC236}">
-                <a16:creationId xmlns:a16="http://schemas.microsoft.com/office/drawing/2014/main" id="{DDC96A73-1555-E9EB-B29F-F1CEFF513740}"/>
+                <a16:creationId xmlns:a16="http://schemas.microsoft.com/office/drawing/2014/main" id="{14187382-1FEE-B90B-0687-5910F4800F0B}"/>
               </a:ext>
             </a:extLst>
           </p:cNvPr>
@@ -3996,8 +3695,8 @@
         </p:nvSpPr>
         <p:spPr>
           <a:xfrm>
-            <a:off x="15034741" y="5231099"/>
-            <a:ext cx="1088537" cy="461665"/>
+            <a:off x="20371735" y="1949862"/>
+            <a:ext cx="6943533" cy="461665"/>
           </a:xfrm>
           <a:prstGeom prst="rect">
             <a:avLst/>
@@ -4012,204 +3711,79 @@
           <a:p>
             <a:r>
               <a:rPr lang="en-US" altLang="ja-JP" sz="2400" dirty="0">
-                <a:latin typeface="Times New Roman" panose="02020603050405020304" pitchFamily="18" charset="0"/>
-                <a:ea typeface="YuKyokasho Medium" panose="02000500000000000000" pitchFamily="2" charset="-128"/>
-                <a:cs typeface="Times New Roman" panose="02020603050405020304" pitchFamily="18" charset="0"/>
-              </a:rPr>
-              <a:t>HHKL</a:t>
-            </a:r>
-            <a:endParaRPr lang="ja-JP" altLang="en-US" sz="2400">
-              <a:latin typeface="Times New Roman" panose="02020603050405020304" pitchFamily="18" charset="0"/>
-              <a:ea typeface="YuKyokasho Medium" panose="02000500000000000000" pitchFamily="2" charset="-128"/>
-              <a:cs typeface="Times New Roman" panose="02020603050405020304" pitchFamily="18" charset="0"/>
-            </a:endParaRPr>
-          </a:p>
-        </p:txBody>
-      </p:sp>
-      <mc:AlternateContent xmlns:mc="http://schemas.openxmlformats.org/markup-compatibility/2006" xmlns:a14="http://schemas.microsoft.com/office/drawing/2010/main">
-        <mc:Choice Requires="a14">
-          <p:sp>
-            <p:nvSpPr>
-              <p:cNvPr id="36" name="テキスト ボックス 35">
-                <a:extLst>
-                  <a:ext uri="{FF2B5EF4-FFF2-40B4-BE49-F238E27FC236}">
-                    <a16:creationId xmlns:a16="http://schemas.microsoft.com/office/drawing/2014/main" id="{F235B635-C1E3-C4EA-1DA2-9BF0A700A537}"/>
-                  </a:ext>
-                </a:extLst>
-              </p:cNvPr>
-              <p:cNvSpPr txBox="1"/>
-              <p:nvPr/>
-            </p:nvSpPr>
-            <p:spPr>
-              <a:xfrm>
-                <a:off x="14378333" y="6159409"/>
-                <a:ext cx="2395198" cy="769441"/>
-              </a:xfrm>
-              <a:prstGeom prst="rect">
-                <a:avLst/>
-              </a:prstGeom>
-              <a:noFill/>
-            </p:spPr>
-            <p:txBody>
-              <a:bodyPr wrap="square">
-                <a:spAutoFit/>
-              </a:bodyPr>
-              <a:lstStyle/>
-              <a:p>
-                <a:pPr algn="ctr"/>
-                <a14:m>
-                  <m:oMath xmlns:m="http://schemas.openxmlformats.org/officeDocument/2006/math">
-                    <m:r>
-                      <a:rPr lang="en-US" altLang="ja-JP" sz="2400" b="1" i="1" dirty="0" smtClean="0">
-                        <a:solidFill>
-                          <a:schemeClr val="accent2"/>
-                        </a:solidFill>
-                        <a:latin typeface="Cambria Math" panose="02040503050406030204" pitchFamily="18" charset="0"/>
-                        <a:ea typeface="YuKyokasho Medium" panose="02000500000000000000" pitchFamily="2" charset="-128"/>
-                        <a:cs typeface="Times New Roman" panose="02020603050405020304" pitchFamily="18" charset="0"/>
-                      </a:rPr>
-                      <m:t>𝒑</m:t>
-                    </m:r>
-                  </m:oMath>
-                </a14:m>
-                <a:r>
-                  <a:rPr lang="en-US" altLang="ja-JP" sz="2400" b="1" dirty="0" err="1">
-                    <a:solidFill>
-                      <a:schemeClr val="accent2"/>
-                    </a:solidFill>
-                    <a:latin typeface="Cambria Math" panose="02040503050406030204" pitchFamily="18" charset="0"/>
-                    <a:ea typeface="YuKyokasho Medium" panose="02000500000000000000" pitchFamily="2" charset="-128"/>
-                    <a:cs typeface="Times New Roman" panose="02020603050405020304" pitchFamily="18" charset="0"/>
-                  </a:rPr>
-                  <a:t>th</a:t>
-                </a:r>
-                <a:r>
-                  <a:rPr lang="en-US" altLang="ja-JP" sz="2400" b="1" dirty="0">
-                    <a:solidFill>
-                      <a:schemeClr val="accent2"/>
-                    </a:solidFill>
-                    <a:latin typeface="Cambria Math" panose="02040503050406030204" pitchFamily="18" charset="0"/>
-                    <a:ea typeface="YuKyokasho Medium" panose="02000500000000000000" pitchFamily="2" charset="-128"/>
-                    <a:cs typeface="Times New Roman" panose="02020603050405020304" pitchFamily="18" charset="0"/>
-                  </a:rPr>
-                  <a:t>-order MPF</a:t>
-                </a:r>
-              </a:p>
-              <a:p>
-                <a:pPr algn="ctr"/>
-                <a:r>
-                  <a:rPr lang="en-US" altLang="ja-JP" sz="2000" b="1" dirty="0">
-                    <a:solidFill>
-                      <a:schemeClr val="accent2"/>
-                    </a:solidFill>
-                    <a:latin typeface="Cambria Math" panose="02040503050406030204" pitchFamily="18" charset="0"/>
-                    <a:ea typeface="YuKyokasho Medium" panose="02000500000000000000" pitchFamily="2" charset="-128"/>
-                    <a:cs typeface="Times New Roman" panose="02020603050405020304" pitchFamily="18" charset="0"/>
-                  </a:rPr>
-                  <a:t>(this work)</a:t>
-                </a:r>
-              </a:p>
-            </p:txBody>
-          </p:sp>
-        </mc:Choice>
-        <mc:Fallback xmlns="">
-          <p:sp>
-            <p:nvSpPr>
-              <p:cNvPr id="36" name="テキスト ボックス 35">
-                <a:extLst>
-                  <a:ext uri="{FF2B5EF4-FFF2-40B4-BE49-F238E27FC236}">
-                    <a16:creationId xmlns:a16="http://schemas.microsoft.com/office/drawing/2014/main" id="{F235B635-C1E3-C4EA-1DA2-9BF0A700A537}"/>
-                  </a:ext>
-                </a:extLst>
-              </p:cNvPr>
-              <p:cNvSpPr txBox="1">
-                <a:spLocks noRot="1" noChangeAspect="1" noMove="1" noResize="1" noEditPoints="1" noAdjustHandles="1" noChangeArrowheads="1" noChangeShapeType="1" noTextEdit="1"/>
-              </p:cNvSpPr>
-              <p:nvPr/>
-            </p:nvSpPr>
-            <p:spPr>
-              <a:xfrm>
-                <a:off x="14378333" y="6159409"/>
-                <a:ext cx="2395198" cy="769441"/>
-              </a:xfrm>
-              <a:prstGeom prst="rect">
-                <a:avLst/>
-              </a:prstGeom>
-              <a:blipFill>
-                <a:blip r:embed="rId5"/>
-                <a:stretch>
-                  <a:fillRect t="-6452" b="-11290"/>
-                </a:stretch>
-              </a:blipFill>
-            </p:spPr>
-            <p:txBody>
-              <a:bodyPr/>
-              <a:lstStyle/>
-              <a:p>
-                <a:r>
-                  <a:rPr lang="ja-JP" altLang="en-US">
-                    <a:noFill/>
-                  </a:rPr>
-                  <a:t> </a:t>
-                </a:r>
-              </a:p>
-            </p:txBody>
-          </p:sp>
-        </mc:Fallback>
-      </mc:AlternateContent>
-      <p:pic>
-        <p:nvPicPr>
-          <p:cNvPr id="38" name="Picture 4" descr="\begin{align*}&#10;  H = \sum_{\gamma=1}^\Gamma H_\gamma, \quad H_\gamma = \sum_{X \subset \Lambda} h_X^\gamma &#10;\end{align*}">
+                <a:solidFill>
+                  <a:srgbClr val="002060"/>
+                </a:solidFill>
+                <a:latin typeface="Times New Roman" panose="02020603050405020304" pitchFamily="18" charset="0"/>
+                <a:ea typeface="YuKyokasho Medium" panose="02000500000000000000" pitchFamily="2" charset="-128"/>
+                <a:cs typeface="Times New Roman" panose="02020603050405020304" pitchFamily="18" charset="0"/>
+              </a:rPr>
+              <a:t>2029-2030</a:t>
+            </a:r>
+            <a:r>
+              <a:rPr lang="ja-JP" altLang="en-US" sz="2400">
+                <a:solidFill>
+                  <a:srgbClr val="002060"/>
+                </a:solidFill>
+                <a:latin typeface="Times New Roman" panose="02020603050405020304" pitchFamily="18" charset="0"/>
+                <a:ea typeface="YuKyokasho Medium" panose="02000500000000000000" pitchFamily="2" charset="-128"/>
+                <a:cs typeface="Times New Roman" panose="02020603050405020304" pitchFamily="18" charset="0"/>
+              </a:rPr>
+              <a:t>年度マイルストーン</a:t>
+            </a:r>
+            <a:r>
+              <a:rPr lang="en-US" altLang="ja-JP" sz="2400" dirty="0">
+                <a:solidFill>
+                  <a:srgbClr val="002060"/>
+                </a:solidFill>
+                <a:latin typeface="Times New Roman" panose="02020603050405020304" pitchFamily="18" charset="0"/>
+                <a:ea typeface="YuKyokasho Medium" panose="02000500000000000000" pitchFamily="2" charset="-128"/>
+                <a:cs typeface="Times New Roman" panose="02020603050405020304" pitchFamily="18" charset="0"/>
+              </a:rPr>
+              <a:t>, </a:t>
+            </a:r>
+            <a:r>
+              <a:rPr lang="ja-JP" altLang="en-US" sz="2400">
+                <a:solidFill>
+                  <a:srgbClr val="002060"/>
+                </a:solidFill>
+                <a:latin typeface="Times New Roman" panose="02020603050405020304" pitchFamily="18" charset="0"/>
+                <a:ea typeface="YuKyokasho Medium" panose="02000500000000000000" pitchFamily="2" charset="-128"/>
+                <a:cs typeface="Times New Roman" panose="02020603050405020304" pitchFamily="18" charset="0"/>
+              </a:rPr>
+              <a:t>研究課題</a:t>
+            </a:r>
+            <a:r>
+              <a:rPr lang="en-US" altLang="ja-JP" sz="2400" dirty="0">
+                <a:solidFill>
+                  <a:srgbClr val="002060"/>
+                </a:solidFill>
+                <a:latin typeface="Times New Roman" panose="02020603050405020304" pitchFamily="18" charset="0"/>
+                <a:ea typeface="YuKyokasho Medium" panose="02000500000000000000" pitchFamily="2" charset="-128"/>
+                <a:cs typeface="Times New Roman" panose="02020603050405020304" pitchFamily="18" charset="0"/>
+              </a:rPr>
+              <a:t>2-2</a:t>
+            </a:r>
+            <a:r>
+              <a:rPr lang="ja-JP" altLang="en-US" sz="2400">
+                <a:solidFill>
+                  <a:srgbClr val="002060"/>
+                </a:solidFill>
+                <a:latin typeface="Times New Roman" panose="02020603050405020304" pitchFamily="18" charset="0"/>
+                <a:ea typeface="YuKyokasho Medium" panose="02000500000000000000" pitchFamily="2" charset="-128"/>
+                <a:cs typeface="Times New Roman" panose="02020603050405020304" pitchFamily="18" charset="0"/>
+              </a:rPr>
+              <a:t>と連携</a:t>
+            </a:r>
+          </a:p>
+        </p:txBody>
+      </p:sp>
+      <p:sp>
+        <p:nvSpPr>
+          <p:cNvPr id="6" name="テキスト ボックス 5">
             <a:extLst>
               <a:ext uri="{FF2B5EF4-FFF2-40B4-BE49-F238E27FC236}">
-                <a16:creationId xmlns:a16="http://schemas.microsoft.com/office/drawing/2014/main" id="{1F8806B5-57BE-B39E-B761-FF5E8A455D3D}"/>
-              </a:ext>
-            </a:extLst>
-          </p:cNvPr>
-          <p:cNvPicPr>
-            <a:picLocks noChangeAspect="1" noChangeArrowheads="1"/>
-          </p:cNvPicPr>
-          <p:nvPr/>
-        </p:nvPicPr>
-        <p:blipFill>
-          <a:blip r:embed="rId6">
-            <a:extLst>
-              <a:ext uri="{28A0092B-C50C-407E-A947-70E740481C1C}">
-                <a14:useLocalDpi xmlns:a14="http://schemas.microsoft.com/office/drawing/2010/main" val="0"/>
-              </a:ext>
-            </a:extLst>
-          </a:blip>
-          <a:srcRect/>
-          <a:stretch>
-            <a:fillRect/>
-          </a:stretch>
-        </p:blipFill>
-        <p:spPr bwMode="auto">
-          <a:xfrm>
-            <a:off x="6435491" y="2145366"/>
-            <a:ext cx="3841789" cy="929228"/>
-          </a:xfrm>
-          <a:prstGeom prst="rect">
-            <a:avLst/>
-          </a:prstGeom>
-          <a:noFill/>
-          <a:extLst>
-            <a:ext uri="{909E8E84-426E-40DD-AFC4-6F175D3DCCD1}">
-              <a14:hiddenFill xmlns:a14="http://schemas.microsoft.com/office/drawing/2010/main">
-                <a:solidFill>
-                  <a:srgbClr val="FFFFFF"/>
-                </a:solidFill>
-              </a14:hiddenFill>
-            </a:ext>
-          </a:extLst>
-        </p:spPr>
-      </p:pic>
-      <p:sp>
-        <p:nvSpPr>
-          <p:cNvPr id="39" name="テキスト ボックス 38">
-            <a:extLst>
-              <a:ext uri="{FF2B5EF4-FFF2-40B4-BE49-F238E27FC236}">
-                <a16:creationId xmlns:a16="http://schemas.microsoft.com/office/drawing/2014/main" id="{123FFCF1-EE86-4A99-7581-25741BFC9E47}"/>
+                <a16:creationId xmlns:a16="http://schemas.microsoft.com/office/drawing/2014/main" id="{21A5089E-B397-2D12-D2BF-F38DE58AE038}"/>
               </a:ext>
             </a:extLst>
           </p:cNvPr>
@@ -4218,8 +3792,8 @@
         </p:nvSpPr>
         <p:spPr>
           <a:xfrm>
-            <a:off x="911936" y="3659571"/>
-            <a:ext cx="2157115" cy="461665"/>
+            <a:off x="9316655" y="2269902"/>
+            <a:ext cx="4290112" cy="461665"/>
           </a:xfrm>
           <a:prstGeom prst="rect">
             <a:avLst/>
@@ -4233,120 +3807,44 @@
           <a:lstStyle/>
           <a:p>
             <a:r>
-              <a:rPr kumimoji="1" lang="en-US" altLang="ja-JP" sz="2400" b="0" dirty="0">
-                <a:latin typeface="Times New Roman" panose="02020603050405020304" pitchFamily="18" charset="0"/>
-                <a:ea typeface="YuKyokasho Medium" panose="02000500000000000000" pitchFamily="2" charset="-128"/>
-                <a:cs typeface="Times New Roman" panose="02020603050405020304" pitchFamily="18" charset="0"/>
-              </a:rPr>
-              <a:t> Extensiveness:</a:t>
+              <a:rPr lang="en-US" altLang="ja-JP" sz="2400" dirty="0">
+                <a:solidFill>
+                  <a:srgbClr val="002060"/>
+                </a:solidFill>
+                <a:latin typeface="Times New Roman" panose="02020603050405020304" pitchFamily="18" charset="0"/>
+                <a:ea typeface="YuKyokasho Medium" panose="02000500000000000000" pitchFamily="2" charset="-128"/>
+                <a:cs typeface="Times New Roman" panose="02020603050405020304" pitchFamily="18" charset="0"/>
+              </a:rPr>
+              <a:t>2026-2028</a:t>
+            </a:r>
+            <a:r>
+              <a:rPr lang="ja-JP" altLang="en-US" sz="2400">
+                <a:solidFill>
+                  <a:srgbClr val="002060"/>
+                </a:solidFill>
+                <a:latin typeface="Times New Roman" panose="02020603050405020304" pitchFamily="18" charset="0"/>
+                <a:ea typeface="YuKyokasho Medium" panose="02000500000000000000" pitchFamily="2" charset="-128"/>
+                <a:cs typeface="Times New Roman" panose="02020603050405020304" pitchFamily="18" charset="0"/>
+              </a:rPr>
+              <a:t>年度マイルストーン</a:t>
             </a:r>
             <a:endParaRPr lang="ja-JP" altLang="en-US" sz="2400">
+              <a:solidFill>
+                <a:srgbClr val="002060"/>
+              </a:solidFill>
               <a:latin typeface="Times New Roman" panose="02020603050405020304" pitchFamily="18" charset="0"/>
+              <a:ea typeface="YuKyokasho Medium" panose="02000500000000000000" pitchFamily="2" charset="-128"/>
               <a:cs typeface="Times New Roman" panose="02020603050405020304" pitchFamily="18" charset="0"/>
             </a:endParaRPr>
           </a:p>
         </p:txBody>
       </p:sp>
-      <p:pic>
-        <p:nvPicPr>
-          <p:cNvPr id="1030" name="Picture 6" descr="\begin{align*}&#10;  g = \max_{i \in \Lambda} \left( \sum_\gamma\sum_{X \ni i} \|h_X^\gamma \| \right) &#10;\end{align*}">
+      <p:sp>
+        <p:nvSpPr>
+          <p:cNvPr id="8" name="テキスト ボックス 7">
             <a:extLst>
               <a:ext uri="{FF2B5EF4-FFF2-40B4-BE49-F238E27FC236}">
-                <a16:creationId xmlns:a16="http://schemas.microsoft.com/office/drawing/2014/main" id="{D032D590-18D2-9DB1-664F-1324711F787F}"/>
-              </a:ext>
-            </a:extLst>
-          </p:cNvPr>
-          <p:cNvPicPr>
-            <a:picLocks noChangeAspect="1" noChangeArrowheads="1"/>
-          </p:cNvPicPr>
-          <p:nvPr/>
-        </p:nvPicPr>
-        <p:blipFill>
-          <a:blip r:embed="rId7">
-            <a:extLst>
-              <a:ext uri="{28A0092B-C50C-407E-A947-70E740481C1C}">
-                <a14:useLocalDpi xmlns:a14="http://schemas.microsoft.com/office/drawing/2010/main" val="0"/>
-              </a:ext>
-            </a:extLst>
-          </a:blip>
-          <a:srcRect/>
-          <a:stretch>
-            <a:fillRect/>
-          </a:stretch>
-        </p:blipFill>
-        <p:spPr bwMode="auto">
-          <a:xfrm>
-            <a:off x="3155628" y="3438820"/>
-            <a:ext cx="3279863" cy="922291"/>
-          </a:xfrm>
-          <a:prstGeom prst="rect">
-            <a:avLst/>
-          </a:prstGeom>
-          <a:noFill/>
-          <a:extLst>
-            <a:ext uri="{909E8E84-426E-40DD-AFC4-6F175D3DCCD1}">
-              <a14:hiddenFill xmlns:a14="http://schemas.microsoft.com/office/drawing/2010/main">
-                <a:solidFill>
-                  <a:srgbClr val="FFFFFF"/>
-                </a:solidFill>
-              </a14:hiddenFill>
-            </a:ext>
-          </a:extLst>
-        </p:spPr>
-      </p:pic>
-      <p:pic>
-        <p:nvPicPr>
-          <p:cNvPr id="1032" name="Picture 8" descr="\begin{align*}&#10;  g \in \begin{cases}&#10;  \mathcal{O}(1) \\&#10;  \mathcal{O}(1) \\&#10;  \mathcal{O}(\log N) \\&#10;  \mathcal{O}(N^{1-\nu/d})&#10;  \end{cases}&#10;\end{align*}">
-            <a:extLst>
-              <a:ext uri="{FF2B5EF4-FFF2-40B4-BE49-F238E27FC236}">
-                <a16:creationId xmlns:a16="http://schemas.microsoft.com/office/drawing/2014/main" id="{92DE13A6-C829-A602-001D-E83E5D896F0C}"/>
-              </a:ext>
-            </a:extLst>
-          </p:cNvPr>
-          <p:cNvPicPr>
-            <a:picLocks noChangeAspect="1" noChangeArrowheads="1"/>
-          </p:cNvPicPr>
-          <p:nvPr/>
-        </p:nvPicPr>
-        <p:blipFill>
-          <a:blip r:embed="rId8">
-            <a:extLst>
-              <a:ext uri="{28A0092B-C50C-407E-A947-70E740481C1C}">
-                <a14:useLocalDpi xmlns:a14="http://schemas.microsoft.com/office/drawing/2010/main" val="0"/>
-              </a:ext>
-            </a:extLst>
-          </a:blip>
-          <a:srcRect/>
-          <a:stretch>
-            <a:fillRect/>
-          </a:stretch>
-        </p:blipFill>
-        <p:spPr bwMode="auto">
-          <a:xfrm>
-            <a:off x="7694661" y="3271765"/>
-            <a:ext cx="1584687" cy="1162615"/>
-          </a:xfrm>
-          <a:prstGeom prst="rect">
-            <a:avLst/>
-          </a:prstGeom>
-          <a:noFill/>
-          <a:extLst>
-            <a:ext uri="{909E8E84-426E-40DD-AFC4-6F175D3DCCD1}">
-              <a14:hiddenFill xmlns:a14="http://schemas.microsoft.com/office/drawing/2010/main">
-                <a:solidFill>
-                  <a:srgbClr val="FFFFFF"/>
-                </a:solidFill>
-              </a14:hiddenFill>
-            </a:ext>
-          </a:extLst>
-        </p:spPr>
-      </p:pic>
-      <p:sp>
-        <p:nvSpPr>
-          <p:cNvPr id="41" name="テキスト ボックス 40">
-            <a:extLst>
-              <a:ext uri="{FF2B5EF4-FFF2-40B4-BE49-F238E27FC236}">
-                <a16:creationId xmlns:a16="http://schemas.microsoft.com/office/drawing/2014/main" id="{054BD589-0DDB-4351-E1A7-8044D81F4CF3}"/>
+                <a16:creationId xmlns:a16="http://schemas.microsoft.com/office/drawing/2014/main" id="{312DE45E-7647-39D4-3CF5-39C1D1AF709C}"/>
               </a:ext>
             </a:extLst>
           </p:cNvPr>
@@ -4355,8 +3853,8 @@
         </p:nvSpPr>
         <p:spPr>
           <a:xfrm>
-            <a:off x="9451494" y="3207262"/>
-            <a:ext cx="2551936" cy="369332"/>
+            <a:off x="473528" y="2870470"/>
+            <a:ext cx="7697706" cy="584775"/>
           </a:xfrm>
           <a:prstGeom prst="rect">
             <a:avLst/>
@@ -4370,664 +3868,50 @@
           <a:lstStyle/>
           <a:p>
             <a:r>
-              <a:rPr kumimoji="1" lang="en-US" altLang="ja-JP" b="0" dirty="0">
-                <a:latin typeface="Times New Roman" panose="02020603050405020304" pitchFamily="18" charset="0"/>
-                <a:ea typeface="YuKyokasho Medium" panose="02000500000000000000" pitchFamily="2" charset="-128"/>
-                <a:cs typeface="Times New Roman" panose="02020603050405020304" pitchFamily="18" charset="0"/>
-              </a:rPr>
-              <a:t> (finite-range interaction)</a:t>
-            </a:r>
-            <a:endParaRPr lang="ja-JP" altLang="en-US">
+              <a:rPr kumimoji="1" lang="ja-JP" altLang="en-US" sz="2800" u="sng">
+                <a:latin typeface="Times New Roman" panose="02020603050405020304" pitchFamily="18" charset="0"/>
+                <a:ea typeface="YuKyokasho Medium" panose="02000500000000000000" pitchFamily="2" charset="-128"/>
+                <a:cs typeface="Times New Roman" panose="02020603050405020304" pitchFamily="18" charset="0"/>
+              </a:rPr>
+              <a:t>✔︎</a:t>
+            </a:r>
+            <a:r>
+              <a:rPr kumimoji="1" lang="en-US" altLang="ja-JP" sz="3200" u="sng" dirty="0">
+                <a:latin typeface="Times New Roman" panose="02020603050405020304" pitchFamily="18" charset="0"/>
+                <a:ea typeface="YuKyokasho Medium" panose="02000500000000000000" pitchFamily="2" charset="-128"/>
+                <a:cs typeface="Times New Roman" panose="02020603050405020304" pitchFamily="18" charset="0"/>
+              </a:rPr>
+              <a:t> </a:t>
+            </a:r>
+            <a:r>
+              <a:rPr kumimoji="1" lang="ja-JP" altLang="en-US" sz="3200" u="sng">
+                <a:latin typeface="Times New Roman" panose="02020603050405020304" pitchFamily="18" charset="0"/>
+                <a:ea typeface="YuKyokasho Medium" panose="02000500000000000000" pitchFamily="2" charset="-128"/>
+                <a:cs typeface="Times New Roman" panose="02020603050405020304" pitchFamily="18" charset="0"/>
+              </a:rPr>
+              <a:t>最適な量子アルゴリズム実装法の構築</a:t>
+            </a:r>
+            <a:r>
+              <a:rPr kumimoji="1" lang="en-US" altLang="ja-JP" sz="3200" u="sng" dirty="0">
+                <a:latin typeface="Times New Roman" panose="02020603050405020304" pitchFamily="18" charset="0"/>
+                <a:ea typeface="YuKyokasho Medium" panose="02000500000000000000" pitchFamily="2" charset="-128"/>
+                <a:cs typeface="Times New Roman" panose="02020603050405020304" pitchFamily="18" charset="0"/>
+              </a:rPr>
+              <a:t> </a:t>
+            </a:r>
+            <a:endParaRPr lang="ja-JP" altLang="en-US" sz="3200" u="sng">
               <a:latin typeface="Times New Roman" panose="02020603050405020304" pitchFamily="18" charset="0"/>
               <a:cs typeface="Times New Roman" panose="02020603050405020304" pitchFamily="18" charset="0"/>
             </a:endParaRPr>
           </a:p>
         </p:txBody>
       </p:sp>
-      <mc:AlternateContent xmlns:mc="http://schemas.openxmlformats.org/markup-compatibility/2006" xmlns:a14="http://schemas.microsoft.com/office/drawing/2010/main">
-        <mc:Choice Requires="a14">
-          <p:sp>
-            <p:nvSpPr>
-              <p:cNvPr id="42" name="テキスト ボックス 41">
-                <a:extLst>
-                  <a:ext uri="{FF2B5EF4-FFF2-40B4-BE49-F238E27FC236}">
-                    <a16:creationId xmlns:a16="http://schemas.microsoft.com/office/drawing/2014/main" id="{7BB97A56-3D50-8408-1215-FB936A4C0EDA}"/>
-                  </a:ext>
-                </a:extLst>
-              </p:cNvPr>
-              <p:cNvSpPr txBox="1"/>
-              <p:nvPr/>
-            </p:nvSpPr>
-            <p:spPr>
-              <a:xfrm>
-                <a:off x="9451494" y="3483740"/>
-                <a:ext cx="2551936" cy="369332"/>
-              </a:xfrm>
-              <a:prstGeom prst="rect">
-                <a:avLst/>
-              </a:prstGeom>
-              <a:noFill/>
-            </p:spPr>
-            <p:txBody>
-              <a:bodyPr wrap="square">
-                <a:spAutoFit/>
-              </a:bodyPr>
-              <a:lstStyle/>
-              <a:p>
-                <a:r>
-                  <a:rPr kumimoji="1" lang="en-US" altLang="ja-JP" b="0" dirty="0">
-                    <a:latin typeface="Times New Roman" panose="02020603050405020304" pitchFamily="18" charset="0"/>
-                    <a:ea typeface="YuKyokasho Medium" panose="02000500000000000000" pitchFamily="2" charset="-128"/>
-                    <a:cs typeface="Times New Roman" panose="02020603050405020304" pitchFamily="18" charset="0"/>
-                  </a:rPr>
-                  <a:t> (long-range int., </a:t>
-                </a:r>
-                <a14:m>
-                  <m:oMath xmlns:m="http://schemas.openxmlformats.org/officeDocument/2006/math">
-                    <m:r>
-                      <a:rPr kumimoji="1" lang="en-US" altLang="ja-JP" b="0" i="1" smtClean="0">
-                        <a:latin typeface="Cambria Math" panose="02040503050406030204" pitchFamily="18" charset="0"/>
-                        <a:ea typeface="Cambria Math" panose="02040503050406030204" pitchFamily="18" charset="0"/>
-                        <a:cs typeface="Times New Roman" panose="02020603050405020304" pitchFamily="18" charset="0"/>
-                      </a:rPr>
-                      <m:t>𝜈</m:t>
-                    </m:r>
-                    <m:r>
-                      <a:rPr kumimoji="1" lang="en-US" altLang="ja-JP" b="0" i="1" smtClean="0">
-                        <a:latin typeface="Cambria Math" panose="02040503050406030204" pitchFamily="18" charset="0"/>
-                        <a:ea typeface="Cambria Math" panose="02040503050406030204" pitchFamily="18" charset="0"/>
-                        <a:cs typeface="Times New Roman" panose="02020603050405020304" pitchFamily="18" charset="0"/>
-                      </a:rPr>
-                      <m:t>&gt;</m:t>
-                    </m:r>
-                    <m:r>
-                      <a:rPr kumimoji="1" lang="en-US" altLang="ja-JP" b="0" i="1" smtClean="0">
-                        <a:latin typeface="Cambria Math" panose="02040503050406030204" pitchFamily="18" charset="0"/>
-                        <a:ea typeface="Cambria Math" panose="02040503050406030204" pitchFamily="18" charset="0"/>
-                        <a:cs typeface="Times New Roman" panose="02020603050405020304" pitchFamily="18" charset="0"/>
-                      </a:rPr>
-                      <m:t>𝑑</m:t>
-                    </m:r>
-                  </m:oMath>
-                </a14:m>
-                <a:r>
-                  <a:rPr kumimoji="1" lang="en-US" altLang="ja-JP" b="0" dirty="0">
-                    <a:latin typeface="Times New Roman" panose="02020603050405020304" pitchFamily="18" charset="0"/>
-                    <a:ea typeface="YuKyokasho Medium" panose="02000500000000000000" pitchFamily="2" charset="-128"/>
-                    <a:cs typeface="Times New Roman" panose="02020603050405020304" pitchFamily="18" charset="0"/>
-                  </a:rPr>
-                  <a:t>)</a:t>
-                </a:r>
-                <a:endParaRPr lang="ja-JP" altLang="en-US">
-                  <a:latin typeface="Times New Roman" panose="02020603050405020304" pitchFamily="18" charset="0"/>
-                  <a:cs typeface="Times New Roman" panose="02020603050405020304" pitchFamily="18" charset="0"/>
-                </a:endParaRPr>
-              </a:p>
-            </p:txBody>
-          </p:sp>
-        </mc:Choice>
-        <mc:Fallback xmlns="">
-          <p:sp>
-            <p:nvSpPr>
-              <p:cNvPr id="42" name="テキスト ボックス 41">
-                <a:extLst>
-                  <a:ext uri="{FF2B5EF4-FFF2-40B4-BE49-F238E27FC236}">
-                    <a16:creationId xmlns:a16="http://schemas.microsoft.com/office/drawing/2014/main" id="{7BB97A56-3D50-8408-1215-FB936A4C0EDA}"/>
-                  </a:ext>
-                </a:extLst>
-              </p:cNvPr>
-              <p:cNvSpPr txBox="1">
-                <a:spLocks noRot="1" noChangeAspect="1" noMove="1" noResize="1" noEditPoints="1" noAdjustHandles="1" noChangeArrowheads="1" noChangeShapeType="1" noTextEdit="1"/>
-              </p:cNvSpPr>
-              <p:nvPr/>
-            </p:nvSpPr>
-            <p:spPr>
-              <a:xfrm>
-                <a:off x="9451494" y="3483740"/>
-                <a:ext cx="2551936" cy="369332"/>
-              </a:xfrm>
-              <a:prstGeom prst="rect">
-                <a:avLst/>
-              </a:prstGeom>
-              <a:blipFill>
-                <a:blip r:embed="rId9"/>
-                <a:stretch>
-                  <a:fillRect t="-6667" b="-23333"/>
-                </a:stretch>
-              </a:blipFill>
-            </p:spPr>
-            <p:txBody>
-              <a:bodyPr/>
-              <a:lstStyle/>
-              <a:p>
-                <a:r>
-                  <a:rPr lang="ja-JP" altLang="en-US">
-                    <a:noFill/>
-                  </a:rPr>
-                  <a:t> </a:t>
-                </a:r>
-              </a:p>
-            </p:txBody>
-          </p:sp>
-        </mc:Fallback>
-      </mc:AlternateContent>
-      <mc:AlternateContent xmlns:mc="http://schemas.openxmlformats.org/markup-compatibility/2006" xmlns:a14="http://schemas.microsoft.com/office/drawing/2010/main">
-        <mc:Choice Requires="a14">
-          <p:sp>
-            <p:nvSpPr>
-              <p:cNvPr id="43" name="テキスト ボックス 42">
-                <a:extLst>
-                  <a:ext uri="{FF2B5EF4-FFF2-40B4-BE49-F238E27FC236}">
-                    <a16:creationId xmlns:a16="http://schemas.microsoft.com/office/drawing/2014/main" id="{E22F4B73-D2CB-66C8-4C49-10170221605B}"/>
-                  </a:ext>
-                </a:extLst>
-              </p:cNvPr>
-              <p:cNvSpPr txBox="1"/>
-              <p:nvPr/>
-            </p:nvSpPr>
-            <p:spPr>
-              <a:xfrm>
-                <a:off x="9451494" y="3772443"/>
-                <a:ext cx="2551936" cy="369332"/>
-              </a:xfrm>
-              <a:prstGeom prst="rect">
-                <a:avLst/>
-              </a:prstGeom>
-              <a:noFill/>
-            </p:spPr>
-            <p:txBody>
-              <a:bodyPr wrap="square">
-                <a:spAutoFit/>
-              </a:bodyPr>
-              <a:lstStyle/>
-              <a:p>
-                <a:r>
-                  <a:rPr kumimoji="1" lang="en-US" altLang="ja-JP" b="0" dirty="0">
-                    <a:latin typeface="Times New Roman" panose="02020603050405020304" pitchFamily="18" charset="0"/>
-                    <a:ea typeface="YuKyokasho Medium" panose="02000500000000000000" pitchFamily="2" charset="-128"/>
-                    <a:cs typeface="Times New Roman" panose="02020603050405020304" pitchFamily="18" charset="0"/>
-                  </a:rPr>
-                  <a:t> (long-range int., </a:t>
-                </a:r>
-                <a14:m>
-                  <m:oMath xmlns:m="http://schemas.openxmlformats.org/officeDocument/2006/math">
-                    <m:r>
-                      <a:rPr kumimoji="1" lang="en-US" altLang="ja-JP" b="0" i="1" smtClean="0">
-                        <a:latin typeface="Cambria Math" panose="02040503050406030204" pitchFamily="18" charset="0"/>
-                        <a:ea typeface="Cambria Math" panose="02040503050406030204" pitchFamily="18" charset="0"/>
-                        <a:cs typeface="Times New Roman" panose="02020603050405020304" pitchFamily="18" charset="0"/>
-                      </a:rPr>
-                      <m:t>𝜈</m:t>
-                    </m:r>
-                    <m:r>
-                      <a:rPr kumimoji="1" lang="en-US" altLang="ja-JP" b="0" i="1" smtClean="0">
-                        <a:latin typeface="Cambria Math" panose="02040503050406030204" pitchFamily="18" charset="0"/>
-                        <a:ea typeface="Cambria Math" panose="02040503050406030204" pitchFamily="18" charset="0"/>
-                        <a:cs typeface="Times New Roman" panose="02020603050405020304" pitchFamily="18" charset="0"/>
-                      </a:rPr>
-                      <m:t>=</m:t>
-                    </m:r>
-                    <m:r>
-                      <a:rPr kumimoji="1" lang="en-US" altLang="ja-JP" b="0" i="1" smtClean="0">
-                        <a:latin typeface="Cambria Math" panose="02040503050406030204" pitchFamily="18" charset="0"/>
-                        <a:ea typeface="Cambria Math" panose="02040503050406030204" pitchFamily="18" charset="0"/>
-                        <a:cs typeface="Times New Roman" panose="02020603050405020304" pitchFamily="18" charset="0"/>
-                      </a:rPr>
-                      <m:t>𝑑</m:t>
-                    </m:r>
-                  </m:oMath>
-                </a14:m>
-                <a:r>
-                  <a:rPr kumimoji="1" lang="en-US" altLang="ja-JP" b="0" dirty="0">
-                    <a:latin typeface="Times New Roman" panose="02020603050405020304" pitchFamily="18" charset="0"/>
-                    <a:ea typeface="YuKyokasho Medium" panose="02000500000000000000" pitchFamily="2" charset="-128"/>
-                    <a:cs typeface="Times New Roman" panose="02020603050405020304" pitchFamily="18" charset="0"/>
-                  </a:rPr>
-                  <a:t>)</a:t>
-                </a:r>
-                <a:endParaRPr lang="ja-JP" altLang="en-US">
-                  <a:latin typeface="Times New Roman" panose="02020603050405020304" pitchFamily="18" charset="0"/>
-                  <a:cs typeface="Times New Roman" panose="02020603050405020304" pitchFamily="18" charset="0"/>
-                </a:endParaRPr>
-              </a:p>
-            </p:txBody>
-          </p:sp>
-        </mc:Choice>
-        <mc:Fallback xmlns="">
-          <p:sp>
-            <p:nvSpPr>
-              <p:cNvPr id="43" name="テキスト ボックス 42">
-                <a:extLst>
-                  <a:ext uri="{FF2B5EF4-FFF2-40B4-BE49-F238E27FC236}">
-                    <a16:creationId xmlns:a16="http://schemas.microsoft.com/office/drawing/2014/main" id="{E22F4B73-D2CB-66C8-4C49-10170221605B}"/>
-                  </a:ext>
-                </a:extLst>
-              </p:cNvPr>
-              <p:cNvSpPr txBox="1">
-                <a:spLocks noRot="1" noChangeAspect="1" noMove="1" noResize="1" noEditPoints="1" noAdjustHandles="1" noChangeArrowheads="1" noChangeShapeType="1" noTextEdit="1"/>
-              </p:cNvSpPr>
-              <p:nvPr/>
-            </p:nvSpPr>
-            <p:spPr>
-              <a:xfrm>
-                <a:off x="9451494" y="3772443"/>
-                <a:ext cx="2551936" cy="369332"/>
-              </a:xfrm>
-              <a:prstGeom prst="rect">
-                <a:avLst/>
-              </a:prstGeom>
-              <a:blipFill>
-                <a:blip r:embed="rId10"/>
-                <a:stretch>
-                  <a:fillRect t="-10345" b="-27586"/>
-                </a:stretch>
-              </a:blipFill>
-            </p:spPr>
-            <p:txBody>
-              <a:bodyPr/>
-              <a:lstStyle/>
-              <a:p>
-                <a:r>
-                  <a:rPr lang="ja-JP" altLang="en-US">
-                    <a:noFill/>
-                  </a:rPr>
-                  <a:t> </a:t>
-                </a:r>
-              </a:p>
-            </p:txBody>
-          </p:sp>
-        </mc:Fallback>
-      </mc:AlternateContent>
-      <mc:AlternateContent xmlns:mc="http://schemas.openxmlformats.org/markup-compatibility/2006" xmlns:a14="http://schemas.microsoft.com/office/drawing/2010/main">
-        <mc:Choice Requires="a14">
-          <p:sp>
-            <p:nvSpPr>
-              <p:cNvPr id="44" name="テキスト ボックス 43">
-                <a:extLst>
-                  <a:ext uri="{FF2B5EF4-FFF2-40B4-BE49-F238E27FC236}">
-                    <a16:creationId xmlns:a16="http://schemas.microsoft.com/office/drawing/2014/main" id="{E48C63A1-58A1-0B1B-77F2-CB223A67B012}"/>
-                  </a:ext>
-                </a:extLst>
-              </p:cNvPr>
-              <p:cNvSpPr txBox="1"/>
-              <p:nvPr/>
-            </p:nvSpPr>
-            <p:spPr>
-              <a:xfrm>
-                <a:off x="9451494" y="4086834"/>
-                <a:ext cx="2551936" cy="369332"/>
-              </a:xfrm>
-              <a:prstGeom prst="rect">
-                <a:avLst/>
-              </a:prstGeom>
-              <a:noFill/>
-            </p:spPr>
-            <p:txBody>
-              <a:bodyPr wrap="square">
-                <a:spAutoFit/>
-              </a:bodyPr>
-              <a:lstStyle/>
-              <a:p>
-                <a:r>
-                  <a:rPr kumimoji="1" lang="en-US" altLang="ja-JP" b="0" dirty="0">
-                    <a:latin typeface="Times New Roman" panose="02020603050405020304" pitchFamily="18" charset="0"/>
-                    <a:ea typeface="YuKyokasho Medium" panose="02000500000000000000" pitchFamily="2" charset="-128"/>
-                    <a:cs typeface="Times New Roman" panose="02020603050405020304" pitchFamily="18" charset="0"/>
-                  </a:rPr>
-                  <a:t> (long-range int., </a:t>
-                </a:r>
-                <a14:m>
-                  <m:oMath xmlns:m="http://schemas.openxmlformats.org/officeDocument/2006/math">
-                    <m:r>
-                      <a:rPr kumimoji="1" lang="en-US" altLang="ja-JP" b="0" i="1" smtClean="0">
-                        <a:latin typeface="Cambria Math" panose="02040503050406030204" pitchFamily="18" charset="0"/>
-                        <a:ea typeface="Cambria Math" panose="02040503050406030204" pitchFamily="18" charset="0"/>
-                        <a:cs typeface="Times New Roman" panose="02020603050405020304" pitchFamily="18" charset="0"/>
-                      </a:rPr>
-                      <m:t>𝜈</m:t>
-                    </m:r>
-                    <m:r>
-                      <a:rPr kumimoji="1" lang="en-US" altLang="ja-JP" b="0" i="1" smtClean="0">
-                        <a:latin typeface="Cambria Math" panose="02040503050406030204" pitchFamily="18" charset="0"/>
-                        <a:ea typeface="Cambria Math" panose="02040503050406030204" pitchFamily="18" charset="0"/>
-                        <a:cs typeface="Times New Roman" panose="02020603050405020304" pitchFamily="18" charset="0"/>
-                      </a:rPr>
-                      <m:t>&lt;</m:t>
-                    </m:r>
-                    <m:r>
-                      <a:rPr kumimoji="1" lang="en-US" altLang="ja-JP" b="0" i="1" smtClean="0">
-                        <a:latin typeface="Cambria Math" panose="02040503050406030204" pitchFamily="18" charset="0"/>
-                        <a:ea typeface="Cambria Math" panose="02040503050406030204" pitchFamily="18" charset="0"/>
-                        <a:cs typeface="Times New Roman" panose="02020603050405020304" pitchFamily="18" charset="0"/>
-                      </a:rPr>
-                      <m:t>𝑑</m:t>
-                    </m:r>
-                  </m:oMath>
-                </a14:m>
-                <a:r>
-                  <a:rPr kumimoji="1" lang="en-US" altLang="ja-JP" b="0" dirty="0">
-                    <a:latin typeface="Times New Roman" panose="02020603050405020304" pitchFamily="18" charset="0"/>
-                    <a:ea typeface="YuKyokasho Medium" panose="02000500000000000000" pitchFamily="2" charset="-128"/>
-                    <a:cs typeface="Times New Roman" panose="02020603050405020304" pitchFamily="18" charset="0"/>
-                  </a:rPr>
-                  <a:t>)</a:t>
-                </a:r>
-                <a:endParaRPr lang="ja-JP" altLang="en-US">
-                  <a:latin typeface="Times New Roman" panose="02020603050405020304" pitchFamily="18" charset="0"/>
-                  <a:cs typeface="Times New Roman" panose="02020603050405020304" pitchFamily="18" charset="0"/>
-                </a:endParaRPr>
-              </a:p>
-            </p:txBody>
-          </p:sp>
-        </mc:Choice>
-        <mc:Fallback xmlns="">
-          <p:sp>
-            <p:nvSpPr>
-              <p:cNvPr id="44" name="テキスト ボックス 43">
-                <a:extLst>
-                  <a:ext uri="{FF2B5EF4-FFF2-40B4-BE49-F238E27FC236}">
-                    <a16:creationId xmlns:a16="http://schemas.microsoft.com/office/drawing/2014/main" id="{E48C63A1-58A1-0B1B-77F2-CB223A67B012}"/>
-                  </a:ext>
-                </a:extLst>
-              </p:cNvPr>
-              <p:cNvSpPr txBox="1">
-                <a:spLocks noRot="1" noChangeAspect="1" noMove="1" noResize="1" noEditPoints="1" noAdjustHandles="1" noChangeArrowheads="1" noChangeShapeType="1" noTextEdit="1"/>
-              </p:cNvSpPr>
-              <p:nvPr/>
-            </p:nvSpPr>
-            <p:spPr>
-              <a:xfrm>
-                <a:off x="9451494" y="4086834"/>
-                <a:ext cx="2551936" cy="369332"/>
-              </a:xfrm>
-              <a:prstGeom prst="rect">
-                <a:avLst/>
-              </a:prstGeom>
-              <a:blipFill>
-                <a:blip r:embed="rId11"/>
-                <a:stretch>
-                  <a:fillRect t="-6667" b="-23333"/>
-                </a:stretch>
-              </a:blipFill>
-            </p:spPr>
-            <p:txBody>
-              <a:bodyPr/>
-              <a:lstStyle/>
-              <a:p>
-                <a:r>
-                  <a:rPr lang="ja-JP" altLang="en-US">
-                    <a:noFill/>
-                  </a:rPr>
-                  <a:t> </a:t>
-                </a:r>
-              </a:p>
-            </p:txBody>
-          </p:sp>
-        </mc:Fallback>
-      </mc:AlternateContent>
-      <mc:AlternateContent xmlns:mc="http://schemas.openxmlformats.org/markup-compatibility/2006" xmlns:a14="http://schemas.microsoft.com/office/drawing/2010/main">
-        <mc:Choice Requires="a14">
-          <p:sp>
-            <p:nvSpPr>
-              <p:cNvPr id="45" name="テキスト ボックス 44">
-                <a:extLst>
-                  <a:ext uri="{FF2B5EF4-FFF2-40B4-BE49-F238E27FC236}">
-                    <a16:creationId xmlns:a16="http://schemas.microsoft.com/office/drawing/2014/main" id="{3DCCDAA7-59AF-0865-0067-D1F77555C847}"/>
-                  </a:ext>
-                </a:extLst>
-              </p:cNvPr>
-              <p:cNvSpPr txBox="1"/>
-              <p:nvPr/>
-            </p:nvSpPr>
-            <p:spPr>
-              <a:xfrm>
-                <a:off x="11878330" y="3809871"/>
-                <a:ext cx="1284430" cy="338554"/>
-              </a:xfrm>
-              <a:prstGeom prst="rect">
-                <a:avLst/>
-              </a:prstGeom>
-              <a:noFill/>
-            </p:spPr>
-            <p:txBody>
-              <a:bodyPr wrap="square">
-                <a:spAutoFit/>
-              </a:bodyPr>
-              <a:lstStyle/>
-              <a:p>
-                <a:pPr/>
-                <a14:m>
-                  <m:oMathPara xmlns:m="http://schemas.openxmlformats.org/officeDocument/2006/math">
-                    <m:oMathParaPr>
-                      <m:jc m:val="centerGroup"/>
-                    </m:oMathParaPr>
-                    <m:oMath xmlns:m="http://schemas.openxmlformats.org/officeDocument/2006/math">
-                      <m:r>
-                        <a:rPr lang="en-US" altLang="ja-JP" sz="1600" b="0" i="1" smtClean="0">
-                          <a:latin typeface="Cambria Math" panose="02040503050406030204" pitchFamily="18" charset="0"/>
-                          <a:ea typeface="YuKyokasho Medium" panose="02000500000000000000" pitchFamily="2" charset="-128"/>
-                          <a:cs typeface="Times New Roman" panose="02020603050405020304" pitchFamily="18" charset="0"/>
-                        </a:rPr>
-                        <m:t>𝑈</m:t>
-                      </m:r>
-                      <m:d>
-                        <m:dPr>
-                          <m:ctrlPr>
-                            <a:rPr lang="en-US" altLang="ja-JP" sz="1600" b="0" i="1" smtClean="0">
-                              <a:latin typeface="Cambria Math" panose="02040503050406030204" pitchFamily="18" charset="0"/>
-                              <a:ea typeface="YuKyokasho Medium" panose="02000500000000000000" pitchFamily="2" charset="-128"/>
-                              <a:cs typeface="Times New Roman" panose="02020603050405020304" pitchFamily="18" charset="0"/>
-                            </a:rPr>
-                          </m:ctrlPr>
-                        </m:dPr>
-                        <m:e>
-                          <m:r>
-                            <a:rPr lang="en-US" altLang="ja-JP" sz="1600" b="0" i="1" smtClean="0">
-                              <a:latin typeface="Cambria Math" panose="02040503050406030204" pitchFamily="18" charset="0"/>
-                              <a:ea typeface="YuKyokasho Medium" panose="02000500000000000000" pitchFamily="2" charset="-128"/>
-                              <a:cs typeface="Times New Roman" panose="02020603050405020304" pitchFamily="18" charset="0"/>
-                            </a:rPr>
-                            <m:t>𝑟</m:t>
-                          </m:r>
-                        </m:e>
-                      </m:d>
-                      <m:r>
-                        <a:rPr lang="en-US" altLang="ja-JP" sz="1600" b="0" i="1" smtClean="0">
-                          <a:latin typeface="Cambria Math" panose="02040503050406030204" pitchFamily="18" charset="0"/>
-                          <a:ea typeface="YuKyokasho Medium" panose="02000500000000000000" pitchFamily="2" charset="-128"/>
-                          <a:cs typeface="Times New Roman" panose="02020603050405020304" pitchFamily="18" charset="0"/>
-                        </a:rPr>
-                        <m:t>~</m:t>
-                      </m:r>
-                      <m:sSup>
-                        <m:sSupPr>
-                          <m:ctrlPr>
-                            <a:rPr lang="en-US" altLang="ja-JP" sz="1600" b="0" i="1" smtClean="0">
-                              <a:latin typeface="Cambria Math" panose="02040503050406030204" pitchFamily="18" charset="0"/>
-                              <a:ea typeface="YuKyokasho Medium" panose="02000500000000000000" pitchFamily="2" charset="-128"/>
-                              <a:cs typeface="Times New Roman" panose="02020603050405020304" pitchFamily="18" charset="0"/>
-                            </a:rPr>
-                          </m:ctrlPr>
-                        </m:sSupPr>
-                        <m:e>
-                          <m:r>
-                            <a:rPr lang="en-US" altLang="ja-JP" sz="1600" b="0" i="1" smtClean="0">
-                              <a:latin typeface="Cambria Math" panose="02040503050406030204" pitchFamily="18" charset="0"/>
-                              <a:ea typeface="YuKyokasho Medium" panose="02000500000000000000" pitchFamily="2" charset="-128"/>
-                              <a:cs typeface="Times New Roman" panose="02020603050405020304" pitchFamily="18" charset="0"/>
-                            </a:rPr>
-                            <m:t>𝑟</m:t>
-                          </m:r>
-                        </m:e>
-                        <m:sup>
-                          <m:r>
-                            <a:rPr lang="en-US" altLang="ja-JP" sz="1600" b="0" i="1" smtClean="0">
-                              <a:latin typeface="Cambria Math" panose="02040503050406030204" pitchFamily="18" charset="0"/>
-                              <a:ea typeface="YuKyokasho Medium" panose="02000500000000000000" pitchFamily="2" charset="-128"/>
-                              <a:cs typeface="Times New Roman" panose="02020603050405020304" pitchFamily="18" charset="0"/>
-                            </a:rPr>
-                            <m:t>−</m:t>
-                          </m:r>
-                          <m:r>
-                            <a:rPr lang="en-US" altLang="ja-JP" sz="1600" b="0" i="1" smtClean="0">
-                              <a:latin typeface="Cambria Math" panose="02040503050406030204" pitchFamily="18" charset="0"/>
-                              <a:ea typeface="Cambria Math" panose="02040503050406030204" pitchFamily="18" charset="0"/>
-                              <a:cs typeface="Times New Roman" panose="02020603050405020304" pitchFamily="18" charset="0"/>
-                            </a:rPr>
-                            <m:t>𝜈</m:t>
-                          </m:r>
-                        </m:sup>
-                      </m:sSup>
-                    </m:oMath>
-                  </m:oMathPara>
-                </a14:m>
-                <a:endParaRPr/>
-              </a:p>
-            </p:txBody>
-          </p:sp>
-        </mc:Choice>
-        <mc:Fallback xmlns="">
-          <p:sp>
-            <p:nvSpPr>
-              <p:cNvPr id="45" name="テキスト ボックス 44">
-                <a:extLst>
-                  <a:ext uri="{FF2B5EF4-FFF2-40B4-BE49-F238E27FC236}">
-                    <a16:creationId xmlns:a16="http://schemas.microsoft.com/office/drawing/2014/main" id="{3DCCDAA7-59AF-0865-0067-D1F77555C847}"/>
-                  </a:ext>
-                </a:extLst>
-              </p:cNvPr>
-              <p:cNvSpPr txBox="1">
-                <a:spLocks noRot="1" noChangeAspect="1" noMove="1" noResize="1" noEditPoints="1" noAdjustHandles="1" noChangeArrowheads="1" noChangeShapeType="1" noTextEdit="1"/>
-              </p:cNvSpPr>
-              <p:nvPr/>
-            </p:nvSpPr>
-            <p:spPr>
-              <a:xfrm>
-                <a:off x="11878330" y="3809871"/>
-                <a:ext cx="1284430" cy="338554"/>
-              </a:xfrm>
-              <a:prstGeom prst="rect">
-                <a:avLst/>
-              </a:prstGeom>
-              <a:blipFill>
-                <a:blip r:embed="rId12"/>
-                <a:stretch>
-                  <a:fillRect t="-7407" b="-22222"/>
-                </a:stretch>
-              </a:blipFill>
-            </p:spPr>
-            <p:txBody>
-              <a:bodyPr/>
-              <a:lstStyle/>
-              <a:p>
-                <a:r>
-                  <a:rPr lang="ja-JP" altLang="en-US">
-                    <a:noFill/>
-                  </a:rPr>
-                  <a:t> </a:t>
-                </a:r>
-              </a:p>
-            </p:txBody>
-          </p:sp>
-        </mc:Fallback>
-      </mc:AlternateContent>
-      <p:pic>
-        <p:nvPicPr>
-          <p:cNvPr id="1034" name="Picture 10" descr="\begin{align*}&#10;  \alpha_{\text{com},q} = \sum_{\gamma_0,\cdots,\gamma_q=1}^\Gamma \norm{[H_{\gamma_q},\cdots,[H_{\gamma_1},H_{\gamma_0}]]}&#10;\end{align*}">
+      <p:sp>
+        <p:nvSpPr>
+          <p:cNvPr id="9" name="テキスト ボックス 8">
             <a:extLst>
               <a:ext uri="{FF2B5EF4-FFF2-40B4-BE49-F238E27FC236}">
-                <a16:creationId xmlns:a16="http://schemas.microsoft.com/office/drawing/2014/main" id="{38492B03-3079-B9FD-9BF2-39DFF1E4947E}"/>
-              </a:ext>
-            </a:extLst>
-          </p:cNvPr>
-          <p:cNvPicPr>
-            <a:picLocks noChangeAspect="1" noChangeArrowheads="1"/>
-          </p:cNvPicPr>
-          <p:nvPr/>
-        </p:nvPicPr>
-        <p:blipFill>
-          <a:blip r:embed="rId13">
-            <a:extLst>
-              <a:ext uri="{28A0092B-C50C-407E-A947-70E740481C1C}">
-                <a14:useLocalDpi xmlns:a14="http://schemas.microsoft.com/office/drawing/2010/main" val="0"/>
-              </a:ext>
-            </a:extLst>
-          </a:blip>
-          <a:srcRect/>
-          <a:stretch>
-            <a:fillRect/>
-          </a:stretch>
-        </p:blipFill>
-        <p:spPr bwMode="auto">
-          <a:xfrm>
-            <a:off x="1172362" y="5679685"/>
-            <a:ext cx="5467142" cy="989687"/>
-          </a:xfrm>
-          <a:prstGeom prst="rect">
-            <a:avLst/>
-          </a:prstGeom>
-          <a:noFill/>
-          <a:extLst>
-            <a:ext uri="{909E8E84-426E-40DD-AFC4-6F175D3DCCD1}">
-              <a14:hiddenFill xmlns:a14="http://schemas.microsoft.com/office/drawing/2010/main">
-                <a:solidFill>
-                  <a:srgbClr val="FFFFFF"/>
-                </a:solidFill>
-              </a14:hiddenFill>
-            </a:ext>
-          </a:extLst>
-        </p:spPr>
-      </p:pic>
-      <p:cxnSp>
-        <p:nvCxnSpPr>
-          <p:cNvPr id="49" name="直線矢印コネクタ 48">
-            <a:extLst>
-              <a:ext uri="{FF2B5EF4-FFF2-40B4-BE49-F238E27FC236}">
-                <a16:creationId xmlns:a16="http://schemas.microsoft.com/office/drawing/2014/main" id="{03BF8DC4-9A20-C6B9-3B27-103E0A4FC113}"/>
-              </a:ext>
-            </a:extLst>
-          </p:cNvPr>
-          <p:cNvCxnSpPr>
-            <a:cxnSpLocks/>
-          </p:cNvCxnSpPr>
-          <p:nvPr/>
-        </p:nvCxnSpPr>
-        <p:spPr>
-          <a:xfrm>
-            <a:off x="6928624" y="6137270"/>
-            <a:ext cx="2019626" cy="0"/>
-          </a:xfrm>
-          <a:prstGeom prst="straightConnector1">
-            <a:avLst/>
-          </a:prstGeom>
-          <a:ln w="19050">
-            <a:solidFill>
-              <a:srgbClr val="C00000"/>
-            </a:solidFill>
-            <a:tailEnd type="triangle"/>
-          </a:ln>
-        </p:spPr>
-        <p:style>
-          <a:lnRef idx="1">
-            <a:schemeClr val="accent1"/>
-          </a:lnRef>
-          <a:fillRef idx="0">
-            <a:schemeClr val="accent1"/>
-          </a:fillRef>
-          <a:effectRef idx="0">
-            <a:schemeClr val="accent1"/>
-          </a:effectRef>
-          <a:fontRef idx="minor">
-            <a:schemeClr val="tx1"/>
-          </a:fontRef>
-        </p:style>
-      </p:cxnSp>
-      <p:sp>
-        <p:nvSpPr>
-          <p:cNvPr id="53" name="テキスト ボックス 52">
-            <a:extLst>
-              <a:ext uri="{FF2B5EF4-FFF2-40B4-BE49-F238E27FC236}">
-                <a16:creationId xmlns:a16="http://schemas.microsoft.com/office/drawing/2014/main" id="{2AF303A1-279B-CD71-6FBB-C9FD4F614D26}"/>
+                <a16:creationId xmlns:a16="http://schemas.microsoft.com/office/drawing/2014/main" id="{081CBC10-A724-1BF3-F2EC-56052A0BF0B6}"/>
               </a:ext>
             </a:extLst>
           </p:cNvPr>
@@ -5036,8 +3920,8 @@
         </p:nvSpPr>
         <p:spPr>
           <a:xfrm>
-            <a:off x="7084463" y="5245976"/>
-            <a:ext cx="1766252" cy="830997"/>
+            <a:off x="473528" y="5302181"/>
+            <a:ext cx="9273588" cy="584775"/>
           </a:xfrm>
           <a:prstGeom prst="rect">
             <a:avLst/>
@@ -5051,79 +3935,50 @@
           <a:lstStyle/>
           <a:p>
             <a:r>
-              <a:rPr kumimoji="1" lang="en-US" altLang="ja-JP" sz="2400" b="0" dirty="0">
-                <a:solidFill>
-                  <a:srgbClr val="C00000"/>
-                </a:solidFill>
-                <a:latin typeface="Times New Roman" panose="02020603050405020304" pitchFamily="18" charset="0"/>
-                <a:ea typeface="YuKyokasho Medium" panose="02000500000000000000" pitchFamily="2" charset="-128"/>
-                <a:cs typeface="Times New Roman" panose="02020603050405020304" pitchFamily="18" charset="0"/>
-              </a:rPr>
-              <a:t> Locality of Hamiltonian</a:t>
-            </a:r>
-            <a:endParaRPr lang="ja-JP" altLang="en-US" sz="2400">
-              <a:solidFill>
-                <a:srgbClr val="C00000"/>
-              </a:solidFill>
+              <a:rPr kumimoji="1" lang="ja-JP" altLang="en-US" sz="3200" u="sng">
+                <a:latin typeface="Times New Roman" panose="02020603050405020304" pitchFamily="18" charset="0"/>
+                <a:ea typeface="YuKyokasho Medium" panose="02000500000000000000" pitchFamily="2" charset="-128"/>
+                <a:cs typeface="Times New Roman" panose="02020603050405020304" pitchFamily="18" charset="0"/>
+              </a:rPr>
+              <a:t>✔︎</a:t>
+            </a:r>
+            <a:r>
+              <a:rPr kumimoji="1" lang="en-US" altLang="ja-JP" sz="3200" u="sng" dirty="0">
+                <a:latin typeface="Times New Roman" panose="02020603050405020304" pitchFamily="18" charset="0"/>
+                <a:ea typeface="YuKyokasho Medium" panose="02000500000000000000" pitchFamily="2" charset="-128"/>
+                <a:cs typeface="Times New Roman" panose="02020603050405020304" pitchFamily="18" charset="0"/>
+              </a:rPr>
+              <a:t> </a:t>
+            </a:r>
+            <a:r>
+              <a:rPr kumimoji="1" lang="ja-JP" altLang="en-US" sz="3200" u="sng">
+                <a:latin typeface="Times New Roman" panose="02020603050405020304" pitchFamily="18" charset="0"/>
+                <a:ea typeface="YuKyokasho Medium" panose="02000500000000000000" pitchFamily="2" charset="-128"/>
+                <a:cs typeface="Times New Roman" panose="02020603050405020304" pitchFamily="18" charset="0"/>
+              </a:rPr>
+              <a:t>量子物質を反映した誤差評価→計算コスト決定</a:t>
+            </a:r>
+            <a:r>
+              <a:rPr kumimoji="1" lang="en-US" altLang="ja-JP" sz="3200" u="sng" dirty="0">
+                <a:latin typeface="Times New Roman" panose="02020603050405020304" pitchFamily="18" charset="0"/>
+                <a:ea typeface="YuKyokasho Medium" panose="02000500000000000000" pitchFamily="2" charset="-128"/>
+                <a:cs typeface="Times New Roman" panose="02020603050405020304" pitchFamily="18" charset="0"/>
+              </a:rPr>
+              <a:t> </a:t>
+            </a:r>
+            <a:endParaRPr lang="ja-JP" altLang="en-US" sz="3200" u="sng">
               <a:latin typeface="Times New Roman" panose="02020603050405020304" pitchFamily="18" charset="0"/>
               <a:cs typeface="Times New Roman" panose="02020603050405020304" pitchFamily="18" charset="0"/>
             </a:endParaRPr>
           </a:p>
         </p:txBody>
       </p:sp>
-      <p:pic>
-        <p:nvPicPr>
-          <p:cNvPr id="1036" name="Picture 12" descr="\begin{align*}&#10;  \alpha_{\text{com},q} \leq q! (2kg)^q Ng&#10;\end{align*}">
+      <p:sp>
+        <p:nvSpPr>
+          <p:cNvPr id="10" name="テキスト ボックス 9">
             <a:extLst>
               <a:ext uri="{FF2B5EF4-FFF2-40B4-BE49-F238E27FC236}">
-                <a16:creationId xmlns:a16="http://schemas.microsoft.com/office/drawing/2014/main" id="{700388A7-7BE4-0622-434B-8EBC34E0B1A2}"/>
-              </a:ext>
-            </a:extLst>
-          </p:cNvPr>
-          <p:cNvPicPr>
-            <a:picLocks noChangeAspect="1" noChangeArrowheads="1"/>
-          </p:cNvPicPr>
-          <p:nvPr/>
-        </p:nvPicPr>
-        <p:blipFill>
-          <a:blip r:embed="rId14">
-            <a:extLst>
-              <a:ext uri="{28A0092B-C50C-407E-A947-70E740481C1C}">
-                <a14:useLocalDpi xmlns:a14="http://schemas.microsoft.com/office/drawing/2010/main" val="0"/>
-              </a:ext>
-            </a:extLst>
-          </a:blip>
-          <a:srcRect/>
-          <a:stretch>
-            <a:fillRect/>
-          </a:stretch>
-        </p:blipFill>
-        <p:spPr bwMode="auto">
-          <a:xfrm>
-            <a:off x="9295674" y="5970246"/>
-            <a:ext cx="2822496" cy="328374"/>
-          </a:xfrm>
-          <a:prstGeom prst="rect">
-            <a:avLst/>
-          </a:prstGeom>
-          <a:noFill/>
-          <a:extLst>
-            <a:ext uri="{909E8E84-426E-40DD-AFC4-6F175D3DCCD1}">
-              <a14:hiddenFill xmlns:a14="http://schemas.microsoft.com/office/drawing/2010/main">
-                <a:solidFill>
-                  <a:srgbClr val="FFFFFF"/>
-                </a:solidFill>
-              </a14:hiddenFill>
-            </a:ext>
-          </a:extLst>
-        </p:spPr>
-      </p:pic>
-      <p:sp>
-        <p:nvSpPr>
-          <p:cNvPr id="54" name="テキスト ボックス 53">
-            <a:extLst>
-              <a:ext uri="{FF2B5EF4-FFF2-40B4-BE49-F238E27FC236}">
-                <a16:creationId xmlns:a16="http://schemas.microsoft.com/office/drawing/2014/main" id="{E85FE8DB-3F9B-C52D-E0C5-5B54389177DC}"/>
+                <a16:creationId xmlns:a16="http://schemas.microsoft.com/office/drawing/2014/main" id="{D72DA444-BCAF-E222-6467-75CD182496DE}"/>
               </a:ext>
             </a:extLst>
           </p:cNvPr>
@@ -5132,8 +3987,8 @@
         </p:nvSpPr>
         <p:spPr>
           <a:xfrm>
-            <a:off x="647975" y="7074387"/>
-            <a:ext cx="5015305" cy="461665"/>
+            <a:off x="703749" y="6220410"/>
+            <a:ext cx="8012233" cy="523220"/>
           </a:xfrm>
           <a:prstGeom prst="rect">
             <a:avLst/>
@@ -5147,251 +4002,82 @@
           <a:lstStyle/>
           <a:p>
             <a:r>
-              <a:rPr kumimoji="1" lang="en-US" altLang="ja-JP" sz="2400" b="0" dirty="0">
-                <a:solidFill>
-                  <a:schemeClr val="accent1"/>
-                </a:solidFill>
-                <a:latin typeface="Times New Roman" panose="02020603050405020304" pitchFamily="18" charset="0"/>
-                <a:ea typeface="YuKyokasho Medium" panose="02000500000000000000" pitchFamily="2" charset="-128"/>
-                <a:cs typeface="Times New Roman" panose="02020603050405020304" pitchFamily="18" charset="0"/>
-              </a:rPr>
-              <a:t> c.f. PF error with commutator scaling:</a:t>
-            </a:r>
-            <a:endParaRPr lang="ja-JP" altLang="en-US" sz="2400">
-              <a:solidFill>
-                <a:schemeClr val="accent1"/>
-              </a:solidFill>
+              <a:rPr kumimoji="1" lang="en-US" altLang="ja-JP" sz="2800" dirty="0">
+                <a:latin typeface="Times New Roman" panose="02020603050405020304" pitchFamily="18" charset="0"/>
+                <a:ea typeface="YuKyokasho Medium" panose="02000500000000000000" pitchFamily="2" charset="-128"/>
+                <a:cs typeface="Times New Roman" panose="02020603050405020304" pitchFamily="18" charset="0"/>
+              </a:rPr>
+              <a:t>- </a:t>
+            </a:r>
+            <a:r>
+              <a:rPr kumimoji="1" lang="ja-JP" altLang="en-US" sz="2800">
+                <a:latin typeface="Times New Roman" panose="02020603050405020304" pitchFamily="18" charset="0"/>
+                <a:ea typeface="YuKyokasho Medium" panose="02000500000000000000" pitchFamily="2" charset="-128"/>
+                <a:cs typeface="Times New Roman" panose="02020603050405020304" pitchFamily="18" charset="0"/>
+              </a:rPr>
+              <a:t>初期状態の性質</a:t>
+            </a:r>
+            <a:r>
+              <a:rPr kumimoji="1" lang="en-US" altLang="ja-JP" sz="2800" dirty="0">
+                <a:latin typeface="Times New Roman" panose="02020603050405020304" pitchFamily="18" charset="0"/>
+                <a:ea typeface="YuKyokasho Medium" panose="02000500000000000000" pitchFamily="2" charset="-128"/>
+                <a:cs typeface="Times New Roman" panose="02020603050405020304" pitchFamily="18" charset="0"/>
+              </a:rPr>
+              <a:t> </a:t>
+            </a:r>
+            <a:r>
+              <a:rPr kumimoji="1" lang="en-US" altLang="ja-JP" sz="2000" dirty="0">
+                <a:latin typeface="Times New Roman" panose="02020603050405020304" pitchFamily="18" charset="0"/>
+                <a:ea typeface="YuKyokasho Medium" panose="02000500000000000000" pitchFamily="2" charset="-128"/>
+                <a:cs typeface="Times New Roman" panose="02020603050405020304" pitchFamily="18" charset="0"/>
+              </a:rPr>
+              <a:t>(</a:t>
+            </a:r>
+            <a:r>
+              <a:rPr kumimoji="1" lang="ja-JP" altLang="en-US" sz="2000">
+                <a:latin typeface="Times New Roman" panose="02020603050405020304" pitchFamily="18" charset="0"/>
+                <a:ea typeface="YuKyokasho Medium" panose="02000500000000000000" pitchFamily="2" charset="-128"/>
+                <a:cs typeface="Times New Roman" panose="02020603050405020304" pitchFamily="18" charset="0"/>
+              </a:rPr>
+              <a:t>エネルギー</a:t>
+            </a:r>
+            <a:r>
+              <a:rPr kumimoji="1" lang="en-US" altLang="ja-JP" sz="2000" dirty="0">
+                <a:latin typeface="Times New Roman" panose="02020603050405020304" pitchFamily="18" charset="0"/>
+                <a:ea typeface="YuKyokasho Medium" panose="02000500000000000000" pitchFamily="2" charset="-128"/>
+                <a:cs typeface="Times New Roman" panose="02020603050405020304" pitchFamily="18" charset="0"/>
+              </a:rPr>
+              <a:t>, </a:t>
+            </a:r>
+            <a:r>
+              <a:rPr kumimoji="1" lang="ja-JP" altLang="en-US" sz="2000">
+                <a:latin typeface="Times New Roman" panose="02020603050405020304" pitchFamily="18" charset="0"/>
+                <a:ea typeface="YuKyokasho Medium" panose="02000500000000000000" pitchFamily="2" charset="-128"/>
+                <a:cs typeface="Times New Roman" panose="02020603050405020304" pitchFamily="18" charset="0"/>
+              </a:rPr>
+              <a:t>相関</a:t>
+            </a:r>
+            <a:r>
+              <a:rPr kumimoji="1" lang="en-US" altLang="ja-JP" sz="2000" dirty="0">
+                <a:latin typeface="Times New Roman" panose="02020603050405020304" pitchFamily="18" charset="0"/>
+                <a:ea typeface="YuKyokasho Medium" panose="02000500000000000000" pitchFamily="2" charset="-128"/>
+                <a:cs typeface="Times New Roman" panose="02020603050405020304" pitchFamily="18" charset="0"/>
+              </a:rPr>
+              <a:t>, etc.)</a:t>
+            </a:r>
+            <a:endParaRPr lang="ja-JP" altLang="en-US" sz="2800">
               <a:latin typeface="Times New Roman" panose="02020603050405020304" pitchFamily="18" charset="0"/>
               <a:cs typeface="Times New Roman" panose="02020603050405020304" pitchFamily="18" charset="0"/>
             </a:endParaRPr>
           </a:p>
         </p:txBody>
       </p:sp>
-      <p:pic>
-        <p:nvPicPr>
-          <p:cNvPr id="1038" name="Picture 14" descr="\begin{align*}&#10;  \| e^{-iH\tau} - T_p(\tau) \| \leq \text{Const.} \times \alpha_{\text{com},p} \tau^{p+1} \in \mathcal{O}((N^{\frac1{p+1}}g\tau)^{p+1})&#10;\end{align*}">
+      <p:sp>
+        <p:nvSpPr>
+          <p:cNvPr id="11" name="テキスト ボックス 10">
             <a:extLst>
               <a:ext uri="{FF2B5EF4-FFF2-40B4-BE49-F238E27FC236}">
-                <a16:creationId xmlns:a16="http://schemas.microsoft.com/office/drawing/2014/main" id="{2D217232-CC32-9247-C936-F42C37F8F328}"/>
-              </a:ext>
-            </a:extLst>
-          </p:cNvPr>
-          <p:cNvPicPr>
-            <a:picLocks noChangeAspect="1" noChangeArrowheads="1"/>
-          </p:cNvPicPr>
-          <p:nvPr/>
-        </p:nvPicPr>
-        <p:blipFill>
-          <a:blip r:embed="rId15">
-            <a:extLst>
-              <a:ext uri="{28A0092B-C50C-407E-A947-70E740481C1C}">
-                <a14:useLocalDpi xmlns:a14="http://schemas.microsoft.com/office/drawing/2010/main" val="0"/>
-              </a:ext>
-            </a:extLst>
-          </a:blip>
-          <a:srcRect/>
-          <a:stretch>
-            <a:fillRect/>
-          </a:stretch>
-        </p:blipFill>
-        <p:spPr bwMode="auto">
-          <a:xfrm>
-            <a:off x="5765456" y="7112590"/>
-            <a:ext cx="7397304" cy="385329"/>
-          </a:xfrm>
-          <a:prstGeom prst="rect">
-            <a:avLst/>
-          </a:prstGeom>
-          <a:noFill/>
-          <a:extLst>
-            <a:ext uri="{909E8E84-426E-40DD-AFC4-6F175D3DCCD1}">
-              <a14:hiddenFill xmlns:a14="http://schemas.microsoft.com/office/drawing/2010/main">
-                <a:solidFill>
-                  <a:srgbClr val="FFFFFF"/>
-                </a:solidFill>
-              </a14:hiddenFill>
-            </a:ext>
-          </a:extLst>
-        </p:spPr>
-      </p:pic>
-      <p:cxnSp>
-        <p:nvCxnSpPr>
-          <p:cNvPr id="58" name="直線コネクタ 57">
-            <a:extLst>
-              <a:ext uri="{FF2B5EF4-FFF2-40B4-BE49-F238E27FC236}">
-                <a16:creationId xmlns:a16="http://schemas.microsoft.com/office/drawing/2014/main" id="{69B24FB7-B1A9-18CF-B152-48698E03713E}"/>
-              </a:ext>
-            </a:extLst>
-          </p:cNvPr>
-          <p:cNvCxnSpPr>
-            <a:cxnSpLocks/>
-          </p:cNvCxnSpPr>
-          <p:nvPr/>
-        </p:nvCxnSpPr>
-        <p:spPr>
-          <a:xfrm>
-            <a:off x="14465806" y="3194729"/>
-            <a:ext cx="12779927" cy="0"/>
-          </a:xfrm>
-          <a:prstGeom prst="line">
-            <a:avLst/>
-          </a:prstGeom>
-          <a:ln w="19050">
-            <a:solidFill>
-              <a:schemeClr val="tx1"/>
-            </a:solidFill>
-          </a:ln>
-        </p:spPr>
-        <p:style>
-          <a:lnRef idx="1">
-            <a:schemeClr val="accent1"/>
-          </a:lnRef>
-          <a:fillRef idx="0">
-            <a:schemeClr val="accent1"/>
-          </a:fillRef>
-          <a:effectRef idx="0">
-            <a:schemeClr val="accent1"/>
-          </a:effectRef>
-          <a:fontRef idx="minor">
-            <a:schemeClr val="tx1"/>
-          </a:fontRef>
-        </p:style>
-      </p:cxnSp>
-      <p:cxnSp>
-        <p:nvCxnSpPr>
-          <p:cNvPr id="61" name="直線コネクタ 60">
-            <a:extLst>
-              <a:ext uri="{FF2B5EF4-FFF2-40B4-BE49-F238E27FC236}">
-                <a16:creationId xmlns:a16="http://schemas.microsoft.com/office/drawing/2014/main" id="{4F153158-0D4E-D8CD-11A7-1C4687610410}"/>
-              </a:ext>
-            </a:extLst>
-          </p:cNvPr>
-          <p:cNvCxnSpPr>
-            <a:cxnSpLocks/>
-          </p:cNvCxnSpPr>
-          <p:nvPr/>
-        </p:nvCxnSpPr>
-        <p:spPr>
-          <a:xfrm>
-            <a:off x="24468667" y="2060882"/>
-            <a:ext cx="0" cy="4916242"/>
-          </a:xfrm>
-          <a:prstGeom prst="line">
-            <a:avLst/>
-          </a:prstGeom>
-          <a:ln w="19050">
-            <a:solidFill>
-              <a:schemeClr val="tx1"/>
-            </a:solidFill>
-          </a:ln>
-        </p:spPr>
-        <p:style>
-          <a:lnRef idx="1">
-            <a:schemeClr val="accent1"/>
-          </a:lnRef>
-          <a:fillRef idx="0">
-            <a:schemeClr val="accent1"/>
-          </a:fillRef>
-          <a:effectRef idx="0">
-            <a:schemeClr val="accent1"/>
-          </a:effectRef>
-          <a:fontRef idx="minor">
-            <a:schemeClr val="tx1"/>
-          </a:fontRef>
-        </p:style>
-      </p:cxnSp>
-      <p:cxnSp>
-        <p:nvCxnSpPr>
-          <p:cNvPr id="64" name="直線コネクタ 63">
-            <a:extLst>
-              <a:ext uri="{FF2B5EF4-FFF2-40B4-BE49-F238E27FC236}">
-                <a16:creationId xmlns:a16="http://schemas.microsoft.com/office/drawing/2014/main" id="{B411F5EB-E06E-1CB3-A821-B4465408BD1B}"/>
-              </a:ext>
-            </a:extLst>
-          </p:cNvPr>
-          <p:cNvCxnSpPr>
-            <a:cxnSpLocks/>
-          </p:cNvCxnSpPr>
-          <p:nvPr/>
-        </p:nvCxnSpPr>
-        <p:spPr>
-          <a:xfrm>
-            <a:off x="17068801" y="2096010"/>
-            <a:ext cx="0" cy="4832840"/>
-          </a:xfrm>
-          <a:prstGeom prst="line">
-            <a:avLst/>
-          </a:prstGeom>
-          <a:ln w="19050">
-            <a:solidFill>
-              <a:schemeClr val="tx1"/>
-            </a:solidFill>
-          </a:ln>
-        </p:spPr>
-        <p:style>
-          <a:lnRef idx="1">
-            <a:schemeClr val="accent1"/>
-          </a:lnRef>
-          <a:fillRef idx="0">
-            <a:schemeClr val="accent1"/>
-          </a:fillRef>
-          <a:effectRef idx="0">
-            <a:schemeClr val="accent1"/>
-          </a:effectRef>
-          <a:fontRef idx="minor">
-            <a:schemeClr val="tx1"/>
-          </a:fontRef>
-        </p:style>
-      </p:cxnSp>
-      <p:cxnSp>
-        <p:nvCxnSpPr>
-          <p:cNvPr id="65" name="直線コネクタ 64">
-            <a:extLst>
-              <a:ext uri="{FF2B5EF4-FFF2-40B4-BE49-F238E27FC236}">
-                <a16:creationId xmlns:a16="http://schemas.microsoft.com/office/drawing/2014/main" id="{B3127C5D-CDEE-96C4-E6A9-39ED531F3B39}"/>
-              </a:ext>
-            </a:extLst>
-          </p:cNvPr>
-          <p:cNvCxnSpPr>
-            <a:cxnSpLocks/>
-          </p:cNvCxnSpPr>
-          <p:nvPr/>
-        </p:nvCxnSpPr>
-        <p:spPr>
-          <a:xfrm>
-            <a:off x="20855769" y="2650007"/>
-            <a:ext cx="0" cy="4327117"/>
-          </a:xfrm>
-          <a:prstGeom prst="line">
-            <a:avLst/>
-          </a:prstGeom>
-          <a:ln w="19050">
-            <a:solidFill>
-              <a:schemeClr val="tx1"/>
-            </a:solidFill>
-          </a:ln>
-        </p:spPr>
-        <p:style>
-          <a:lnRef idx="1">
-            <a:schemeClr val="accent1"/>
-          </a:lnRef>
-          <a:fillRef idx="0">
-            <a:schemeClr val="accent1"/>
-          </a:fillRef>
-          <a:effectRef idx="0">
-            <a:schemeClr val="accent1"/>
-          </a:effectRef>
-          <a:fontRef idx="minor">
-            <a:schemeClr val="tx1"/>
-          </a:fontRef>
-        </p:style>
-      </p:cxnSp>
-      <p:sp>
-        <p:nvSpPr>
-          <p:cNvPr id="67" name="テキスト ボックス 66">
-            <a:extLst>
-              <a:ext uri="{FF2B5EF4-FFF2-40B4-BE49-F238E27FC236}">
-                <a16:creationId xmlns:a16="http://schemas.microsoft.com/office/drawing/2014/main" id="{E055DF18-ED82-DCC9-E820-0DE4D4BC5367}"/>
+                <a16:creationId xmlns:a16="http://schemas.microsoft.com/office/drawing/2014/main" id="{5505EC29-DA65-5B47-CCE6-A05BDAB7AA45}"/>
               </a:ext>
             </a:extLst>
           </p:cNvPr>
@@ -5400,8 +4086,8 @@
         </p:nvSpPr>
         <p:spPr>
           <a:xfrm>
-            <a:off x="17625605" y="2604792"/>
-            <a:ext cx="2673360" cy="461665"/>
+            <a:off x="703749" y="6930934"/>
+            <a:ext cx="5502498" cy="523220"/>
           </a:xfrm>
           <a:prstGeom prst="rect">
             <a:avLst/>
@@ -5415,16 +4101,71 @@
           <a:lstStyle/>
           <a:p>
             <a:r>
-              <a:rPr lang="en-US" altLang="ja-JP" sz="2400" dirty="0">
-                <a:latin typeface="Times New Roman" panose="02020603050405020304" pitchFamily="18" charset="0"/>
-                <a:ea typeface="YuKyokasho Medium" panose="02000500000000000000" pitchFamily="2" charset="-128"/>
-                <a:cs typeface="Times New Roman" panose="02020603050405020304" pitchFamily="18" charset="0"/>
-              </a:rPr>
-              <a:t>for finite-range int.</a:t>
-            </a:r>
-            <a:endParaRPr lang="ja-JP" altLang="en-US" sz="2400">
+              <a:rPr kumimoji="1" lang="en-US" altLang="ja-JP" sz="2800" dirty="0">
+                <a:latin typeface="Times New Roman" panose="02020603050405020304" pitchFamily="18" charset="0"/>
+                <a:ea typeface="YuKyokasho Medium" panose="02000500000000000000" pitchFamily="2" charset="-128"/>
+                <a:cs typeface="Times New Roman" panose="02020603050405020304" pitchFamily="18" charset="0"/>
+              </a:rPr>
+              <a:t>- </a:t>
+            </a:r>
+            <a:r>
+              <a:rPr kumimoji="1" lang="ja-JP" altLang="en-US" sz="2800">
+                <a:latin typeface="Times New Roman" panose="02020603050405020304" pitchFamily="18" charset="0"/>
+                <a:ea typeface="YuKyokasho Medium" panose="02000500000000000000" pitchFamily="2" charset="-128"/>
+                <a:cs typeface="Times New Roman" panose="02020603050405020304" pitchFamily="18" charset="0"/>
+              </a:rPr>
+              <a:t>多体</a:t>
+            </a:r>
+            <a:r>
+              <a:rPr kumimoji="1" lang="en-US" altLang="ja-JP" sz="2800" dirty="0">
+                <a:latin typeface="Times New Roman" panose="02020603050405020304" pitchFamily="18" charset="0"/>
+                <a:ea typeface="YuKyokasho Medium" panose="02000500000000000000" pitchFamily="2" charset="-128"/>
+                <a:cs typeface="Times New Roman" panose="02020603050405020304" pitchFamily="18" charset="0"/>
+              </a:rPr>
+              <a:t> Hamiltonian </a:t>
+            </a:r>
+            <a:r>
+              <a:rPr kumimoji="1" lang="en-US" altLang="ja-JP" sz="2000" dirty="0">
+                <a:latin typeface="Times New Roman" panose="02020603050405020304" pitchFamily="18" charset="0"/>
+                <a:ea typeface="YuKyokasho Medium" panose="02000500000000000000" pitchFamily="2" charset="-128"/>
+                <a:cs typeface="Times New Roman" panose="02020603050405020304" pitchFamily="18" charset="0"/>
+              </a:rPr>
+              <a:t>(</a:t>
+            </a:r>
+            <a:r>
+              <a:rPr kumimoji="1" lang="ja-JP" altLang="en-US" sz="2000">
+                <a:latin typeface="Times New Roman" panose="02020603050405020304" pitchFamily="18" charset="0"/>
+                <a:ea typeface="YuKyokasho Medium" panose="02000500000000000000" pitchFamily="2" charset="-128"/>
+                <a:cs typeface="Times New Roman" panose="02020603050405020304" pitchFamily="18" charset="0"/>
+              </a:rPr>
+              <a:t>局所性</a:t>
+            </a:r>
+            <a:r>
+              <a:rPr kumimoji="1" lang="en-US" altLang="ja-JP" sz="2000" dirty="0">
+                <a:latin typeface="Times New Roman" panose="02020603050405020304" pitchFamily="18" charset="0"/>
+                <a:ea typeface="YuKyokasho Medium" panose="02000500000000000000" pitchFamily="2" charset="-128"/>
+                <a:cs typeface="Times New Roman" panose="02020603050405020304" pitchFamily="18" charset="0"/>
+              </a:rPr>
+              <a:t>, </a:t>
+            </a:r>
+            <a:r>
+              <a:rPr kumimoji="1" lang="ja-JP" altLang="en-US" sz="2000">
+                <a:latin typeface="Times New Roman" panose="02020603050405020304" pitchFamily="18" charset="0"/>
+                <a:ea typeface="YuKyokasho Medium" panose="02000500000000000000" pitchFamily="2" charset="-128"/>
+                <a:cs typeface="Times New Roman" panose="02020603050405020304" pitchFamily="18" charset="0"/>
+              </a:rPr>
+              <a:t>対称性</a:t>
+            </a:r>
+            <a:r>
+              <a:rPr kumimoji="1" lang="en-US" altLang="ja-JP" sz="2000" dirty="0">
+                <a:latin typeface="Times New Roman" panose="02020603050405020304" pitchFamily="18" charset="0"/>
+                <a:ea typeface="YuKyokasho Medium" panose="02000500000000000000" pitchFamily="2" charset="-128"/>
+                <a:cs typeface="Times New Roman" panose="02020603050405020304" pitchFamily="18" charset="0"/>
+              </a:rPr>
+              <a:t>, etc.)</a:t>
+            </a:r>
+            <a:endParaRPr lang="ja-JP" altLang="en-US" sz="2800">
               <a:latin typeface="Times New Roman" panose="02020603050405020304" pitchFamily="18" charset="0"/>
-              <a:ea typeface="YuKyokasho Medium" panose="02000500000000000000" pitchFamily="2" charset="-128"/>
               <a:cs typeface="Times New Roman" panose="02020603050405020304" pitchFamily="18" charset="0"/>
             </a:endParaRPr>
           </a:p>
@@ -5432,10 +4173,55 @@
       </p:sp>
       <p:sp>
         <p:nvSpPr>
-          <p:cNvPr id="68" name="テキスト ボックス 67">
+          <p:cNvPr id="12" name="右中かっこ 11">
             <a:extLst>
               <a:ext uri="{FF2B5EF4-FFF2-40B4-BE49-F238E27FC236}">
-                <a16:creationId xmlns:a16="http://schemas.microsoft.com/office/drawing/2014/main" id="{70C3DAAB-FF24-6837-C5DD-C8851E67DB5F}"/>
+                <a16:creationId xmlns:a16="http://schemas.microsoft.com/office/drawing/2014/main" id="{59F446C5-7A2D-2FF7-D987-1D03A48B2BB4}"/>
+              </a:ext>
+            </a:extLst>
+          </p:cNvPr>
+          <p:cNvSpPr/>
+          <p:nvPr/>
+        </p:nvSpPr>
+        <p:spPr>
+          <a:xfrm>
+            <a:off x="6245156" y="6107621"/>
+            <a:ext cx="330742" cy="1463696"/>
+          </a:xfrm>
+          <a:prstGeom prst="rightBrace">
+            <a:avLst/>
+          </a:prstGeom>
+          <a:ln w="28575"/>
+        </p:spPr>
+        <p:style>
+          <a:lnRef idx="1">
+            <a:schemeClr val="accent2"/>
+          </a:lnRef>
+          <a:fillRef idx="0">
+            <a:schemeClr val="accent2"/>
+          </a:fillRef>
+          <a:effectRef idx="0">
+            <a:schemeClr val="accent2"/>
+          </a:effectRef>
+          <a:fontRef idx="minor">
+            <a:schemeClr val="tx1"/>
+          </a:fontRef>
+        </p:style>
+        <p:txBody>
+          <a:bodyPr rtlCol="0" anchor="ctr"/>
+          <a:lstStyle/>
+          <a:p>
+            <a:pPr algn="ctr"/>
+            <a:endParaRPr kumimoji="1" lang="ja-JP" altLang="en-US"/>
+          </a:p>
+        </p:txBody>
+      </p:sp>
+      <p:sp>
+        <p:nvSpPr>
+          <p:cNvPr id="13" name="テキスト ボックス 12">
+            <a:extLst>
+              <a:ext uri="{FF2B5EF4-FFF2-40B4-BE49-F238E27FC236}">
+                <a16:creationId xmlns:a16="http://schemas.microsoft.com/office/drawing/2014/main" id="{992550B4-2FC9-8980-F01E-39CCA630FF3A}"/>
               </a:ext>
             </a:extLst>
           </p:cNvPr>
@@ -5444,52 +4230,8 @@
         </p:nvSpPr>
         <p:spPr>
           <a:xfrm>
-            <a:off x="21325538" y="2604792"/>
-            <a:ext cx="2673360" cy="461665"/>
-          </a:xfrm>
-          <a:prstGeom prst="rect">
-            <a:avLst/>
-          </a:prstGeom>
-          <a:noFill/>
-        </p:spPr>
-        <p:txBody>
-          <a:bodyPr wrap="square">
-            <a:spAutoFit/>
-          </a:bodyPr>
-          <a:lstStyle/>
-          <a:p>
-            <a:r>
-              <a:rPr lang="en-US" altLang="ja-JP" sz="2400" dirty="0">
-                <a:latin typeface="Times New Roman" panose="02020603050405020304" pitchFamily="18" charset="0"/>
-                <a:ea typeface="YuKyokasho Medium" panose="02000500000000000000" pitchFamily="2" charset="-128"/>
-                <a:cs typeface="Times New Roman" panose="02020603050405020304" pitchFamily="18" charset="0"/>
-              </a:rPr>
-              <a:t>for long-range int.</a:t>
-            </a:r>
-            <a:endParaRPr lang="ja-JP" altLang="en-US" sz="2400">
-              <a:latin typeface="Times New Roman" panose="02020603050405020304" pitchFamily="18" charset="0"/>
-              <a:ea typeface="YuKyokasho Medium" panose="02000500000000000000" pitchFamily="2" charset="-128"/>
-              <a:cs typeface="Times New Roman" panose="02020603050405020304" pitchFamily="18" charset="0"/>
-            </a:endParaRPr>
-          </a:p>
-        </p:txBody>
-      </p:sp>
-      <p:sp>
-        <p:nvSpPr>
-          <p:cNvPr id="78" name="正方形/長方形 77">
-            <a:extLst>
-              <a:ext uri="{FF2B5EF4-FFF2-40B4-BE49-F238E27FC236}">
-                <a16:creationId xmlns:a16="http://schemas.microsoft.com/office/drawing/2014/main" id="{BD68DB28-9C95-742D-E7E3-C97151E26390}"/>
-              </a:ext>
-            </a:extLst>
-          </p:cNvPr>
-          <p:cNvSpPr/>
-          <p:nvPr/>
-        </p:nvSpPr>
-        <p:spPr>
-          <a:xfrm>
-            <a:off x="14057539" y="7142372"/>
-            <a:ext cx="13323617" cy="646327"/>
+            <a:off x="6745809" y="6245083"/>
+            <a:ext cx="6860958" cy="1169551"/>
           </a:xfrm>
           <a:prstGeom prst="rect">
             <a:avLst/>
@@ -5498,6 +4240,448 @@
             <a:schemeClr val="accent2">
               <a:lumMod val="20000"/>
               <a:lumOff val="80000"/>
+            </a:schemeClr>
+          </a:solidFill>
+        </p:spPr>
+        <p:txBody>
+          <a:bodyPr wrap="square">
+            <a:spAutoFit/>
+          </a:bodyPr>
+          <a:lstStyle/>
+          <a:p>
+            <a:r>
+              <a:rPr lang="ja-JP" altLang="en-US" sz="2800">
+                <a:latin typeface="Times New Roman" panose="02020603050405020304" pitchFamily="18" charset="0"/>
+                <a:ea typeface="YuKyokasho Medium" panose="02000500000000000000" pitchFamily="2" charset="-128"/>
+                <a:cs typeface="Times New Roman" panose="02020603050405020304" pitchFamily="18" charset="0"/>
+              </a:rPr>
+              <a:t>従来の</a:t>
+            </a:r>
+            <a:r>
+              <a:rPr lang="en-US" altLang="ja-JP" sz="2800" dirty="0">
+                <a:latin typeface="Times New Roman" panose="02020603050405020304" pitchFamily="18" charset="0"/>
+                <a:ea typeface="YuKyokasho Medium" panose="02000500000000000000" pitchFamily="2" charset="-128"/>
+                <a:cs typeface="Times New Roman" panose="02020603050405020304" pitchFamily="18" charset="0"/>
+              </a:rPr>
+              <a:t>worst case</a:t>
+            </a:r>
+            <a:r>
+              <a:rPr lang="ja-JP" altLang="en-US" sz="2800">
+                <a:latin typeface="YuKyokasho Medium" panose="02000500000000000000" pitchFamily="2" charset="-128"/>
+                <a:ea typeface="YuKyokasho Medium" panose="02000500000000000000" pitchFamily="2" charset="-128"/>
+                <a:cs typeface="Times New Roman" panose="02020603050405020304" pitchFamily="18" charset="0"/>
+              </a:rPr>
+              <a:t>での評価を改善し</a:t>
+            </a:r>
+            <a:endParaRPr lang="en-US" altLang="ja-JP" sz="2800" dirty="0">
+              <a:latin typeface="YuKyokasho Medium" panose="02000500000000000000" pitchFamily="2" charset="-128"/>
+              <a:ea typeface="YuKyokasho Medium" panose="02000500000000000000" pitchFamily="2" charset="-128"/>
+              <a:cs typeface="Times New Roman" panose="02020603050405020304" pitchFamily="18" charset="0"/>
+            </a:endParaRPr>
+          </a:p>
+          <a:p>
+            <a:endParaRPr lang="en-US" altLang="ja-JP" sz="1400" dirty="0">
+              <a:latin typeface="YuKyokasho Medium" panose="02000500000000000000" pitchFamily="2" charset="-128"/>
+              <a:ea typeface="YuKyokasho Medium" panose="02000500000000000000" pitchFamily="2" charset="-128"/>
+              <a:cs typeface="Times New Roman" panose="02020603050405020304" pitchFamily="18" charset="0"/>
+            </a:endParaRPr>
+          </a:p>
+          <a:p>
+            <a:pPr algn="r"/>
+            <a:r>
+              <a:rPr lang="ja-JP" altLang="en-US" sz="2800">
+                <a:latin typeface="YuKyokasho Medium" panose="02000500000000000000" pitchFamily="2" charset="-128"/>
+                <a:ea typeface="YuKyokasho Medium" panose="02000500000000000000" pitchFamily="2" charset="-128"/>
+                <a:cs typeface="Times New Roman" panose="02020603050405020304" pitchFamily="18" charset="0"/>
+              </a:rPr>
+              <a:t>実用的に</a:t>
+            </a:r>
+            <a:r>
+              <a:rPr lang="ja-JP" altLang="en-US" sz="2800">
+                <a:latin typeface="YuKyokasho Medium" panose="02000500000000000000" pitchFamily="2" charset="-128"/>
+                <a:ea typeface="YuKyokasho Medium" panose="02000500000000000000" pitchFamily="2" charset="-128"/>
+                <a:cs typeface="Times New Roman" panose="02020603050405020304" pitchFamily="18" charset="0"/>
+              </a:rPr>
+              <a:t>到達可能な計算時間を明らかに</a:t>
+            </a:r>
+          </a:p>
+        </p:txBody>
+      </p:sp>
+      <p:sp>
+        <p:nvSpPr>
+          <p:cNvPr id="14" name="テキスト ボックス 13">
+            <a:extLst>
+              <a:ext uri="{FF2B5EF4-FFF2-40B4-BE49-F238E27FC236}">
+                <a16:creationId xmlns:a16="http://schemas.microsoft.com/office/drawing/2014/main" id="{349AB5FF-ABD8-A0D9-4FB1-31EF8E7B83BC}"/>
+              </a:ext>
+            </a:extLst>
+          </p:cNvPr>
+          <p:cNvSpPr txBox="1"/>
+          <p:nvPr/>
+        </p:nvSpPr>
+        <p:spPr>
+          <a:xfrm>
+            <a:off x="7159557" y="3673427"/>
+            <a:ext cx="6447209" cy="1169551"/>
+          </a:xfrm>
+          <a:prstGeom prst="rect">
+            <a:avLst/>
+          </a:prstGeom>
+          <a:solidFill>
+            <a:schemeClr val="accent2">
+              <a:lumMod val="20000"/>
+              <a:lumOff val="80000"/>
+            </a:schemeClr>
+          </a:solidFill>
+        </p:spPr>
+        <p:txBody>
+          <a:bodyPr wrap="square">
+            <a:spAutoFit/>
+          </a:bodyPr>
+          <a:lstStyle/>
+          <a:p>
+            <a:r>
+              <a:rPr lang="ja-JP" altLang="en-US" sz="2800">
+                <a:latin typeface="Times New Roman" panose="02020603050405020304" pitchFamily="18" charset="0"/>
+                <a:ea typeface="YuKyokasho Medium" panose="02000500000000000000" pitchFamily="2" charset="-128"/>
+                <a:cs typeface="Times New Roman" panose="02020603050405020304" pitchFamily="18" charset="0"/>
+              </a:rPr>
+              <a:t>現実的に達成可能な</a:t>
+            </a:r>
+            <a:endParaRPr lang="en-US" altLang="ja-JP" sz="2800" dirty="0">
+              <a:latin typeface="Times New Roman" panose="02020603050405020304" pitchFamily="18" charset="0"/>
+              <a:ea typeface="YuKyokasho Medium" panose="02000500000000000000" pitchFamily="2" charset="-128"/>
+              <a:cs typeface="Times New Roman" panose="02020603050405020304" pitchFamily="18" charset="0"/>
+            </a:endParaRPr>
+          </a:p>
+          <a:p>
+            <a:endParaRPr lang="en-US" altLang="ja-JP" sz="1400" dirty="0">
+              <a:latin typeface="Times New Roman" panose="02020603050405020304" pitchFamily="18" charset="0"/>
+              <a:ea typeface="YuKyokasho Medium" panose="02000500000000000000" pitchFamily="2" charset="-128"/>
+              <a:cs typeface="Times New Roman" panose="02020603050405020304" pitchFamily="18" charset="0"/>
+            </a:endParaRPr>
+          </a:p>
+          <a:p>
+            <a:pPr algn="r"/>
+            <a:r>
+              <a:rPr lang="ja-JP" altLang="en-US" sz="2800">
+                <a:latin typeface="Times New Roman" panose="02020603050405020304" pitchFamily="18" charset="0"/>
+                <a:ea typeface="YuKyokasho Medium" panose="02000500000000000000" pitchFamily="2" charset="-128"/>
+                <a:cs typeface="Times New Roman" panose="02020603050405020304" pitchFamily="18" charset="0"/>
+              </a:rPr>
+              <a:t>回路深さ・ゲート数を目指す</a:t>
+            </a:r>
+            <a:endParaRPr lang="ja-JP" altLang="en-US" sz="2800">
+              <a:latin typeface="YuKyokasho Medium" panose="02000500000000000000" pitchFamily="2" charset="-128"/>
+              <a:ea typeface="YuKyokasho Medium" panose="02000500000000000000" pitchFamily="2" charset="-128"/>
+              <a:cs typeface="Times New Roman" panose="02020603050405020304" pitchFamily="18" charset="0"/>
+            </a:endParaRPr>
+          </a:p>
+        </p:txBody>
+      </p:sp>
+      <p:sp>
+        <p:nvSpPr>
+          <p:cNvPr id="15" name="テキスト ボックス 14">
+            <a:extLst>
+              <a:ext uri="{FF2B5EF4-FFF2-40B4-BE49-F238E27FC236}">
+                <a16:creationId xmlns:a16="http://schemas.microsoft.com/office/drawing/2014/main" id="{63A420DE-E3D0-0D52-BCA6-24890CF3077C}"/>
+              </a:ext>
+            </a:extLst>
+          </p:cNvPr>
+          <p:cNvSpPr txBox="1"/>
+          <p:nvPr/>
+        </p:nvSpPr>
+        <p:spPr>
+          <a:xfrm>
+            <a:off x="742659" y="3675503"/>
+            <a:ext cx="6003150" cy="523220"/>
+          </a:xfrm>
+          <a:prstGeom prst="rect">
+            <a:avLst/>
+          </a:prstGeom>
+          <a:noFill/>
+        </p:spPr>
+        <p:txBody>
+          <a:bodyPr wrap="square">
+            <a:spAutoFit/>
+          </a:bodyPr>
+          <a:lstStyle/>
+          <a:p>
+            <a:r>
+              <a:rPr kumimoji="1" lang="en-US" altLang="ja-JP" sz="2800" dirty="0">
+                <a:latin typeface="Times New Roman" panose="02020603050405020304" pitchFamily="18" charset="0"/>
+                <a:ea typeface="YuKyokasho Medium" panose="02000500000000000000" pitchFamily="2" charset="-128"/>
+                <a:cs typeface="Times New Roman" panose="02020603050405020304" pitchFamily="18" charset="0"/>
+              </a:rPr>
+              <a:t>- </a:t>
+            </a:r>
+            <a:r>
+              <a:rPr kumimoji="1" lang="ja-JP" altLang="en-US" sz="2800">
+                <a:latin typeface="Times New Roman" panose="02020603050405020304" pitchFamily="18" charset="0"/>
+                <a:ea typeface="YuKyokasho Medium" panose="02000500000000000000" pitchFamily="2" charset="-128"/>
+                <a:cs typeface="Times New Roman" panose="02020603050405020304" pitchFamily="18" charset="0"/>
+              </a:rPr>
+              <a:t>最適な</a:t>
+            </a:r>
+            <a:r>
+              <a:rPr kumimoji="1" lang="en-US" altLang="ja-JP" sz="2800" dirty="0">
+                <a:latin typeface="Times New Roman" panose="02020603050405020304" pitchFamily="18" charset="0"/>
+                <a:ea typeface="YuKyokasho Medium" panose="02000500000000000000" pitchFamily="2" charset="-128"/>
+                <a:cs typeface="Times New Roman" panose="02020603050405020304" pitchFamily="18" charset="0"/>
+              </a:rPr>
+              <a:t> Hamiltonian </a:t>
+            </a:r>
+            <a:r>
+              <a:rPr kumimoji="1" lang="ja-JP" altLang="en-US" sz="2800">
+                <a:latin typeface="Times New Roman" panose="02020603050405020304" pitchFamily="18" charset="0"/>
+                <a:ea typeface="YuKyokasho Medium" panose="02000500000000000000" pitchFamily="2" charset="-128"/>
+                <a:cs typeface="Times New Roman" panose="02020603050405020304" pitchFamily="18" charset="0"/>
+              </a:rPr>
+              <a:t>の項の分解</a:t>
+            </a:r>
+            <a:r>
+              <a:rPr kumimoji="1" lang="en-US" altLang="ja-JP" sz="2800" dirty="0">
+                <a:latin typeface="Times New Roman" panose="02020603050405020304" pitchFamily="18" charset="0"/>
+                <a:ea typeface="YuKyokasho Medium" panose="02000500000000000000" pitchFamily="2" charset="-128"/>
+                <a:cs typeface="Times New Roman" panose="02020603050405020304" pitchFamily="18" charset="0"/>
+              </a:rPr>
+              <a:t>, etc.</a:t>
+            </a:r>
+            <a:endParaRPr lang="ja-JP" altLang="en-US" sz="2800">
+              <a:latin typeface="Times New Roman" panose="02020603050405020304" pitchFamily="18" charset="0"/>
+              <a:cs typeface="Times New Roman" panose="02020603050405020304" pitchFamily="18" charset="0"/>
+            </a:endParaRPr>
+          </a:p>
+        </p:txBody>
+      </p:sp>
+      <p:sp>
+        <p:nvSpPr>
+          <p:cNvPr id="16" name="テキスト ボックス 15">
+            <a:extLst>
+              <a:ext uri="{FF2B5EF4-FFF2-40B4-BE49-F238E27FC236}">
+                <a16:creationId xmlns:a16="http://schemas.microsoft.com/office/drawing/2014/main" id="{A75D4044-A3F7-CCC4-DB3F-F151CC4E0B9F}"/>
+              </a:ext>
+            </a:extLst>
+          </p:cNvPr>
+          <p:cNvSpPr txBox="1"/>
+          <p:nvPr/>
+        </p:nvSpPr>
+        <p:spPr>
+          <a:xfrm>
+            <a:off x="742657" y="4386027"/>
+            <a:ext cx="6003152" cy="523220"/>
+          </a:xfrm>
+          <a:prstGeom prst="rect">
+            <a:avLst/>
+          </a:prstGeom>
+          <a:noFill/>
+        </p:spPr>
+        <p:txBody>
+          <a:bodyPr wrap="square">
+            <a:spAutoFit/>
+          </a:bodyPr>
+          <a:lstStyle/>
+          <a:p>
+            <a:r>
+              <a:rPr kumimoji="1" lang="en-US" altLang="ja-JP" sz="2800" dirty="0">
+                <a:latin typeface="Times New Roman" panose="02020603050405020304" pitchFamily="18" charset="0"/>
+                <a:ea typeface="YuKyokasho Medium" panose="02000500000000000000" pitchFamily="2" charset="-128"/>
+                <a:cs typeface="Times New Roman" panose="02020603050405020304" pitchFamily="18" charset="0"/>
+              </a:rPr>
+              <a:t>- </a:t>
+            </a:r>
+            <a:r>
+              <a:rPr kumimoji="1" lang="ja-JP" altLang="en-US" sz="2800">
+                <a:latin typeface="Times New Roman" panose="02020603050405020304" pitchFamily="18" charset="0"/>
+                <a:ea typeface="YuKyokasho Medium" panose="02000500000000000000" pitchFamily="2" charset="-128"/>
+                <a:cs typeface="Times New Roman" panose="02020603050405020304" pitchFamily="18" charset="0"/>
+              </a:rPr>
+              <a:t>最良の実装法</a:t>
+            </a:r>
+            <a:r>
+              <a:rPr kumimoji="1" lang="en-US" altLang="ja-JP" sz="2800" dirty="0">
+                <a:latin typeface="Times New Roman" panose="02020603050405020304" pitchFamily="18" charset="0"/>
+                <a:ea typeface="YuKyokasho Medium" panose="02000500000000000000" pitchFamily="2" charset="-128"/>
+                <a:cs typeface="Times New Roman" panose="02020603050405020304" pitchFamily="18" charset="0"/>
+              </a:rPr>
+              <a:t> </a:t>
+            </a:r>
+            <a:r>
+              <a:rPr kumimoji="1" lang="en-US" altLang="ja-JP" sz="2000" dirty="0">
+                <a:latin typeface="Times New Roman" panose="02020603050405020304" pitchFamily="18" charset="0"/>
+                <a:ea typeface="YuKyokasho Medium" panose="02000500000000000000" pitchFamily="2" charset="-128"/>
+                <a:cs typeface="Times New Roman" panose="02020603050405020304" pitchFamily="18" charset="0"/>
+              </a:rPr>
+              <a:t>(</a:t>
+            </a:r>
+            <a:r>
+              <a:rPr kumimoji="1" lang="ja-JP" altLang="en-US" sz="2000">
+                <a:latin typeface="Times New Roman" panose="02020603050405020304" pitchFamily="18" charset="0"/>
+                <a:ea typeface="YuKyokasho Medium" panose="02000500000000000000" pitchFamily="2" charset="-128"/>
+                <a:cs typeface="Times New Roman" panose="02020603050405020304" pitchFamily="18" charset="0"/>
+              </a:rPr>
+              <a:t>ランダム化</a:t>
+            </a:r>
+            <a:r>
+              <a:rPr kumimoji="1" lang="en-US" altLang="ja-JP" sz="2000" dirty="0">
+                <a:latin typeface="Times New Roman" panose="02020603050405020304" pitchFamily="18" charset="0"/>
+                <a:ea typeface="YuKyokasho Medium" panose="02000500000000000000" pitchFamily="2" charset="-128"/>
+                <a:cs typeface="Times New Roman" panose="02020603050405020304" pitchFamily="18" charset="0"/>
+              </a:rPr>
+              <a:t>, </a:t>
+            </a:r>
+            <a:r>
+              <a:rPr kumimoji="1" lang="ja-JP" altLang="en-US" sz="2000">
+                <a:latin typeface="Times New Roman" panose="02020603050405020304" pitchFamily="18" charset="0"/>
+                <a:ea typeface="YuKyokasho Medium" panose="02000500000000000000" pitchFamily="2" charset="-128"/>
+                <a:cs typeface="Times New Roman" panose="02020603050405020304" pitchFamily="18" charset="0"/>
+              </a:rPr>
+              <a:t>複数積公式</a:t>
+            </a:r>
+            <a:r>
+              <a:rPr kumimoji="1" lang="en-US" altLang="ja-JP" sz="2000" dirty="0">
+                <a:latin typeface="Times New Roman" panose="02020603050405020304" pitchFamily="18" charset="0"/>
+                <a:ea typeface="YuKyokasho Medium" panose="02000500000000000000" pitchFamily="2" charset="-128"/>
+                <a:cs typeface="Times New Roman" panose="02020603050405020304" pitchFamily="18" charset="0"/>
+              </a:rPr>
+              <a:t>, etc.)</a:t>
+            </a:r>
+            <a:endParaRPr lang="ja-JP" altLang="en-US" sz="2800">
+              <a:latin typeface="Times New Roman" panose="02020603050405020304" pitchFamily="18" charset="0"/>
+              <a:cs typeface="Times New Roman" panose="02020603050405020304" pitchFamily="18" charset="0"/>
+            </a:endParaRPr>
+          </a:p>
+        </p:txBody>
+      </p:sp>
+      <p:sp>
+        <p:nvSpPr>
+          <p:cNvPr id="17" name="右中かっこ 16">
+            <a:extLst>
+              <a:ext uri="{FF2B5EF4-FFF2-40B4-BE49-F238E27FC236}">
+                <a16:creationId xmlns:a16="http://schemas.microsoft.com/office/drawing/2014/main" id="{C03B8703-41C1-9704-D7A3-841B72B66739}"/>
+              </a:ext>
+            </a:extLst>
+          </p:cNvPr>
+          <p:cNvSpPr/>
+          <p:nvPr/>
+        </p:nvSpPr>
+        <p:spPr>
+          <a:xfrm>
+            <a:off x="6634259" y="3562714"/>
+            <a:ext cx="330742" cy="1463696"/>
+          </a:xfrm>
+          <a:prstGeom prst="rightBrace">
+            <a:avLst/>
+          </a:prstGeom>
+          <a:ln w="28575"/>
+        </p:spPr>
+        <p:style>
+          <a:lnRef idx="1">
+            <a:schemeClr val="accent2"/>
+          </a:lnRef>
+          <a:fillRef idx="0">
+            <a:schemeClr val="accent2"/>
+          </a:fillRef>
+          <a:effectRef idx="0">
+            <a:schemeClr val="accent2"/>
+          </a:effectRef>
+          <a:fontRef idx="minor">
+            <a:schemeClr val="tx1"/>
+          </a:fontRef>
+        </p:style>
+        <p:txBody>
+          <a:bodyPr rtlCol="0" anchor="ctr"/>
+          <a:lstStyle/>
+          <a:p>
+            <a:pPr algn="ctr"/>
+            <a:endParaRPr kumimoji="1" lang="ja-JP" altLang="en-US"/>
+          </a:p>
+        </p:txBody>
+      </p:sp>
+      <p:pic>
+        <p:nvPicPr>
+          <p:cNvPr id="18" name="図 17">
+            <a:extLst>
+              <a:ext uri="{FF2B5EF4-FFF2-40B4-BE49-F238E27FC236}">
+                <a16:creationId xmlns:a16="http://schemas.microsoft.com/office/drawing/2014/main" id="{A878D48D-9319-F91A-AC4C-C840C969AE88}"/>
+              </a:ext>
+            </a:extLst>
+          </p:cNvPr>
+          <p:cNvPicPr>
+            <a:picLocks noChangeAspect="1"/>
+          </p:cNvPicPr>
+          <p:nvPr/>
+        </p:nvPicPr>
+        <p:blipFill>
+          <a:blip r:embed="rId2"/>
+          <a:stretch>
+            <a:fillRect/>
+          </a:stretch>
+        </p:blipFill>
+        <p:spPr>
+          <a:xfrm>
+            <a:off x="23843501" y="5477151"/>
+            <a:ext cx="2825373" cy="2068577"/>
+          </a:xfrm>
+          <a:prstGeom prst="rect">
+            <a:avLst/>
+          </a:prstGeom>
+        </p:spPr>
+      </p:pic>
+      <p:pic>
+        <p:nvPicPr>
+          <p:cNvPr id="19" name="図 18">
+            <a:extLst>
+              <a:ext uri="{FF2B5EF4-FFF2-40B4-BE49-F238E27FC236}">
+                <a16:creationId xmlns:a16="http://schemas.microsoft.com/office/drawing/2014/main" id="{0C745935-36A7-0322-279E-7C6D4E780CA8}"/>
+              </a:ext>
+            </a:extLst>
+          </p:cNvPr>
+          <p:cNvPicPr>
+            <a:picLocks noChangeAspect="1"/>
+          </p:cNvPicPr>
+          <p:nvPr/>
+        </p:nvPicPr>
+        <p:blipFill rotWithShape="1">
+          <a:blip r:embed="rId3"/>
+          <a:srcRect l="8512" t="15270" r="15358" b="10416"/>
+          <a:stretch/>
+        </p:blipFill>
+        <p:spPr>
+          <a:xfrm>
+            <a:off x="23638795" y="2897115"/>
+            <a:ext cx="3529227" cy="1890363"/>
+          </a:xfrm>
+          <a:prstGeom prst="rect">
+            <a:avLst/>
+          </a:prstGeom>
+        </p:spPr>
+      </p:pic>
+      <p:sp>
+        <p:nvSpPr>
+          <p:cNvPr id="20" name="正方形/長方形 19">
+            <a:extLst>
+              <a:ext uri="{FF2B5EF4-FFF2-40B4-BE49-F238E27FC236}">
+                <a16:creationId xmlns:a16="http://schemas.microsoft.com/office/drawing/2014/main" id="{E189C4E8-7CF3-3177-5792-E13AD44290FE}"/>
+              </a:ext>
+            </a:extLst>
+          </p:cNvPr>
+          <p:cNvSpPr/>
+          <p:nvPr/>
+        </p:nvSpPr>
+        <p:spPr>
+          <a:xfrm>
+            <a:off x="24089879" y="4340123"/>
+            <a:ext cx="1964257" cy="459881"/>
+          </a:xfrm>
+          <a:prstGeom prst="rect">
+            <a:avLst/>
+          </a:prstGeom>
+          <a:solidFill>
+            <a:schemeClr val="accent6">
+              <a:lumMod val="20000"/>
+              <a:lumOff val="80000"/>
+              <a:alpha val="50000"/>
             </a:schemeClr>
           </a:solidFill>
           <a:ln>
@@ -5529,631 +4713,68 @@
           </a:p>
         </p:txBody>
       </p:sp>
-      <mc:AlternateContent xmlns:mc="http://schemas.openxmlformats.org/markup-compatibility/2006" xmlns:a14="http://schemas.microsoft.com/office/drawing/2010/main">
-        <mc:Choice Requires="a14">
-          <p:sp>
-            <p:nvSpPr>
-              <p:cNvPr id="79" name="テキスト ボックス 78">
-                <a:extLst>
-                  <a:ext uri="{FF2B5EF4-FFF2-40B4-BE49-F238E27FC236}">
-                    <a16:creationId xmlns:a16="http://schemas.microsoft.com/office/drawing/2014/main" id="{3B93F510-6AA1-022A-DA63-55A0B2265B73}"/>
-                  </a:ext>
-                </a:extLst>
-              </p:cNvPr>
-              <p:cNvSpPr txBox="1"/>
-              <p:nvPr/>
-            </p:nvSpPr>
-            <p:spPr>
-              <a:xfrm>
-                <a:off x="14057539" y="7256097"/>
-                <a:ext cx="13510075" cy="461665"/>
-              </a:xfrm>
-              <a:prstGeom prst="rect">
-                <a:avLst/>
-              </a:prstGeom>
-              <a:noFill/>
-            </p:spPr>
-            <p:txBody>
-              <a:bodyPr wrap="square">
-                <a:spAutoFit/>
-              </a:bodyPr>
-              <a:lstStyle/>
-              <a:p>
-                <a:r>
-                  <a:rPr lang="en-US" altLang="ja-JP" sz="2400" dirty="0">
-                    <a:latin typeface="Times New Roman" panose="02020603050405020304" pitchFamily="18" charset="0"/>
-                    <a:ea typeface="YuKyokasho Medium" panose="02000500000000000000" pitchFamily="2" charset="-128"/>
-                    <a:cs typeface="Times New Roman" panose="02020603050405020304" pitchFamily="18" charset="0"/>
-                  </a:rPr>
-                  <a:t>Good </a:t>
-                </a:r>
-                <a14:m>
-                  <m:oMath xmlns:m="http://schemas.openxmlformats.org/officeDocument/2006/math">
-                    <m:r>
-                      <a:rPr lang="en-US" altLang="ja-JP" sz="2400" b="0" i="1" smtClean="0">
-                        <a:latin typeface="Cambria Math" panose="02040503050406030204" pitchFamily="18" charset="0"/>
-                        <a:ea typeface="YuKyokasho Medium" panose="02000500000000000000" pitchFamily="2" charset="-128"/>
-                        <a:cs typeface="Times New Roman" panose="02020603050405020304" pitchFamily="18" charset="0"/>
-                      </a:rPr>
-                      <m:t>𝑁</m:t>
-                    </m:r>
-                  </m:oMath>
-                </a14:m>
-                <a:r>
-                  <a:rPr lang="en-US" altLang="ja-JP" sz="2400" dirty="0">
-                    <a:latin typeface="Times New Roman" panose="02020603050405020304" pitchFamily="18" charset="0"/>
-                    <a:ea typeface="YuKyokasho Medium" panose="02000500000000000000" pitchFamily="2" charset="-128"/>
-                    <a:cs typeface="Times New Roman" panose="02020603050405020304" pitchFamily="18" charset="0"/>
-                  </a:rPr>
-                  <a:t>-scaling like PF &amp; Good </a:t>
-                </a:r>
-                <a14:m>
-                  <m:oMath xmlns:m="http://schemas.openxmlformats.org/officeDocument/2006/math">
-                    <m:r>
-                      <a:rPr lang="en-US" altLang="ja-JP" sz="2400" b="0" i="1" smtClean="0">
-                        <a:latin typeface="Cambria Math" panose="02040503050406030204" pitchFamily="18" charset="0"/>
-                        <a:ea typeface="YuKyokasho Medium" panose="02000500000000000000" pitchFamily="2" charset="-128"/>
-                        <a:cs typeface="Times New Roman" panose="02020603050405020304" pitchFamily="18" charset="0"/>
-                      </a:rPr>
-                      <m:t>𝑡</m:t>
-                    </m:r>
-                  </m:oMath>
-                </a14:m>
-                <a:r>
-                  <a:rPr lang="en-US" altLang="ja-JP" sz="2400" dirty="0">
-                    <a:latin typeface="Times New Roman" panose="02020603050405020304" pitchFamily="18" charset="0"/>
-                    <a:ea typeface="YuKyokasho Medium" panose="02000500000000000000" pitchFamily="2" charset="-128"/>
-                    <a:cs typeface="Times New Roman" panose="02020603050405020304" pitchFamily="18" charset="0"/>
-                  </a:rPr>
-                  <a:t>-, </a:t>
-                </a:r>
-                <a14:m>
-                  <m:oMath xmlns:m="http://schemas.openxmlformats.org/officeDocument/2006/math">
-                    <m:r>
-                      <a:rPr lang="en-US" altLang="ja-JP" sz="2400" i="1" smtClean="0">
-                        <a:latin typeface="Cambria Math" panose="02040503050406030204" pitchFamily="18" charset="0"/>
-                        <a:ea typeface="Cambria Math" panose="02040503050406030204" pitchFamily="18" charset="0"/>
-                        <a:cs typeface="Times New Roman" panose="02020603050405020304" pitchFamily="18" charset="0"/>
-                      </a:rPr>
-                      <m:t>𝜀</m:t>
-                    </m:r>
-                  </m:oMath>
-                </a14:m>
-                <a:r>
-                  <a:rPr lang="en-US" altLang="ja-JP" sz="2400" dirty="0">
-                    <a:latin typeface="Times New Roman" panose="02020603050405020304" pitchFamily="18" charset="0"/>
-                    <a:ea typeface="YuKyokasho Medium" panose="02000500000000000000" pitchFamily="2" charset="-128"/>
-                    <a:cs typeface="Times New Roman" panose="02020603050405020304" pitchFamily="18" charset="0"/>
-                  </a:rPr>
-                  <a:t>-scaling like LCU/QSVT &amp; Versatility to generic local Hamiltonians ! </a:t>
-                </a:r>
-                <a:endParaRPr lang="ja-JP" altLang="en-US" sz="2400">
-                  <a:latin typeface="Times New Roman" panose="02020603050405020304" pitchFamily="18" charset="0"/>
-                  <a:ea typeface="YuKyokasho Medium" panose="02000500000000000000" pitchFamily="2" charset="-128"/>
-                  <a:cs typeface="Times New Roman" panose="02020603050405020304" pitchFamily="18" charset="0"/>
-                </a:endParaRPr>
-              </a:p>
-            </p:txBody>
-          </p:sp>
-        </mc:Choice>
-        <mc:Fallback xmlns="">
-          <p:sp>
-            <p:nvSpPr>
-              <p:cNvPr id="79" name="テキスト ボックス 78">
-                <a:extLst>
-                  <a:ext uri="{FF2B5EF4-FFF2-40B4-BE49-F238E27FC236}">
-                    <a16:creationId xmlns:a16="http://schemas.microsoft.com/office/drawing/2014/main" id="{3B93F510-6AA1-022A-DA63-55A0B2265B73}"/>
-                  </a:ext>
-                </a:extLst>
-              </p:cNvPr>
-              <p:cNvSpPr txBox="1">
-                <a:spLocks noRot="1" noChangeAspect="1" noMove="1" noResize="1" noEditPoints="1" noAdjustHandles="1" noChangeArrowheads="1" noChangeShapeType="1" noTextEdit="1"/>
-              </p:cNvSpPr>
-              <p:nvPr/>
-            </p:nvSpPr>
-            <p:spPr>
-              <a:xfrm>
-                <a:off x="14057539" y="7256097"/>
-                <a:ext cx="13510075" cy="461665"/>
-              </a:xfrm>
-              <a:prstGeom prst="rect">
-                <a:avLst/>
-              </a:prstGeom>
-              <a:blipFill>
-                <a:blip r:embed="rId16"/>
-                <a:stretch>
-                  <a:fillRect l="-657" t="-10811" b="-29730"/>
-                </a:stretch>
-              </a:blipFill>
-            </p:spPr>
-            <p:txBody>
-              <a:bodyPr/>
-              <a:lstStyle/>
-              <a:p>
-                <a:r>
-                  <a:rPr lang="ja-JP" altLang="en-US">
-                    <a:noFill/>
-                  </a:rPr>
-                  <a:t> </a:t>
-                </a:r>
-              </a:p>
-            </p:txBody>
-          </p:sp>
-        </mc:Fallback>
-      </mc:AlternateContent>
-      <p:pic>
-        <p:nvPicPr>
-          <p:cNvPr id="1040" name="Picture 16" descr="\begin{align*}&#10;  Ng \left( \frac{Ngt}{\varepsilon}\right)^{\frac1p}&#10;\end{align*}">
+      <p:sp>
+        <p:nvSpPr>
+          <p:cNvPr id="21" name="正方形/長方形 20">
             <a:extLst>
               <a:ext uri="{FF2B5EF4-FFF2-40B4-BE49-F238E27FC236}">
-                <a16:creationId xmlns:a16="http://schemas.microsoft.com/office/drawing/2014/main" id="{77E4C447-8C74-FB04-8A83-205D708E3B71}"/>
+                <a16:creationId xmlns:a16="http://schemas.microsoft.com/office/drawing/2014/main" id="{6AF1576D-CE9C-15BF-077D-22FBFE3C6CEE}"/>
               </a:ext>
             </a:extLst>
           </p:cNvPr>
-          <p:cNvPicPr>
-            <a:picLocks noChangeAspect="1" noChangeArrowheads="1"/>
-          </p:cNvPicPr>
+          <p:cNvSpPr/>
           <p:nvPr/>
-        </p:nvPicPr>
-        <p:blipFill>
-          <a:blip r:embed="rId17">
-            <a:extLst>
-              <a:ext uri="{28A0092B-C50C-407E-A947-70E740481C1C}">
-                <a14:useLocalDpi xmlns:a14="http://schemas.microsoft.com/office/drawing/2010/main" val="0"/>
-              </a:ext>
-            </a:extLst>
-          </a:blip>
-          <a:srcRect/>
-          <a:stretch>
-            <a:fillRect/>
-          </a:stretch>
-        </p:blipFill>
-        <p:spPr bwMode="auto">
+        </p:nvSpPr>
+        <p:spPr>
           <a:xfrm>
-            <a:off x="18203518" y="3295291"/>
-            <a:ext cx="1468279" cy="728560"/>
+            <a:off x="24780121" y="5777006"/>
+            <a:ext cx="836728" cy="459881"/>
           </a:xfrm>
           <a:prstGeom prst="rect">
             <a:avLst/>
           </a:prstGeom>
-          <a:noFill/>
-          <a:extLst>
-            <a:ext uri="{909E8E84-426E-40DD-AFC4-6F175D3DCCD1}">
-              <a14:hiddenFill xmlns:a14="http://schemas.microsoft.com/office/drawing/2010/main">
-                <a:solidFill>
-                  <a:srgbClr val="FFFFFF"/>
-                </a:solidFill>
-              </a14:hiddenFill>
-            </a:ext>
-          </a:extLst>
+          <a:solidFill>
+            <a:schemeClr val="accent6">
+              <a:lumMod val="20000"/>
+              <a:lumOff val="80000"/>
+              <a:alpha val="50000"/>
+            </a:schemeClr>
+          </a:solidFill>
+          <a:ln>
+            <a:noFill/>
+          </a:ln>
         </p:spPr>
-      </p:pic>
-      <p:pic>
-        <p:nvPicPr>
-          <p:cNvPr id="1042" name="Picture 18" descr="\begin{align*}&#10;  N^k g \left( \frac{Ngt}{\varepsilon}\right)^{\frac1p}&#10;\end{align*}">
+        <p:style>
+          <a:lnRef idx="2">
+            <a:schemeClr val="accent1">
+              <a:shade val="15000"/>
+            </a:schemeClr>
+          </a:lnRef>
+          <a:fillRef idx="1">
+            <a:schemeClr val="accent1"/>
+          </a:fillRef>
+          <a:effectRef idx="0">
+            <a:schemeClr val="accent1"/>
+          </a:effectRef>
+          <a:fontRef idx="minor">
+            <a:schemeClr val="lt1"/>
+          </a:fontRef>
+        </p:style>
+        <p:txBody>
+          <a:bodyPr rtlCol="0" anchor="ctr"/>
+          <a:lstStyle/>
+          <a:p>
+            <a:pPr algn="ctr"/>
+            <a:endParaRPr kumimoji="1" lang="ja-JP" altLang="en-US"/>
+          </a:p>
+        </p:txBody>
+      </p:sp>
+      <p:sp>
+        <p:nvSpPr>
+          <p:cNvPr id="22" name="テキスト ボックス 21">
             <a:extLst>
               <a:ext uri="{FF2B5EF4-FFF2-40B4-BE49-F238E27FC236}">
-                <a16:creationId xmlns:a16="http://schemas.microsoft.com/office/drawing/2014/main" id="{33938A12-5835-496F-2A00-AC9C34DC4C36}"/>
-              </a:ext>
-            </a:extLst>
-          </p:cNvPr>
-          <p:cNvPicPr>
-            <a:picLocks noChangeAspect="1" noChangeArrowheads="1"/>
-          </p:cNvPicPr>
-          <p:nvPr/>
-        </p:nvPicPr>
-        <p:blipFill>
-          <a:blip r:embed="rId18">
-            <a:extLst>
-              <a:ext uri="{28A0092B-C50C-407E-A947-70E740481C1C}">
-                <a14:useLocalDpi xmlns:a14="http://schemas.microsoft.com/office/drawing/2010/main" val="0"/>
-              </a:ext>
-            </a:extLst>
-          </a:blip>
-          <a:srcRect/>
-          <a:stretch>
-            <a:fillRect/>
-          </a:stretch>
-        </p:blipFill>
-        <p:spPr bwMode="auto">
-          <a:xfrm>
-            <a:off x="21878311" y="3295291"/>
-            <a:ext cx="1552080" cy="707885"/>
-          </a:xfrm>
-          <a:prstGeom prst="rect">
-            <a:avLst/>
-          </a:prstGeom>
-          <a:noFill/>
-          <a:extLst>
-            <a:ext uri="{909E8E84-426E-40DD-AFC4-6F175D3DCCD1}">
-              <a14:hiddenFill xmlns:a14="http://schemas.microsoft.com/office/drawing/2010/main">
-                <a:solidFill>
-                  <a:srgbClr val="FFFFFF"/>
-                </a:solidFill>
-              </a14:hiddenFill>
-            </a:ext>
-          </a:extLst>
-        </p:spPr>
-      </p:pic>
-      <p:pic>
-        <p:nvPicPr>
-          <p:cNvPr id="1044" name="Picture 20" descr="\begin{align*}&#10;  N(Ngt+\log(1/\varepsilon))&#10;\end{align*}">
-            <a:extLst>
-              <a:ext uri="{FF2B5EF4-FFF2-40B4-BE49-F238E27FC236}">
-                <a16:creationId xmlns:a16="http://schemas.microsoft.com/office/drawing/2014/main" id="{E24F740D-CC9B-4E73-9EC3-B5CD138DB32F}"/>
-              </a:ext>
-            </a:extLst>
-          </p:cNvPr>
-          <p:cNvPicPr>
-            <a:picLocks noChangeAspect="1" noChangeArrowheads="1"/>
-          </p:cNvPicPr>
-          <p:nvPr/>
-        </p:nvPicPr>
-        <p:blipFill>
-          <a:blip r:embed="rId19">
-            <a:extLst>
-              <a:ext uri="{28A0092B-C50C-407E-A947-70E740481C1C}">
-                <a14:useLocalDpi xmlns:a14="http://schemas.microsoft.com/office/drawing/2010/main" val="0"/>
-              </a:ext>
-            </a:extLst>
-          </a:blip>
-          <a:srcRect/>
-          <a:stretch>
-            <a:fillRect/>
-          </a:stretch>
-        </p:blipFill>
-        <p:spPr bwMode="auto">
-          <a:xfrm>
-            <a:off x="17682888" y="4434380"/>
-            <a:ext cx="2408270" cy="299020"/>
-          </a:xfrm>
-          <a:prstGeom prst="rect">
-            <a:avLst/>
-          </a:prstGeom>
-          <a:noFill/>
-          <a:extLst>
-            <a:ext uri="{909E8E84-426E-40DD-AFC4-6F175D3DCCD1}">
-              <a14:hiddenFill xmlns:a14="http://schemas.microsoft.com/office/drawing/2010/main">
-                <a:solidFill>
-                  <a:srgbClr val="FFFFFF"/>
-                </a:solidFill>
-              </a14:hiddenFill>
-            </a:ext>
-          </a:extLst>
-        </p:spPr>
-      </p:pic>
-      <p:pic>
-        <p:nvPicPr>
-          <p:cNvPr id="1046" name="Picture 22" descr="\begin{align*}&#10;  N^k(Ngt+\log(1/\varepsilon))&#10;\end{align*}">
-            <a:extLst>
-              <a:ext uri="{FF2B5EF4-FFF2-40B4-BE49-F238E27FC236}">
-                <a16:creationId xmlns:a16="http://schemas.microsoft.com/office/drawing/2014/main" id="{ABE27C81-7345-78D3-1811-63FF8AA816B2}"/>
-              </a:ext>
-            </a:extLst>
-          </p:cNvPr>
-          <p:cNvPicPr>
-            <a:picLocks noChangeAspect="1" noChangeArrowheads="1"/>
-          </p:cNvPicPr>
-          <p:nvPr/>
-        </p:nvPicPr>
-        <p:blipFill>
-          <a:blip r:embed="rId20">
-            <a:extLst>
-              <a:ext uri="{28A0092B-C50C-407E-A947-70E740481C1C}">
-                <a14:useLocalDpi xmlns:a14="http://schemas.microsoft.com/office/drawing/2010/main" val="0"/>
-              </a:ext>
-            </a:extLst>
-          </a:blip>
-          <a:srcRect/>
-          <a:stretch>
-            <a:fillRect/>
-          </a:stretch>
-        </p:blipFill>
-        <p:spPr bwMode="auto">
-          <a:xfrm>
-            <a:off x="21369734" y="4401721"/>
-            <a:ext cx="2474625" cy="332956"/>
-          </a:xfrm>
-          <a:prstGeom prst="rect">
-            <a:avLst/>
-          </a:prstGeom>
-          <a:noFill/>
-          <a:extLst>
-            <a:ext uri="{909E8E84-426E-40DD-AFC4-6F175D3DCCD1}">
-              <a14:hiddenFill xmlns:a14="http://schemas.microsoft.com/office/drawing/2010/main">
-                <a:solidFill>
-                  <a:srgbClr val="FFFFFF"/>
-                </a:solidFill>
-              </a14:hiddenFill>
-            </a:ext>
-          </a:extLst>
-        </p:spPr>
-      </p:pic>
-      <p:pic>
-        <p:nvPicPr>
-          <p:cNvPr id="1048" name="Picture 24" descr="\begin{align*}&#10;  Ngt \times \text{polylog}(Ngt/\varepsilon)&#10;\end{align*}">
-            <a:extLst>
-              <a:ext uri="{FF2B5EF4-FFF2-40B4-BE49-F238E27FC236}">
-                <a16:creationId xmlns:a16="http://schemas.microsoft.com/office/drawing/2014/main" id="{F128383E-E755-76D7-094E-A6477A8106FB}"/>
-              </a:ext>
-            </a:extLst>
-          </p:cNvPr>
-          <p:cNvPicPr>
-            <a:picLocks noChangeAspect="1" noChangeArrowheads="1"/>
-          </p:cNvPicPr>
-          <p:nvPr/>
-        </p:nvPicPr>
-        <p:blipFill>
-          <a:blip r:embed="rId21">
-            <a:extLst>
-              <a:ext uri="{28A0092B-C50C-407E-A947-70E740481C1C}">
-                <a14:useLocalDpi xmlns:a14="http://schemas.microsoft.com/office/drawing/2010/main" val="0"/>
-              </a:ext>
-            </a:extLst>
-          </a:blip>
-          <a:srcRect/>
-          <a:stretch>
-            <a:fillRect/>
-          </a:stretch>
-        </p:blipFill>
-        <p:spPr bwMode="auto">
-          <a:xfrm>
-            <a:off x="17472484" y="5315021"/>
-            <a:ext cx="3000980" cy="315594"/>
-          </a:xfrm>
-          <a:prstGeom prst="rect">
-            <a:avLst/>
-          </a:prstGeom>
-          <a:noFill/>
-          <a:extLst>
-            <a:ext uri="{909E8E84-426E-40DD-AFC4-6F175D3DCCD1}">
-              <a14:hiddenFill xmlns:a14="http://schemas.microsoft.com/office/drawing/2010/main">
-                <a:solidFill>
-                  <a:srgbClr val="FFFFFF"/>
-                </a:solidFill>
-              </a14:hiddenFill>
-            </a:ext>
-          </a:extLst>
-        </p:spPr>
-      </p:pic>
-      <p:pic>
-        <p:nvPicPr>
-          <p:cNvPr id="1050" name="Picture 26" descr="\begin{align*}&#10;  N^{1+\frac1{p+1}}gt \times \text{polylog}(Ngt/\varepsilon)&#10;\end{align*}">
-            <a:extLst>
-              <a:ext uri="{FF2B5EF4-FFF2-40B4-BE49-F238E27FC236}">
-                <a16:creationId xmlns:a16="http://schemas.microsoft.com/office/drawing/2014/main" id="{53048D82-827F-1771-8A4A-9EEB1B55E2D5}"/>
-              </a:ext>
-            </a:extLst>
-          </p:cNvPr>
-          <p:cNvPicPr>
-            <a:picLocks noChangeAspect="1" noChangeArrowheads="1"/>
-          </p:cNvPicPr>
-          <p:nvPr/>
-        </p:nvPicPr>
-        <p:blipFill>
-          <a:blip r:embed="rId22">
-            <a:extLst>
-              <a:ext uri="{28A0092B-C50C-407E-A947-70E740481C1C}">
-                <a14:useLocalDpi xmlns:a14="http://schemas.microsoft.com/office/drawing/2010/main" val="0"/>
-              </a:ext>
-            </a:extLst>
-          </a:blip>
-          <a:srcRect/>
-          <a:stretch>
-            <a:fillRect/>
-          </a:stretch>
-        </p:blipFill>
-        <p:spPr bwMode="auto">
-          <a:xfrm>
-            <a:off x="17198004" y="6354264"/>
-            <a:ext cx="3549940" cy="381866"/>
-          </a:xfrm>
-          <a:prstGeom prst="rect">
-            <a:avLst/>
-          </a:prstGeom>
-          <a:noFill/>
-          <a:extLst>
-            <a:ext uri="{909E8E84-426E-40DD-AFC4-6F175D3DCCD1}">
-              <a14:hiddenFill xmlns:a14="http://schemas.microsoft.com/office/drawing/2010/main">
-                <a:solidFill>
-                  <a:srgbClr val="FFFFFF"/>
-                </a:solidFill>
-              </a14:hiddenFill>
-            </a:ext>
-          </a:extLst>
-        </p:spPr>
-      </p:pic>
-      <p:pic>
-        <p:nvPicPr>
-          <p:cNvPr id="1052" name="Picture 28" descr="\begin{align*}&#10;  N^{k+\frac1{p+1}}gt \times \text{polylog}(Ngt/\varepsilon)&#10;\end{align*}">
-            <a:extLst>
-              <a:ext uri="{FF2B5EF4-FFF2-40B4-BE49-F238E27FC236}">
-                <a16:creationId xmlns:a16="http://schemas.microsoft.com/office/drawing/2014/main" id="{9E0CBC76-3672-DC7C-E528-A55636202459}"/>
-              </a:ext>
-            </a:extLst>
-          </p:cNvPr>
-          <p:cNvPicPr>
-            <a:picLocks noChangeAspect="1" noChangeArrowheads="1"/>
-          </p:cNvPicPr>
-          <p:nvPr/>
-        </p:nvPicPr>
-        <p:blipFill>
-          <a:blip r:embed="rId23">
-            <a:extLst>
-              <a:ext uri="{28A0092B-C50C-407E-A947-70E740481C1C}">
-                <a14:useLocalDpi xmlns:a14="http://schemas.microsoft.com/office/drawing/2010/main" val="0"/>
-              </a:ext>
-            </a:extLst>
-          </a:blip>
-          <a:srcRect/>
-          <a:stretch>
-            <a:fillRect/>
-          </a:stretch>
-        </p:blipFill>
-        <p:spPr bwMode="auto">
-          <a:xfrm>
-            <a:off x="20974843" y="6354264"/>
-            <a:ext cx="3374251" cy="361706"/>
-          </a:xfrm>
-          <a:prstGeom prst="rect">
-            <a:avLst/>
-          </a:prstGeom>
-          <a:noFill/>
-          <a:extLst>
-            <a:ext uri="{909E8E84-426E-40DD-AFC4-6F175D3DCCD1}">
-              <a14:hiddenFill xmlns:a14="http://schemas.microsoft.com/office/drawing/2010/main">
-                <a:solidFill>
-                  <a:srgbClr val="FFFFFF"/>
-                </a:solidFill>
-              </a14:hiddenFill>
-            </a:ext>
-          </a:extLst>
-        </p:spPr>
-      </p:pic>
-      <mc:AlternateContent xmlns:mc="http://schemas.openxmlformats.org/markup-compatibility/2006" xmlns:a14="http://schemas.microsoft.com/office/drawing/2010/main">
-        <mc:Choice Requires="a14">
-          <p:sp>
-            <p:nvSpPr>
-              <p:cNvPr id="85" name="テキスト ボックス 84">
-                <a:extLst>
-                  <a:ext uri="{FF2B5EF4-FFF2-40B4-BE49-F238E27FC236}">
-                    <a16:creationId xmlns:a16="http://schemas.microsoft.com/office/drawing/2014/main" id="{4A062954-366E-A514-B1F4-FF1DC7D64305}"/>
-                  </a:ext>
-                </a:extLst>
-              </p:cNvPr>
-              <p:cNvSpPr txBox="1"/>
-              <p:nvPr/>
-            </p:nvSpPr>
-            <p:spPr>
-              <a:xfrm>
-                <a:off x="22763783" y="5589308"/>
-                <a:ext cx="1889044" cy="338554"/>
-              </a:xfrm>
-              <a:prstGeom prst="rect">
-                <a:avLst/>
-              </a:prstGeom>
-              <a:noFill/>
-            </p:spPr>
-            <p:txBody>
-              <a:bodyPr wrap="square">
-                <a:spAutoFit/>
-              </a:bodyPr>
-              <a:lstStyle/>
-              <a:p>
-                <a:r>
-                  <a:rPr kumimoji="1" lang="en-US" altLang="ja-JP" sz="1600" dirty="0">
-                    <a:solidFill>
-                      <a:schemeClr val="accent1"/>
-                    </a:solidFill>
-                    <a:latin typeface="Times New Roman" panose="02020603050405020304" pitchFamily="18" charset="0"/>
-                    <a:ea typeface="YuKyokasho Medium" panose="02000500000000000000" pitchFamily="2" charset="-128"/>
-                    <a:cs typeface="Times New Roman" panose="02020603050405020304" pitchFamily="18" charset="0"/>
-                  </a:rPr>
-                  <a:t>Only for </a:t>
-                </a:r>
-                <a14:m>
-                  <m:oMath xmlns:m="http://schemas.openxmlformats.org/officeDocument/2006/math">
-                    <m:r>
-                      <a:rPr kumimoji="1" lang="en-US" altLang="ja-JP" sz="1600" i="1" smtClean="0">
-                        <a:solidFill>
-                          <a:schemeClr val="accent1"/>
-                        </a:solidFill>
-                        <a:latin typeface="Cambria Math" panose="02040503050406030204" pitchFamily="18" charset="0"/>
-                        <a:ea typeface="Cambria Math" panose="02040503050406030204" pitchFamily="18" charset="0"/>
-                        <a:cs typeface="Times New Roman" panose="02020603050405020304" pitchFamily="18" charset="0"/>
-                      </a:rPr>
-                      <m:t>𝜈</m:t>
-                    </m:r>
-                    <m:r>
-                      <a:rPr kumimoji="1" lang="en-US" altLang="ja-JP" sz="1600" b="0" i="1" smtClean="0">
-                        <a:solidFill>
-                          <a:schemeClr val="accent1"/>
-                        </a:solidFill>
-                        <a:latin typeface="Cambria Math" panose="02040503050406030204" pitchFamily="18" charset="0"/>
-                        <a:ea typeface="Cambria Math" panose="02040503050406030204" pitchFamily="18" charset="0"/>
-                        <a:cs typeface="Times New Roman" panose="02020603050405020304" pitchFamily="18" charset="0"/>
-                      </a:rPr>
-                      <m:t>&gt;2</m:t>
-                    </m:r>
-                    <m:r>
-                      <a:rPr kumimoji="1" lang="en-US" altLang="ja-JP" sz="1600" b="0" i="1" smtClean="0">
-                        <a:solidFill>
-                          <a:schemeClr val="accent1"/>
-                        </a:solidFill>
-                        <a:latin typeface="Cambria Math" panose="02040503050406030204" pitchFamily="18" charset="0"/>
-                        <a:ea typeface="Cambria Math" panose="02040503050406030204" pitchFamily="18" charset="0"/>
-                        <a:cs typeface="Times New Roman" panose="02020603050405020304" pitchFamily="18" charset="0"/>
-                      </a:rPr>
-                      <m:t>𝑑</m:t>
-                    </m:r>
-                  </m:oMath>
-                </a14:m>
-                <a:endParaRPr kumimoji="1" lang="en-US" altLang="ja-JP" sz="1600" dirty="0">
-                  <a:solidFill>
-                    <a:schemeClr val="tx1">
-                      <a:lumMod val="50000"/>
-                      <a:lumOff val="50000"/>
-                    </a:schemeClr>
-                  </a:solidFill>
-                  <a:latin typeface="Times New Roman" panose="02020603050405020304" pitchFamily="18" charset="0"/>
-                  <a:ea typeface="YuKyokasho Medium" panose="02000500000000000000" pitchFamily="2" charset="-128"/>
-                  <a:cs typeface="Times New Roman" panose="02020603050405020304" pitchFamily="18" charset="0"/>
-                </a:endParaRPr>
-              </a:p>
-            </p:txBody>
-          </p:sp>
-        </mc:Choice>
-        <mc:Fallback xmlns="">
-          <p:sp>
-            <p:nvSpPr>
-              <p:cNvPr id="85" name="テキスト ボックス 84">
-                <a:extLst>
-                  <a:ext uri="{FF2B5EF4-FFF2-40B4-BE49-F238E27FC236}">
-                    <a16:creationId xmlns:a16="http://schemas.microsoft.com/office/drawing/2014/main" id="{4A062954-366E-A514-B1F4-FF1DC7D64305}"/>
-                  </a:ext>
-                </a:extLst>
-              </p:cNvPr>
-              <p:cNvSpPr txBox="1">
-                <a:spLocks noRot="1" noChangeAspect="1" noMove="1" noResize="1" noEditPoints="1" noAdjustHandles="1" noChangeArrowheads="1" noChangeShapeType="1" noTextEdit="1"/>
-              </p:cNvSpPr>
-              <p:nvPr/>
-            </p:nvSpPr>
-            <p:spPr>
-              <a:xfrm>
-                <a:off x="22763783" y="5589308"/>
-                <a:ext cx="1889044" cy="338554"/>
-              </a:xfrm>
-              <a:prstGeom prst="rect">
-                <a:avLst/>
-              </a:prstGeom>
-              <a:blipFill>
-                <a:blip r:embed="rId24"/>
-                <a:stretch>
-                  <a:fillRect l="-2000" t="-7407" b="-22222"/>
-                </a:stretch>
-              </a:blipFill>
-            </p:spPr>
-            <p:txBody>
-              <a:bodyPr/>
-              <a:lstStyle/>
-              <a:p>
-                <a:r>
-                  <a:rPr lang="ja-JP" altLang="en-US">
-                    <a:noFill/>
-                  </a:rPr>
-                  <a:t> </a:t>
-                </a:r>
-              </a:p>
-            </p:txBody>
-          </p:sp>
-        </mc:Fallback>
-      </mc:AlternateContent>
-      <p:sp>
-        <p:nvSpPr>
-          <p:cNvPr id="4" name="テキスト ボックス 3">
-            <a:extLst>
-              <a:ext uri="{FF2B5EF4-FFF2-40B4-BE49-F238E27FC236}">
-                <a16:creationId xmlns:a16="http://schemas.microsoft.com/office/drawing/2014/main" id="{28A3205D-808E-04F8-BEA1-B44FAC506635}"/>
+                <a16:creationId xmlns:a16="http://schemas.microsoft.com/office/drawing/2014/main" id="{23AA1341-3706-B94C-03A7-DFD47E02A35C}"/>
               </a:ext>
             </a:extLst>
           </p:cNvPr>
@@ -6162,8 +4783,8 @@
         </p:nvSpPr>
         <p:spPr>
           <a:xfrm>
-            <a:off x="24915548" y="2379147"/>
-            <a:ext cx="2055222" cy="461665"/>
+            <a:off x="24935595" y="5060237"/>
+            <a:ext cx="2526573" cy="369332"/>
           </a:xfrm>
           <a:prstGeom prst="rect">
             <a:avLst/>
@@ -6177,27 +4798,129 @@
           <a:lstStyle/>
           <a:p>
             <a:r>
-              <a:rPr lang="en-US" altLang="ja-JP" sz="2400" dirty="0">
-                <a:latin typeface="Times New Roman" panose="02020603050405020304" pitchFamily="18" charset="0"/>
-                <a:ea typeface="YuKyokasho Medium" panose="02000500000000000000" pitchFamily="2" charset="-128"/>
-                <a:cs typeface="Times New Roman" panose="02020603050405020304" pitchFamily="18" charset="0"/>
-              </a:rPr>
-              <a:t>Ancilla qubits</a:t>
-            </a:r>
-            <a:endParaRPr lang="ja-JP" altLang="en-US" sz="2400">
+              <a:rPr lang="en-US" altLang="ja-JP" b="1" dirty="0">
+                <a:solidFill>
+                  <a:schemeClr val="accent6">
+                    <a:lumMod val="75000"/>
+                  </a:schemeClr>
+                </a:solidFill>
+                <a:latin typeface="Times New Roman" panose="02020603050405020304" pitchFamily="18" charset="0"/>
+                <a:ea typeface="YuKyokasho Medium" panose="02000500000000000000" pitchFamily="2" charset="-128"/>
+                <a:cs typeface="Times New Roman" panose="02020603050405020304" pitchFamily="18" charset="0"/>
+              </a:rPr>
+              <a:t>Hamiltonian simulation</a:t>
+            </a:r>
+            <a:endParaRPr lang="ja-JP" altLang="en-US" b="1">
+              <a:solidFill>
+                <a:schemeClr val="accent6">
+                  <a:lumMod val="75000"/>
+                </a:schemeClr>
+              </a:solidFill>
               <a:latin typeface="Times New Roman" panose="02020603050405020304" pitchFamily="18" charset="0"/>
-              <a:ea typeface="YuKyokasho Medium" panose="02000500000000000000" pitchFamily="2" charset="-128"/>
+              <a:ea typeface="YUKYOKASHO MEDIUM" panose="02000500000000000000" pitchFamily="2" charset="-128"/>
               <a:cs typeface="Times New Roman" panose="02020603050405020304" pitchFamily="18" charset="0"/>
             </a:endParaRPr>
           </a:p>
         </p:txBody>
       </p:sp>
-      <p:sp>
-        <p:nvSpPr>
-          <p:cNvPr id="6" name="テキスト ボックス 5">
+      <p:cxnSp>
+        <p:nvCxnSpPr>
+          <p:cNvPr id="24" name="直線コネクタ 23">
             <a:extLst>
               <a:ext uri="{FF2B5EF4-FFF2-40B4-BE49-F238E27FC236}">
-                <a16:creationId xmlns:a16="http://schemas.microsoft.com/office/drawing/2014/main" id="{40DF1C58-48DC-EF89-BF9F-3E03E3C5416E}"/>
+                <a16:creationId xmlns:a16="http://schemas.microsoft.com/office/drawing/2014/main" id="{04ACBC86-1FDE-EC5A-032E-F06CB42D6698}"/>
+              </a:ext>
+            </a:extLst>
+          </p:cNvPr>
+          <p:cNvCxnSpPr>
+            <a:cxnSpLocks/>
+            <a:endCxn id="22" idx="0"/>
+          </p:cNvCxnSpPr>
+          <p:nvPr/>
+        </p:nvCxnSpPr>
+        <p:spPr>
+          <a:xfrm>
+            <a:off x="25132967" y="4910990"/>
+            <a:ext cx="1065915" cy="149247"/>
+          </a:xfrm>
+          <a:prstGeom prst="line">
+            <a:avLst/>
+          </a:prstGeom>
+          <a:ln w="38100">
+            <a:solidFill>
+              <a:schemeClr val="accent6">
+                <a:lumMod val="75000"/>
+              </a:schemeClr>
+            </a:solidFill>
+          </a:ln>
+        </p:spPr>
+        <p:style>
+          <a:lnRef idx="1">
+            <a:schemeClr val="accent1"/>
+          </a:lnRef>
+          <a:fillRef idx="0">
+            <a:schemeClr val="accent1"/>
+          </a:fillRef>
+          <a:effectRef idx="0">
+            <a:schemeClr val="accent1"/>
+          </a:effectRef>
+          <a:fontRef idx="minor">
+            <a:schemeClr val="tx1"/>
+          </a:fontRef>
+        </p:style>
+      </p:cxnSp>
+      <p:cxnSp>
+        <p:nvCxnSpPr>
+          <p:cNvPr id="26" name="直線コネクタ 25">
+            <a:extLst>
+              <a:ext uri="{FF2B5EF4-FFF2-40B4-BE49-F238E27FC236}">
+                <a16:creationId xmlns:a16="http://schemas.microsoft.com/office/drawing/2014/main" id="{CBEF31AF-A6BA-4D5E-6038-24D33D86A58D}"/>
+              </a:ext>
+            </a:extLst>
+          </p:cNvPr>
+          <p:cNvCxnSpPr>
+            <a:cxnSpLocks/>
+            <a:endCxn id="22" idx="2"/>
+          </p:cNvCxnSpPr>
+          <p:nvPr/>
+        </p:nvCxnSpPr>
+        <p:spPr>
+          <a:xfrm flipV="1">
+            <a:off x="25132967" y="5429569"/>
+            <a:ext cx="1065915" cy="196629"/>
+          </a:xfrm>
+          <a:prstGeom prst="line">
+            <a:avLst/>
+          </a:prstGeom>
+          <a:ln w="38100">
+            <a:solidFill>
+              <a:schemeClr val="accent6">
+                <a:lumMod val="75000"/>
+              </a:schemeClr>
+            </a:solidFill>
+          </a:ln>
+        </p:spPr>
+        <p:style>
+          <a:lnRef idx="1">
+            <a:schemeClr val="accent1"/>
+          </a:lnRef>
+          <a:fillRef idx="0">
+            <a:schemeClr val="accent1"/>
+          </a:fillRef>
+          <a:effectRef idx="0">
+            <a:schemeClr val="accent1"/>
+          </a:effectRef>
+          <a:fontRef idx="minor">
+            <a:schemeClr val="tx1"/>
+          </a:fontRef>
+        </p:style>
+      </p:cxnSp>
+      <p:sp>
+        <p:nvSpPr>
+          <p:cNvPr id="29" name="テキスト ボックス 28">
+            <a:extLst>
+              <a:ext uri="{FF2B5EF4-FFF2-40B4-BE49-F238E27FC236}">
+                <a16:creationId xmlns:a16="http://schemas.microsoft.com/office/drawing/2014/main" id="{18FF79C1-27F9-6BEE-664C-05A38BDA324B}"/>
               </a:ext>
             </a:extLst>
           </p:cNvPr>
@@ -6206,8 +4929,104 @@
         </p:nvSpPr>
         <p:spPr>
           <a:xfrm>
-            <a:off x="14544459" y="5600914"/>
-            <a:ext cx="2150341" cy="369332"/>
+            <a:off x="14207642" y="2633503"/>
+            <a:ext cx="8957625" cy="1169551"/>
+          </a:xfrm>
+          <a:prstGeom prst="rect">
+            <a:avLst/>
+          </a:prstGeom>
+          <a:solidFill>
+            <a:schemeClr val="accent6">
+              <a:lumMod val="20000"/>
+              <a:lumOff val="80000"/>
+            </a:schemeClr>
+          </a:solidFill>
+        </p:spPr>
+        <p:txBody>
+          <a:bodyPr wrap="square">
+            <a:spAutoFit/>
+          </a:bodyPr>
+          <a:lstStyle/>
+          <a:p>
+            <a:r>
+              <a:rPr lang="en-US" altLang="ja-JP" sz="2800" dirty="0">
+                <a:latin typeface="Times New Roman" panose="02020603050405020304" pitchFamily="18" charset="0"/>
+                <a:ea typeface="YuKyokasho Medium" panose="02000500000000000000" pitchFamily="2" charset="-128"/>
+                <a:cs typeface="Times New Roman" panose="02020603050405020304" pitchFamily="18" charset="0"/>
+              </a:rPr>
+              <a:t>Hamiltonian simulation </a:t>
+            </a:r>
+            <a:r>
+              <a:rPr lang="ja-JP" altLang="en-US" sz="2800">
+                <a:latin typeface="Times New Roman" panose="02020603050405020304" pitchFamily="18" charset="0"/>
+                <a:ea typeface="YuKyokasho Medium" panose="02000500000000000000" pitchFamily="2" charset="-128"/>
+                <a:cs typeface="Times New Roman" panose="02020603050405020304" pitchFamily="18" charset="0"/>
+              </a:rPr>
+              <a:t>を</a:t>
+            </a:r>
+            <a:r>
+              <a:rPr lang="en-US" altLang="ja-JP" sz="2800" dirty="0">
+                <a:latin typeface="Times New Roman" panose="02020603050405020304" pitchFamily="18" charset="0"/>
+                <a:ea typeface="YuKyokasho Medium" panose="02000500000000000000" pitchFamily="2" charset="-128"/>
+                <a:cs typeface="Times New Roman" panose="02020603050405020304" pitchFamily="18" charset="0"/>
+              </a:rPr>
+              <a:t> “black-box” </a:t>
+            </a:r>
+            <a:r>
+              <a:rPr lang="ja-JP" altLang="en-US" sz="2800">
+                <a:latin typeface="Times New Roman" panose="02020603050405020304" pitchFamily="18" charset="0"/>
+                <a:ea typeface="YuKyokasho Medium" panose="02000500000000000000" pitchFamily="2" charset="-128"/>
+                <a:cs typeface="Times New Roman" panose="02020603050405020304" pitchFamily="18" charset="0"/>
+              </a:rPr>
+              <a:t>とせず、</a:t>
+            </a:r>
+            <a:endParaRPr lang="en-US" altLang="ja-JP" sz="2800" dirty="0">
+              <a:latin typeface="Times New Roman" panose="02020603050405020304" pitchFamily="18" charset="0"/>
+              <a:ea typeface="YuKyokasho Medium" panose="02000500000000000000" pitchFamily="2" charset="-128"/>
+              <a:cs typeface="Times New Roman" panose="02020603050405020304" pitchFamily="18" charset="0"/>
+            </a:endParaRPr>
+          </a:p>
+          <a:p>
+            <a:endParaRPr lang="en-US" altLang="ja-JP" sz="1400" dirty="0">
+              <a:latin typeface="Times New Roman" panose="02020603050405020304" pitchFamily="18" charset="0"/>
+              <a:ea typeface="YuKyokasho Medium" panose="02000500000000000000" pitchFamily="2" charset="-128"/>
+              <a:cs typeface="Times New Roman" panose="02020603050405020304" pitchFamily="18" charset="0"/>
+            </a:endParaRPr>
+          </a:p>
+          <a:p>
+            <a:pPr algn="r"/>
+            <a:r>
+              <a:rPr lang="ja-JP" altLang="en-US" sz="2800">
+                <a:latin typeface="Times New Roman" panose="02020603050405020304" pitchFamily="18" charset="0"/>
+                <a:ea typeface="YuKyokasho Medium" panose="02000500000000000000" pitchFamily="2" charset="-128"/>
+                <a:cs typeface="Times New Roman" panose="02020603050405020304" pitchFamily="18" charset="0"/>
+              </a:rPr>
+              <a:t>アルゴリズム全体で最良の計算コストを目指す</a:t>
+            </a:r>
+            <a:endParaRPr lang="ja-JP" altLang="en-US" sz="2800">
+              <a:latin typeface="YuKyokasho Medium" panose="02000500000000000000" pitchFamily="2" charset="-128"/>
+              <a:ea typeface="YuKyokasho Medium" panose="02000500000000000000" pitchFamily="2" charset="-128"/>
+              <a:cs typeface="Times New Roman" panose="02020603050405020304" pitchFamily="18" charset="0"/>
+            </a:endParaRPr>
+          </a:p>
+        </p:txBody>
+      </p:sp>
+      <p:sp>
+        <p:nvSpPr>
+          <p:cNvPr id="30" name="テキスト ボックス 29">
+            <a:extLst>
+              <a:ext uri="{FF2B5EF4-FFF2-40B4-BE49-F238E27FC236}">
+                <a16:creationId xmlns:a16="http://schemas.microsoft.com/office/drawing/2014/main" id="{8DE2487B-00F1-A765-84AB-1B8E0DF5A025}"/>
+              </a:ext>
+            </a:extLst>
+          </p:cNvPr>
+          <p:cNvSpPr txBox="1"/>
+          <p:nvPr/>
+        </p:nvSpPr>
+        <p:spPr>
+          <a:xfrm>
+            <a:off x="14656960" y="4750576"/>
+            <a:ext cx="8508308" cy="954107"/>
           </a:xfrm>
           <a:prstGeom prst="rect">
             <a:avLst/>
@@ -6221,44 +5040,69 @@
           <a:lstStyle/>
           <a:p>
             <a:r>
-              <a:rPr lang="ja-JP" altLang="en-US">
-                <a:solidFill>
-                  <a:srgbClr val="002060"/>
-                </a:solidFill>
-                <a:latin typeface="Times New Roman" panose="02020603050405020304" pitchFamily="18" charset="0"/>
-                <a:cs typeface="Times New Roman" panose="02020603050405020304" pitchFamily="18" charset="0"/>
-              </a:rPr>
-              <a:t>J. Haah, </a:t>
-            </a:r>
-            <a:r>
-              <a:rPr lang="en-US" altLang="ja-JP" dirty="0">
-                <a:solidFill>
-                  <a:srgbClr val="002060"/>
-                </a:solidFill>
-                <a:latin typeface="Times New Roman" panose="02020603050405020304" pitchFamily="18" charset="0"/>
-                <a:cs typeface="Times New Roman" panose="02020603050405020304" pitchFamily="18" charset="0"/>
-              </a:rPr>
-              <a:t>et al. </a:t>
-            </a:r>
-            <a:r>
-              <a:rPr lang="ja-JP" altLang="en-US">
-                <a:solidFill>
-                  <a:srgbClr val="002060"/>
-                </a:solidFill>
-                <a:latin typeface="Times New Roman" panose="02020603050405020304" pitchFamily="18" charset="0"/>
-                <a:cs typeface="Times New Roman" panose="02020603050405020304" pitchFamily="18" charset="0"/>
-              </a:rPr>
-              <a:t>(2021)</a:t>
-            </a:r>
-          </a:p>
-        </p:txBody>
-      </p:sp>
-      <p:sp>
-        <p:nvSpPr>
-          <p:cNvPr id="11" name="テキスト ボックス 10">
+              <a:rPr kumimoji="1" lang="en-US" altLang="ja-JP" sz="2800" dirty="0">
+                <a:latin typeface="Times New Roman" panose="02020603050405020304" pitchFamily="18" charset="0"/>
+                <a:ea typeface="YuKyokasho Medium" panose="02000500000000000000" pitchFamily="2" charset="-128"/>
+                <a:cs typeface="Times New Roman" panose="02020603050405020304" pitchFamily="18" charset="0"/>
+              </a:rPr>
+              <a:t>- </a:t>
+            </a:r>
+            <a:r>
+              <a:rPr kumimoji="1" lang="ja-JP" altLang="en-US" sz="2800">
+                <a:latin typeface="Times New Roman" panose="02020603050405020304" pitchFamily="18" charset="0"/>
+                <a:ea typeface="YuKyokasho Medium" panose="02000500000000000000" pitchFamily="2" charset="-128"/>
+                <a:cs typeface="Times New Roman" panose="02020603050405020304" pitchFamily="18" charset="0"/>
+              </a:rPr>
+              <a:t>初期状態等を反映した正確な誤差評価</a:t>
+            </a:r>
+            <a:r>
+              <a:rPr kumimoji="1" lang="en-US" altLang="ja-JP" sz="2800" dirty="0">
+                <a:latin typeface="Times New Roman" panose="02020603050405020304" pitchFamily="18" charset="0"/>
+                <a:ea typeface="YuKyokasho Medium" panose="02000500000000000000" pitchFamily="2" charset="-128"/>
+                <a:cs typeface="Times New Roman" panose="02020603050405020304" pitchFamily="18" charset="0"/>
+              </a:rPr>
+              <a:t> </a:t>
+            </a:r>
+          </a:p>
+          <a:p>
+            <a:pPr algn="r"/>
+            <a:r>
+              <a:rPr kumimoji="1" lang="ja-JP" altLang="en-US" sz="2800">
+                <a:latin typeface="Times New Roman" panose="02020603050405020304" pitchFamily="18" charset="0"/>
+                <a:ea typeface="YuKyokasho Medium" panose="02000500000000000000" pitchFamily="2" charset="-128"/>
+                <a:cs typeface="Times New Roman" panose="02020603050405020304" pitchFamily="18" charset="0"/>
+              </a:rPr>
+              <a:t>→</a:t>
+            </a:r>
+            <a:r>
+              <a:rPr kumimoji="1" lang="en-US" altLang="ja-JP" sz="2800" dirty="0">
+                <a:latin typeface="Times New Roman" panose="02020603050405020304" pitchFamily="18" charset="0"/>
+                <a:ea typeface="YuKyokasho Medium" panose="02000500000000000000" pitchFamily="2" charset="-128"/>
+                <a:cs typeface="Times New Roman" panose="02020603050405020304" pitchFamily="18" charset="0"/>
+              </a:rPr>
+              <a:t> </a:t>
+            </a:r>
+            <a:r>
+              <a:rPr kumimoji="1" lang="ja-JP" altLang="en-US" sz="2800">
+                <a:latin typeface="Times New Roman" panose="02020603050405020304" pitchFamily="18" charset="0"/>
+                <a:ea typeface="YuKyokasho Medium" panose="02000500000000000000" pitchFamily="2" charset="-128"/>
+                <a:cs typeface="Times New Roman" panose="02020603050405020304" pitchFamily="18" charset="0"/>
+              </a:rPr>
+              <a:t>計算コスト改善</a:t>
+            </a:r>
+            <a:endParaRPr lang="ja-JP" altLang="en-US" sz="2800">
+              <a:latin typeface="Times New Roman" panose="02020603050405020304" pitchFamily="18" charset="0"/>
+              <a:cs typeface="Times New Roman" panose="02020603050405020304" pitchFamily="18" charset="0"/>
+            </a:endParaRPr>
+          </a:p>
+        </p:txBody>
+      </p:sp>
+      <p:sp>
+        <p:nvSpPr>
+          <p:cNvPr id="31" name="テキスト ボックス 30">
             <a:extLst>
               <a:ext uri="{FF2B5EF4-FFF2-40B4-BE49-F238E27FC236}">
-                <a16:creationId xmlns:a16="http://schemas.microsoft.com/office/drawing/2014/main" id="{590EA74C-9C56-1342-9BAD-8ADDC99403E3}"/>
+                <a16:creationId xmlns:a16="http://schemas.microsoft.com/office/drawing/2014/main" id="{86FC0353-22F6-49D2-77FA-B46EFD2DD949}"/>
               </a:ext>
             </a:extLst>
           </p:cNvPr>
@@ -6267,8 +5111,8 @@
         </p:nvSpPr>
         <p:spPr>
           <a:xfrm>
-            <a:off x="14401100" y="4686967"/>
-            <a:ext cx="2393874" cy="369332"/>
+            <a:off x="14656959" y="6595555"/>
+            <a:ext cx="8508307" cy="954107"/>
           </a:xfrm>
           <a:prstGeom prst="rect">
             <a:avLst/>
@@ -6282,403 +5126,76 @@
           <a:lstStyle/>
           <a:p>
             <a:r>
-              <a:rPr lang="ja-JP" altLang="en-US">
-                <a:solidFill>
-                  <a:srgbClr val="002060"/>
-                </a:solidFill>
-                <a:latin typeface="Times New Roman" panose="02020603050405020304" pitchFamily="18" charset="0"/>
-                <a:cs typeface="Times New Roman" panose="02020603050405020304" pitchFamily="18" charset="0"/>
-              </a:rPr>
-              <a:t>A. Gilyén,</a:t>
-            </a:r>
-            <a:r>
-              <a:rPr lang="en-US" altLang="ja-JP" dirty="0">
-                <a:solidFill>
-                  <a:srgbClr val="002060"/>
-                </a:solidFill>
-                <a:latin typeface="Times New Roman" panose="02020603050405020304" pitchFamily="18" charset="0"/>
-                <a:cs typeface="Times New Roman" panose="02020603050405020304" pitchFamily="18" charset="0"/>
-              </a:rPr>
-              <a:t> et al. (2019)</a:t>
-            </a:r>
-            <a:endParaRPr lang="ja-JP" altLang="en-US">
-              <a:solidFill>
-                <a:srgbClr val="002060"/>
-              </a:solidFill>
+              <a:rPr kumimoji="1" lang="en-US" altLang="ja-JP" sz="2800" dirty="0">
+                <a:latin typeface="Times New Roman" panose="02020603050405020304" pitchFamily="18" charset="0"/>
+                <a:ea typeface="YuKyokasho Medium" panose="02000500000000000000" pitchFamily="2" charset="-128"/>
+                <a:cs typeface="Times New Roman" panose="02020603050405020304" pitchFamily="18" charset="0"/>
+              </a:rPr>
+              <a:t>- </a:t>
+            </a:r>
+            <a:r>
+              <a:rPr kumimoji="1" lang="ja-JP" altLang="en-US" sz="2800">
+                <a:latin typeface="Times New Roman" panose="02020603050405020304" pitchFamily="18" charset="0"/>
+                <a:ea typeface="YuKyokasho Medium" panose="02000500000000000000" pitchFamily="2" charset="-128"/>
+                <a:cs typeface="Times New Roman" panose="02020603050405020304" pitchFamily="18" charset="0"/>
+              </a:rPr>
+              <a:t>時間依存ダイナミクス</a:t>
+            </a:r>
+            <a:r>
+              <a:rPr kumimoji="1" lang="en-US" altLang="ja-JP" sz="2800" dirty="0">
+                <a:latin typeface="Times New Roman" panose="02020603050405020304" pitchFamily="18" charset="0"/>
+                <a:ea typeface="YuKyokasho Medium" panose="02000500000000000000" pitchFamily="2" charset="-128"/>
+                <a:cs typeface="Times New Roman" panose="02020603050405020304" pitchFamily="18" charset="0"/>
+              </a:rPr>
+              <a:t>/</a:t>
+            </a:r>
+            <a:r>
+              <a:rPr kumimoji="1" lang="ja-JP" altLang="en-US" sz="2800">
+                <a:latin typeface="Times New Roman" panose="02020603050405020304" pitchFamily="18" charset="0"/>
+                <a:ea typeface="YuKyokasho Medium" panose="02000500000000000000" pitchFamily="2" charset="-128"/>
+                <a:cs typeface="Times New Roman" panose="02020603050405020304" pitchFamily="18" charset="0"/>
+              </a:rPr>
+              <a:t>散逸系ダイナミクス</a:t>
+            </a:r>
+            <a:endParaRPr kumimoji="1" lang="en-US" altLang="ja-JP" sz="2800" dirty="0">
+              <a:latin typeface="Times New Roman" panose="02020603050405020304" pitchFamily="18" charset="0"/>
+              <a:ea typeface="YuKyokasho Medium" panose="02000500000000000000" pitchFamily="2" charset="-128"/>
+              <a:cs typeface="Times New Roman" panose="02020603050405020304" pitchFamily="18" charset="0"/>
+            </a:endParaRPr>
+          </a:p>
+          <a:p>
+            <a:pPr algn="r"/>
+            <a:r>
+              <a:rPr kumimoji="1" lang="ja-JP" altLang="en-US" sz="2800">
+                <a:latin typeface="Times New Roman" panose="02020603050405020304" pitchFamily="18" charset="0"/>
+                <a:ea typeface="YuKyokasho Medium" panose="02000500000000000000" pitchFamily="2" charset="-128"/>
+                <a:cs typeface="Times New Roman" panose="02020603050405020304" pitchFamily="18" charset="0"/>
+              </a:rPr>
+              <a:t>の</a:t>
+            </a:r>
+            <a:r>
+              <a:rPr kumimoji="1" lang="en-US" altLang="ja-JP" sz="2800" dirty="0">
+                <a:latin typeface="Times New Roman" panose="02020603050405020304" pitchFamily="18" charset="0"/>
+                <a:ea typeface="YuKyokasho Medium" panose="02000500000000000000" pitchFamily="2" charset="-128"/>
+                <a:cs typeface="Times New Roman" panose="02020603050405020304" pitchFamily="18" charset="0"/>
+              </a:rPr>
+              <a:t> end-to-end </a:t>
+            </a:r>
+            <a:r>
+              <a:rPr kumimoji="1" lang="ja-JP" altLang="en-US" sz="2800">
+                <a:latin typeface="Times New Roman" panose="02020603050405020304" pitchFamily="18" charset="0"/>
+                <a:ea typeface="YuKyokasho Medium" panose="02000500000000000000" pitchFamily="2" charset="-128"/>
+                <a:cs typeface="Times New Roman" panose="02020603050405020304" pitchFamily="18" charset="0"/>
+              </a:rPr>
+              <a:t>での計算コスト改善</a:t>
+            </a:r>
+            <a:endParaRPr lang="ja-JP" altLang="en-US" sz="2800">
               <a:latin typeface="Times New Roman" panose="02020603050405020304" pitchFamily="18" charset="0"/>
               <a:cs typeface="Times New Roman" panose="02020603050405020304" pitchFamily="18" charset="0"/>
             </a:endParaRPr>
           </a:p>
         </p:txBody>
       </p:sp>
-      <p:sp>
-        <p:nvSpPr>
-          <p:cNvPr id="12" name="テキスト ボックス 11">
-            <a:extLst>
-              <a:ext uri="{FF2B5EF4-FFF2-40B4-BE49-F238E27FC236}">
-                <a16:creationId xmlns:a16="http://schemas.microsoft.com/office/drawing/2014/main" id="{2B96F389-A365-1ED7-F28E-5E111F3CAE24}"/>
-              </a:ext>
-            </a:extLst>
-          </p:cNvPr>
-          <p:cNvSpPr txBox="1"/>
-          <p:nvPr/>
-        </p:nvSpPr>
-        <p:spPr>
-          <a:xfrm>
-            <a:off x="14431998" y="3642322"/>
-            <a:ext cx="2393874" cy="369332"/>
-          </a:xfrm>
-          <a:prstGeom prst="rect">
-            <a:avLst/>
-          </a:prstGeom>
-          <a:noFill/>
-        </p:spPr>
-        <p:txBody>
-          <a:bodyPr wrap="square">
-            <a:spAutoFit/>
-          </a:bodyPr>
-          <a:lstStyle/>
-          <a:p>
-            <a:r>
-              <a:rPr lang="en-US" altLang="ja-JP" dirty="0">
-                <a:solidFill>
-                  <a:srgbClr val="002060"/>
-                </a:solidFill>
-                <a:latin typeface="Times New Roman" panose="02020603050405020304" pitchFamily="18" charset="0"/>
-                <a:cs typeface="Times New Roman" panose="02020603050405020304" pitchFamily="18" charset="0"/>
-              </a:rPr>
-              <a:t>A. Childs, et al. (2021)</a:t>
-            </a:r>
-            <a:endParaRPr lang="ja-JP" altLang="en-US">
-              <a:solidFill>
-                <a:srgbClr val="002060"/>
-              </a:solidFill>
-              <a:latin typeface="Times New Roman" panose="02020603050405020304" pitchFamily="18" charset="0"/>
-              <a:cs typeface="Times New Roman" panose="02020603050405020304" pitchFamily="18" charset="0"/>
-            </a:endParaRPr>
-          </a:p>
-        </p:txBody>
-      </p:sp>
-      <p:pic>
-        <p:nvPicPr>
-          <p:cNvPr id="1028" name="Picture 4" descr="\begin{align*}&#10;  0 \qquad \log N \qquad \log \log (Ngt/\varepsilon)&#10;\end{align*}">
-            <a:extLst>
-              <a:ext uri="{FF2B5EF4-FFF2-40B4-BE49-F238E27FC236}">
-                <a16:creationId xmlns:a16="http://schemas.microsoft.com/office/drawing/2014/main" id="{8C1B1E44-FF9A-3EA1-F117-66A3EE95B5AE}"/>
-              </a:ext>
-            </a:extLst>
-          </p:cNvPr>
-          <p:cNvPicPr>
-            <a:picLocks noChangeAspect="1" noChangeArrowheads="1"/>
-          </p:cNvPicPr>
-          <p:nvPr/>
-        </p:nvPicPr>
-        <p:blipFill rotWithShape="1">
-          <a:blip r:embed="rId25">
-            <a:extLst>
-              <a:ext uri="{28A0092B-C50C-407E-A947-70E740481C1C}">
-                <a14:useLocalDpi xmlns:a14="http://schemas.microsoft.com/office/drawing/2010/main" val="0"/>
-              </a:ext>
-            </a:extLst>
-          </a:blip>
-          <a:srcRect l="18638" t="-26422" r="59956" b="-11238"/>
-          <a:stretch>
-            <a:fillRect/>
-          </a:stretch>
-        </p:blipFill>
-        <p:spPr bwMode="auto">
-          <a:xfrm>
-            <a:off x="25586976" y="4424065"/>
-            <a:ext cx="923653" cy="447568"/>
-          </a:xfrm>
-          <a:prstGeom prst="rect">
-            <a:avLst/>
-          </a:prstGeom>
-          <a:noFill/>
-          <a:extLst>
-            <a:ext uri="{909E8E84-426E-40DD-AFC4-6F175D3DCCD1}">
-              <a14:hiddenFill xmlns:a14="http://schemas.microsoft.com/office/drawing/2010/main">
-                <a:solidFill>
-                  <a:srgbClr val="FFFFFF"/>
-                </a:solidFill>
-              </a14:hiddenFill>
-            </a:ext>
-          </a:extLst>
-        </p:spPr>
-      </p:pic>
-      <p:pic>
-        <p:nvPicPr>
-          <p:cNvPr id="14" name="Picture 4" descr="\begin{align*}&#10;  0 \qquad \log N \qquad \log \log (Ngt/\varepsilon)&#10;\end{align*}">
-            <a:extLst>
-              <a:ext uri="{FF2B5EF4-FFF2-40B4-BE49-F238E27FC236}">
-                <a16:creationId xmlns:a16="http://schemas.microsoft.com/office/drawing/2014/main" id="{3580CD45-3CBA-F96D-056A-6B44BC2650FE}"/>
-              </a:ext>
-            </a:extLst>
-          </p:cNvPr>
-          <p:cNvPicPr>
-            <a:picLocks noChangeAspect="1" noChangeArrowheads="1"/>
-          </p:cNvPicPr>
-          <p:nvPr/>
-        </p:nvPicPr>
-        <p:blipFill rotWithShape="1">
-          <a:blip r:embed="rId25">
-            <a:extLst>
-              <a:ext uri="{28A0092B-C50C-407E-A947-70E740481C1C}">
-                <a14:useLocalDpi xmlns:a14="http://schemas.microsoft.com/office/drawing/2010/main" val="0"/>
-              </a:ext>
-            </a:extLst>
-          </a:blip>
-          <a:srcRect r="94750"/>
-          <a:stretch>
-            <a:fillRect/>
-          </a:stretch>
-        </p:blipFill>
-        <p:spPr bwMode="auto">
-          <a:xfrm>
-            <a:off x="25814596" y="3521382"/>
-            <a:ext cx="257126" cy="369021"/>
-          </a:xfrm>
-          <a:prstGeom prst="rect">
-            <a:avLst/>
-          </a:prstGeom>
-          <a:noFill/>
-          <a:extLst>
-            <a:ext uri="{909E8E84-426E-40DD-AFC4-6F175D3DCCD1}">
-              <a14:hiddenFill xmlns:a14="http://schemas.microsoft.com/office/drawing/2010/main">
-                <a:solidFill>
-                  <a:srgbClr val="FFFFFF"/>
-                </a:solidFill>
-              </a14:hiddenFill>
-            </a:ext>
-          </a:extLst>
-        </p:spPr>
-      </p:pic>
-      <p:pic>
-        <p:nvPicPr>
-          <p:cNvPr id="15" name="Picture 4" descr="\begin{align*}&#10;  0 \qquad \log N \qquad \log \log (Ngt/\varepsilon)&#10;\end{align*}">
-            <a:extLst>
-              <a:ext uri="{FF2B5EF4-FFF2-40B4-BE49-F238E27FC236}">
-                <a16:creationId xmlns:a16="http://schemas.microsoft.com/office/drawing/2014/main" id="{351D2977-0D7D-77A2-B631-501937992554}"/>
-              </a:ext>
-            </a:extLst>
-          </p:cNvPr>
-          <p:cNvPicPr>
-            <a:picLocks noChangeAspect="1" noChangeArrowheads="1"/>
-          </p:cNvPicPr>
-          <p:nvPr/>
-        </p:nvPicPr>
-        <p:blipFill rotWithShape="1">
-          <a:blip r:embed="rId25">
-            <a:extLst>
-              <a:ext uri="{28A0092B-C50C-407E-A947-70E740481C1C}">
-                <a14:useLocalDpi xmlns:a14="http://schemas.microsoft.com/office/drawing/2010/main" val="0"/>
-              </a:ext>
-            </a:extLst>
-          </a:blip>
-          <a:srcRect l="52277" t="-43365"/>
-          <a:stretch>
-            <a:fillRect/>
-          </a:stretch>
-        </p:blipFill>
-        <p:spPr bwMode="auto">
-          <a:xfrm>
-            <a:off x="25021028" y="5343487"/>
-            <a:ext cx="1937011" cy="438460"/>
-          </a:xfrm>
-          <a:prstGeom prst="rect">
-            <a:avLst/>
-          </a:prstGeom>
-          <a:noFill/>
-          <a:extLst>
-            <a:ext uri="{909E8E84-426E-40DD-AFC4-6F175D3DCCD1}">
-              <a14:hiddenFill xmlns:a14="http://schemas.microsoft.com/office/drawing/2010/main">
-                <a:solidFill>
-                  <a:srgbClr val="FFFFFF"/>
-                </a:solidFill>
-              </a14:hiddenFill>
-            </a:ext>
-          </a:extLst>
-        </p:spPr>
-      </p:pic>
-      <p:pic>
-        <p:nvPicPr>
-          <p:cNvPr id="16" name="Picture 4" descr="\begin{align*}&#10;  0 \qquad \log N \qquad \log \log (Ngt/\varepsilon)&#10;\end{align*}">
-            <a:extLst>
-              <a:ext uri="{FF2B5EF4-FFF2-40B4-BE49-F238E27FC236}">
-                <a16:creationId xmlns:a16="http://schemas.microsoft.com/office/drawing/2014/main" id="{FFBD0573-54F9-5592-A7E5-B27B4D2FB1BD}"/>
-              </a:ext>
-            </a:extLst>
-          </p:cNvPr>
-          <p:cNvPicPr>
-            <a:picLocks noChangeAspect="1" noChangeArrowheads="1"/>
-          </p:cNvPicPr>
-          <p:nvPr/>
-        </p:nvPicPr>
-        <p:blipFill rotWithShape="1">
-          <a:blip r:embed="rId25">
-            <a:extLst>
-              <a:ext uri="{28A0092B-C50C-407E-A947-70E740481C1C}">
-                <a14:useLocalDpi xmlns:a14="http://schemas.microsoft.com/office/drawing/2010/main" val="0"/>
-              </a:ext>
-            </a:extLst>
-          </a:blip>
-          <a:srcRect l="52277" t="-43365"/>
-          <a:stretch>
-            <a:fillRect/>
-          </a:stretch>
-        </p:blipFill>
-        <p:spPr bwMode="auto">
-          <a:xfrm>
-            <a:off x="24978422" y="6298623"/>
-            <a:ext cx="1937011" cy="438460"/>
-          </a:xfrm>
-          <a:prstGeom prst="rect">
-            <a:avLst/>
-          </a:prstGeom>
-          <a:noFill/>
-          <a:extLst>
-            <a:ext uri="{909E8E84-426E-40DD-AFC4-6F175D3DCCD1}">
-              <a14:hiddenFill xmlns:a14="http://schemas.microsoft.com/office/drawing/2010/main">
-                <a:solidFill>
-                  <a:srgbClr val="FFFFFF"/>
-                </a:solidFill>
-              </a14:hiddenFill>
-            </a:ext>
-          </a:extLst>
-        </p:spPr>
-      </p:pic>
-      <p:sp>
-        <p:nvSpPr>
-          <p:cNvPr id="17" name="テキスト ボックス 16">
-            <a:extLst>
-              <a:ext uri="{FF2B5EF4-FFF2-40B4-BE49-F238E27FC236}">
-                <a16:creationId xmlns:a16="http://schemas.microsoft.com/office/drawing/2014/main" id="{5897C5FD-A63E-0776-1654-3711173ED336}"/>
-              </a:ext>
-            </a:extLst>
-          </p:cNvPr>
-          <p:cNvSpPr txBox="1"/>
-          <p:nvPr/>
-        </p:nvSpPr>
-        <p:spPr>
-          <a:xfrm>
-            <a:off x="19214113" y="5758545"/>
-            <a:ext cx="3109242" cy="369332"/>
-          </a:xfrm>
-          <a:prstGeom prst="rect">
-            <a:avLst/>
-          </a:prstGeom>
-          <a:solidFill>
-            <a:schemeClr val="bg1"/>
-          </a:solidFill>
-        </p:spPr>
-        <p:txBody>
-          <a:bodyPr wrap="square">
-            <a:spAutoFit/>
-          </a:bodyPr>
-          <a:lstStyle/>
-          <a:p>
-            <a:r>
-              <a:rPr kumimoji="1" lang="ja-JP" altLang="en-US" b="0">
-                <a:solidFill>
-                  <a:schemeClr val="tx1">
-                    <a:lumMod val="50000"/>
-                    <a:lumOff val="50000"/>
-                  </a:schemeClr>
-                </a:solidFill>
-                <a:latin typeface="Times New Roman" panose="02020603050405020304" pitchFamily="18" charset="0"/>
-                <a:ea typeface="YuKyokasho Medium" panose="02000500000000000000" pitchFamily="2" charset="-128"/>
-                <a:cs typeface="Times New Roman" panose="02020603050405020304" pitchFamily="18" charset="0"/>
-              </a:rPr>
-              <a:t>←</a:t>
-            </a:r>
-            <a:r>
-              <a:rPr kumimoji="1" lang="en-US" altLang="ja-JP" b="0" dirty="0">
-                <a:solidFill>
-                  <a:schemeClr val="tx1">
-                    <a:lumMod val="50000"/>
-                    <a:lumOff val="50000"/>
-                  </a:schemeClr>
-                </a:solidFill>
-                <a:latin typeface="Times New Roman" panose="02020603050405020304" pitchFamily="18" charset="0"/>
-                <a:ea typeface="YuKyokasho Medium" panose="02000500000000000000" pitchFamily="2" charset="-128"/>
-                <a:cs typeface="Times New Roman" panose="02020603050405020304" pitchFamily="18" charset="0"/>
-              </a:rPr>
-              <a:t> Needs </a:t>
-            </a:r>
-            <a:r>
-              <a:rPr kumimoji="1" lang="en-US" altLang="ja-JP" dirty="0">
-                <a:solidFill>
-                  <a:schemeClr val="tx1">
-                    <a:lumMod val="50000"/>
-                    <a:lumOff val="50000"/>
-                  </a:schemeClr>
-                </a:solidFill>
-                <a:latin typeface="Times New Roman" panose="02020603050405020304" pitchFamily="18" charset="0"/>
-                <a:ea typeface="YuKyokasho Medium" panose="02000500000000000000" pitchFamily="2" charset="-128"/>
-                <a:cs typeface="Times New Roman" panose="02020603050405020304" pitchFamily="18" charset="0"/>
-              </a:rPr>
-              <a:t>Lieb-Robinson bound </a:t>
-            </a:r>
-            <a:endParaRPr lang="ja-JP" altLang="en-US">
-              <a:solidFill>
-                <a:schemeClr val="tx1">
-                  <a:lumMod val="50000"/>
-                  <a:lumOff val="50000"/>
-                </a:schemeClr>
-              </a:solidFill>
-              <a:latin typeface="Times New Roman" panose="02020603050405020304" pitchFamily="18" charset="0"/>
-              <a:cs typeface="Times New Roman" panose="02020603050405020304" pitchFamily="18" charset="0"/>
-            </a:endParaRPr>
-          </a:p>
-        </p:txBody>
-      </p:sp>
-      <p:pic>
-        <p:nvPicPr>
-          <p:cNvPr id="1026" name="Picture 2" descr="\begin{align*}&#10;  Ng t \left( \frac{Ngt}{\varepsilon} \right)^{\frac{2d}{\nu-d}}&#10;\end{align*}">
-            <a:extLst>
-              <a:ext uri="{FF2B5EF4-FFF2-40B4-BE49-F238E27FC236}">
-                <a16:creationId xmlns:a16="http://schemas.microsoft.com/office/drawing/2014/main" id="{93A70975-E5BB-F373-036A-02AFF9D2608D}"/>
-              </a:ext>
-            </a:extLst>
-          </p:cNvPr>
-          <p:cNvPicPr>
-            <a:picLocks noChangeAspect="1" noChangeArrowheads="1"/>
-          </p:cNvPicPr>
-          <p:nvPr/>
-        </p:nvPicPr>
-        <p:blipFill>
-          <a:blip r:embed="rId26">
-            <a:extLst>
-              <a:ext uri="{28A0092B-C50C-407E-A947-70E740481C1C}">
-                <a14:useLocalDpi xmlns:a14="http://schemas.microsoft.com/office/drawing/2010/main" val="0"/>
-              </a:ext>
-            </a:extLst>
-          </a:blip>
-          <a:srcRect/>
-          <a:stretch>
-            <a:fillRect/>
-          </a:stretch>
-        </p:blipFill>
-        <p:spPr bwMode="auto">
-          <a:xfrm>
-            <a:off x="21295785" y="5106168"/>
-            <a:ext cx="1770941" cy="717107"/>
-          </a:xfrm>
-          <a:prstGeom prst="rect">
-            <a:avLst/>
-          </a:prstGeom>
-          <a:noFill/>
-          <a:extLst>
-            <a:ext uri="{909E8E84-426E-40DD-AFC4-6F175D3DCCD1}">
-              <a14:hiddenFill xmlns:a14="http://schemas.microsoft.com/office/drawing/2010/main">
-                <a:solidFill>
-                  <a:srgbClr val="FFFFFF"/>
-                </a:solidFill>
-              </a14:hiddenFill>
-            </a:ext>
-          </a:extLst>
-        </p:spPr>
-      </p:pic>
     </p:spTree>
     <p:extLst>
       <p:ext uri="{BB962C8B-B14F-4D97-AF65-F5344CB8AC3E}">
